--- a/Docs/Plano de Negócios da [Guardado automaticamente].pptx
+++ b/Docs/Plano de Negócios da [Guardado automaticamente].pptx
@@ -5,23 +5,15 @@
     <p:sldMasterId id="2147483660" r:id="rId4"/>
   </p:sldMasterIdLst>
   <p:notesMasterIdLst>
-    <p:notesMasterId r:id="rId16"/>
+    <p:notesMasterId r:id="rId8"/>
   </p:notesMasterIdLst>
   <p:handoutMasterIdLst>
-    <p:handoutMasterId r:id="rId17"/>
+    <p:handoutMasterId r:id="rId9"/>
   </p:handoutMasterIdLst>
   <p:sldIdLst>
-    <p:sldId id="257" r:id="rId5"/>
-    <p:sldId id="268" r:id="rId6"/>
-    <p:sldId id="259" r:id="rId7"/>
-    <p:sldId id="267" r:id="rId8"/>
-    <p:sldId id="269" r:id="rId9"/>
-    <p:sldId id="270" r:id="rId10"/>
-    <p:sldId id="261" r:id="rId11"/>
-    <p:sldId id="262" r:id="rId12"/>
-    <p:sldId id="263" r:id="rId13"/>
-    <p:sldId id="271" r:id="rId14"/>
-    <p:sldId id="265" r:id="rId15"/>
+    <p:sldId id="268" r:id="rId5"/>
+    <p:sldId id="259" r:id="rId6"/>
+    <p:sldId id="262" r:id="rId7"/>
   </p:sldIdLst>
   <p:sldSz cx="12188825" cy="6858000"/>
   <p:notesSz cx="6858000" cy="9144000"/>
@@ -157,4936 +149,6 @@
 <p1510:revInfo xmlns:a="http://schemas.openxmlformats.org/drawingml/2006/main" xmlns:r="http://schemas.openxmlformats.org/officeDocument/2006/relationships" xmlns:p1510="http://schemas.microsoft.com/office/powerpoint/2015/10/main"/>
 </file>
 
-<file path=ppt/charts/chart1.xml><?xml version="1.0" encoding="utf-8"?>
-<c:chartSpace xmlns:c="http://schemas.openxmlformats.org/drawingml/2006/chart" xmlns:a="http://schemas.openxmlformats.org/drawingml/2006/main" xmlns:r="http://schemas.openxmlformats.org/officeDocument/2006/relationships" xmlns:c16r2="http://schemas.microsoft.com/office/drawing/2015/06/chart">
-  <c:date1904 val="0"/>
-  <c:lang val="pt-PT"/>
-  <c:roundedCorners val="0"/>
-  <mc:AlternateContent xmlns:mc="http://schemas.openxmlformats.org/markup-compatibility/2006">
-    <mc:Choice xmlns:c14="http://schemas.microsoft.com/office/drawing/2007/8/2/chart" Requires="c14">
-      <c14:style val="102"/>
-    </mc:Choice>
-    <mc:Fallback>
-      <c:style val="2"/>
-    </mc:Fallback>
-  </mc:AlternateContent>
-  <c:chart>
-    <c:autoTitleDeleted val="0"/>
-    <c:plotArea>
-      <c:layout/>
-      <c:barChart>
-        <c:barDir val="col"/>
-        <c:grouping val="clustered"/>
-        <c:varyColors val="0"/>
-        <c:ser>
-          <c:idx val="0"/>
-          <c:order val="0"/>
-          <c:tx>
-            <c:strRef>
-              <c:f>Sheet1!$B$1</c:f>
-              <c:strCache>
-                <c:ptCount val="1"/>
-                <c:pt idx="0">
-                  <c:v>Série 1</c:v>
-                </c:pt>
-              </c:strCache>
-            </c:strRef>
-          </c:tx>
-          <c:spPr>
-            <a:noFill/>
-            <a:ln w="25400" cap="flat" cmpd="sng" algn="ctr">
-              <a:solidFill>
-                <a:schemeClr val="accent1"/>
-              </a:solidFill>
-              <a:miter lim="800000"/>
-            </a:ln>
-            <a:effectLst/>
-          </c:spPr>
-          <c:invertIfNegative val="0"/>
-          <c:cat>
-            <c:strRef>
-              <c:f>Sheet1!$A$2:$A$5</c:f>
-              <c:strCache>
-                <c:ptCount val="4"/>
-                <c:pt idx="0">
-                  <c:v>Categoria 1</c:v>
-                </c:pt>
-                <c:pt idx="1">
-                  <c:v>Categoria 2</c:v>
-                </c:pt>
-                <c:pt idx="2">
-                  <c:v>Categoria 3</c:v>
-                </c:pt>
-                <c:pt idx="3">
-                  <c:v>Categoria 4</c:v>
-                </c:pt>
-              </c:strCache>
-            </c:strRef>
-          </c:cat>
-          <c:val>
-            <c:numRef>
-              <c:f>Sheet1!$B$2:$B$5</c:f>
-              <c:numCache>
-                <c:formatCode>General</c:formatCode>
-                <c:ptCount val="4"/>
-                <c:pt idx="0">
-                  <c:v>4.3</c:v>
-                </c:pt>
-                <c:pt idx="1">
-                  <c:v>2.5</c:v>
-                </c:pt>
-                <c:pt idx="2">
-                  <c:v>3.5</c:v>
-                </c:pt>
-                <c:pt idx="3">
-                  <c:v>4.5</c:v>
-                </c:pt>
-              </c:numCache>
-            </c:numRef>
-          </c:val>
-          <c:extLst>
-            <c:ext xmlns:c16="http://schemas.microsoft.com/office/drawing/2014/chart" uri="{C3380CC4-5D6E-409C-BE32-E72D297353CC}">
-              <c16:uniqueId val="{00000000-5E92-4051-99BC-2623F45BF7E0}"/>
-            </c:ext>
-          </c:extLst>
-        </c:ser>
-        <c:ser>
-          <c:idx val="1"/>
-          <c:order val="1"/>
-          <c:tx>
-            <c:strRef>
-              <c:f>Sheet1!$C$1</c:f>
-              <c:strCache>
-                <c:ptCount val="1"/>
-                <c:pt idx="0">
-                  <c:v>Série 2</c:v>
-                </c:pt>
-              </c:strCache>
-            </c:strRef>
-          </c:tx>
-          <c:spPr>
-            <a:noFill/>
-            <a:ln w="25400" cap="flat" cmpd="sng" algn="ctr">
-              <a:solidFill>
-                <a:schemeClr val="accent2"/>
-              </a:solidFill>
-              <a:miter lim="800000"/>
-            </a:ln>
-            <a:effectLst/>
-          </c:spPr>
-          <c:invertIfNegative val="0"/>
-          <c:cat>
-            <c:strRef>
-              <c:f>Sheet1!$A$2:$A$5</c:f>
-              <c:strCache>
-                <c:ptCount val="4"/>
-                <c:pt idx="0">
-                  <c:v>Categoria 1</c:v>
-                </c:pt>
-                <c:pt idx="1">
-                  <c:v>Categoria 2</c:v>
-                </c:pt>
-                <c:pt idx="2">
-                  <c:v>Categoria 3</c:v>
-                </c:pt>
-                <c:pt idx="3">
-                  <c:v>Categoria 4</c:v>
-                </c:pt>
-              </c:strCache>
-            </c:strRef>
-          </c:cat>
-          <c:val>
-            <c:numRef>
-              <c:f>Sheet1!$C$2:$C$5</c:f>
-              <c:numCache>
-                <c:formatCode>General</c:formatCode>
-                <c:ptCount val="4"/>
-                <c:pt idx="0">
-                  <c:v>2.4</c:v>
-                </c:pt>
-                <c:pt idx="1">
-                  <c:v>4.4000000000000004</c:v>
-                </c:pt>
-                <c:pt idx="2">
-                  <c:v>1.8</c:v>
-                </c:pt>
-                <c:pt idx="3">
-                  <c:v>2.8</c:v>
-                </c:pt>
-              </c:numCache>
-            </c:numRef>
-          </c:val>
-          <c:extLst>
-            <c:ext xmlns:c16="http://schemas.microsoft.com/office/drawing/2014/chart" uri="{C3380CC4-5D6E-409C-BE32-E72D297353CC}">
-              <c16:uniqueId val="{00000001-5E92-4051-99BC-2623F45BF7E0}"/>
-            </c:ext>
-          </c:extLst>
-        </c:ser>
-        <c:ser>
-          <c:idx val="2"/>
-          <c:order val="2"/>
-          <c:tx>
-            <c:strRef>
-              <c:f>Sheet1!$D$1</c:f>
-              <c:strCache>
-                <c:ptCount val="1"/>
-                <c:pt idx="0">
-                  <c:v>Série 3</c:v>
-                </c:pt>
-              </c:strCache>
-            </c:strRef>
-          </c:tx>
-          <c:spPr>
-            <a:noFill/>
-            <a:ln w="25400" cap="flat" cmpd="sng" algn="ctr">
-              <a:solidFill>
-                <a:schemeClr val="accent3"/>
-              </a:solidFill>
-              <a:miter lim="800000"/>
-            </a:ln>
-            <a:effectLst/>
-          </c:spPr>
-          <c:invertIfNegative val="0"/>
-          <c:cat>
-            <c:strRef>
-              <c:f>Sheet1!$A$2:$A$5</c:f>
-              <c:strCache>
-                <c:ptCount val="4"/>
-                <c:pt idx="0">
-                  <c:v>Categoria 1</c:v>
-                </c:pt>
-                <c:pt idx="1">
-                  <c:v>Categoria 2</c:v>
-                </c:pt>
-                <c:pt idx="2">
-                  <c:v>Categoria 3</c:v>
-                </c:pt>
-                <c:pt idx="3">
-                  <c:v>Categoria 4</c:v>
-                </c:pt>
-              </c:strCache>
-            </c:strRef>
-          </c:cat>
-          <c:val>
-            <c:numRef>
-              <c:f>Sheet1!$D$2:$D$5</c:f>
-              <c:numCache>
-                <c:formatCode>General</c:formatCode>
-                <c:ptCount val="4"/>
-                <c:pt idx="0">
-                  <c:v>2</c:v>
-                </c:pt>
-                <c:pt idx="1">
-                  <c:v>2</c:v>
-                </c:pt>
-                <c:pt idx="2">
-                  <c:v>3</c:v>
-                </c:pt>
-                <c:pt idx="3">
-                  <c:v>5</c:v>
-                </c:pt>
-              </c:numCache>
-            </c:numRef>
-          </c:val>
-          <c:extLst>
-            <c:ext xmlns:c16="http://schemas.microsoft.com/office/drawing/2014/chart" uri="{C3380CC4-5D6E-409C-BE32-E72D297353CC}">
-              <c16:uniqueId val="{00000002-5E92-4051-99BC-2623F45BF7E0}"/>
-            </c:ext>
-          </c:extLst>
-        </c:ser>
-        <c:dLbls>
-          <c:showLegendKey val="0"/>
-          <c:showVal val="0"/>
-          <c:showCatName val="0"/>
-          <c:showSerName val="0"/>
-          <c:showPercent val="0"/>
-          <c:showBubbleSize val="0"/>
-        </c:dLbls>
-        <c:gapWidth val="164"/>
-        <c:overlap val="-35"/>
-        <c:axId val="632163384"/>
-        <c:axId val="632166128"/>
-      </c:barChart>
-      <c:catAx>
-        <c:axId val="632163384"/>
-        <c:scaling>
-          <c:orientation val="minMax"/>
-        </c:scaling>
-        <c:delete val="0"/>
-        <c:axPos val="b"/>
-        <c:numFmt formatCode="General" sourceLinked="0"/>
-        <c:majorTickMark val="none"/>
-        <c:minorTickMark val="none"/>
-        <c:tickLblPos val="nextTo"/>
-        <c:spPr>
-          <a:noFill/>
-          <a:ln>
-            <a:noFill/>
-          </a:ln>
-          <a:effectLst/>
-        </c:spPr>
-        <c:txPr>
-          <a:bodyPr rot="-60000000" spcFirstLastPara="1" vertOverflow="ellipsis" vert="horz" wrap="square" anchor="ctr" anchorCtr="1"/>
-          <a:lstStyle/>
-          <a:p>
-            <a:pPr>
-              <a:defRPr sz="1197" b="0" i="0" u="none" strike="noStrike" kern="1200" baseline="0">
-                <a:solidFill>
-                  <a:schemeClr val="tx1">
-                    <a:lumMod val="50000"/>
-                    <a:lumOff val="50000"/>
-                  </a:schemeClr>
-                </a:solidFill>
-                <a:latin typeface="+mn-lt"/>
-                <a:ea typeface="+mn-ea"/>
-                <a:cs typeface="+mn-cs"/>
-              </a:defRPr>
-            </a:pPr>
-            <a:endParaRPr lang="pt-PT"/>
-          </a:p>
-        </c:txPr>
-        <c:crossAx val="632166128"/>
-        <c:crosses val="autoZero"/>
-        <c:auto val="1"/>
-        <c:lblAlgn val="ctr"/>
-        <c:lblOffset val="100"/>
-        <c:noMultiLvlLbl val="0"/>
-      </c:catAx>
-      <c:valAx>
-        <c:axId val="632166128"/>
-        <c:scaling>
-          <c:orientation val="minMax"/>
-        </c:scaling>
-        <c:delete val="0"/>
-        <c:axPos val="l"/>
-        <c:numFmt formatCode="General" sourceLinked="1"/>
-        <c:majorTickMark val="none"/>
-        <c:minorTickMark val="none"/>
-        <c:tickLblPos val="nextTo"/>
-        <c:spPr>
-          <a:noFill/>
-          <a:ln>
-            <a:noFill/>
-          </a:ln>
-          <a:effectLst/>
-        </c:spPr>
-        <c:txPr>
-          <a:bodyPr rot="-60000000" spcFirstLastPara="1" vertOverflow="ellipsis" vert="horz" wrap="square" anchor="ctr" anchorCtr="1"/>
-          <a:lstStyle/>
-          <a:p>
-            <a:pPr>
-              <a:defRPr sz="1197" b="0" i="0" u="none" strike="noStrike" kern="1200" baseline="0">
-                <a:solidFill>
-                  <a:schemeClr val="tx1">
-                    <a:lumMod val="50000"/>
-                    <a:lumOff val="50000"/>
-                  </a:schemeClr>
-                </a:solidFill>
-                <a:latin typeface="+mn-lt"/>
-                <a:ea typeface="+mn-ea"/>
-                <a:cs typeface="+mn-cs"/>
-              </a:defRPr>
-            </a:pPr>
-            <a:endParaRPr lang="pt-PT"/>
-          </a:p>
-        </c:txPr>
-        <c:crossAx val="632163384"/>
-        <c:crosses val="autoZero"/>
-        <c:crossBetween val="between"/>
-      </c:valAx>
-      <c:spPr>
-        <a:noFill/>
-        <a:ln>
-          <a:noFill/>
-        </a:ln>
-        <a:effectLst/>
-      </c:spPr>
-    </c:plotArea>
-    <c:legend>
-      <c:legendPos val="t"/>
-      <c:layout/>
-      <c:overlay val="0"/>
-      <c:spPr>
-        <a:noFill/>
-        <a:ln>
-          <a:noFill/>
-        </a:ln>
-        <a:effectLst/>
-      </c:spPr>
-      <c:txPr>
-        <a:bodyPr rot="0" spcFirstLastPara="1" vertOverflow="ellipsis" vert="horz" wrap="square" anchor="ctr" anchorCtr="1"/>
-        <a:lstStyle/>
-        <a:p>
-          <a:pPr>
-            <a:defRPr sz="1197" b="0" i="0" u="none" strike="noStrike" kern="1200" baseline="0">
-              <a:solidFill>
-                <a:schemeClr val="tx1">
-                  <a:lumMod val="50000"/>
-                  <a:lumOff val="50000"/>
-                </a:schemeClr>
-              </a:solidFill>
-              <a:latin typeface="+mn-lt"/>
-              <a:ea typeface="+mn-ea"/>
-              <a:cs typeface="+mn-cs"/>
-            </a:defRPr>
-          </a:pPr>
-          <a:endParaRPr lang="pt-PT"/>
-        </a:p>
-      </c:txPr>
-    </c:legend>
-    <c:plotVisOnly val="1"/>
-    <c:dispBlanksAs val="gap"/>
-    <c:showDLblsOverMax val="0"/>
-  </c:chart>
-  <c:spPr>
-    <a:noFill/>
-    <a:ln>
-      <a:noFill/>
-    </a:ln>
-    <a:effectLst/>
-  </c:spPr>
-  <c:txPr>
-    <a:bodyPr/>
-    <a:lstStyle/>
-    <a:p>
-      <a:pPr>
-        <a:defRPr/>
-      </a:pPr>
-      <a:endParaRPr lang="pt-PT"/>
-    </a:p>
-  </c:txPr>
-  <c:externalData r:id="rId3">
-    <c:autoUpdate val="0"/>
-  </c:externalData>
-</c:chartSpace>
-</file>
-
-<file path=ppt/charts/colors1.xml><?xml version="1.0" encoding="utf-8"?>
-<cs:colorStyle xmlns:cs="http://schemas.microsoft.com/office/drawing/2012/chartStyle" xmlns:a="http://schemas.openxmlformats.org/drawingml/2006/main" meth="cycle" id="10">
-  <a:schemeClr val="accent1"/>
-  <a:schemeClr val="accent2"/>
-  <a:schemeClr val="accent3"/>
-  <a:schemeClr val="accent4"/>
-  <a:schemeClr val="accent5"/>
-  <a:schemeClr val="accent6"/>
-  <cs:variation/>
-  <cs:variation>
-    <a:lumMod val="60000"/>
-  </cs:variation>
-  <cs:variation>
-    <a:lumMod val="80000"/>
-    <a:lumOff val="20000"/>
-  </cs:variation>
-  <cs:variation>
-    <a:lumMod val="80000"/>
-  </cs:variation>
-  <cs:variation>
-    <a:lumMod val="60000"/>
-    <a:lumOff val="40000"/>
-  </cs:variation>
-  <cs:variation>
-    <a:lumMod val="50000"/>
-  </cs:variation>
-  <cs:variation>
-    <a:lumMod val="70000"/>
-    <a:lumOff val="30000"/>
-  </cs:variation>
-  <cs:variation>
-    <a:lumMod val="70000"/>
-  </cs:variation>
-  <cs:variation>
-    <a:lumMod val="50000"/>
-    <a:lumOff val="50000"/>
-  </cs:variation>
-</cs:colorStyle>
-</file>
-
-<file path=ppt/charts/style1.xml><?xml version="1.0" encoding="utf-8"?>
-<cs:chartStyle xmlns:cs="http://schemas.microsoft.com/office/drawing/2012/chartStyle" xmlns:a="http://schemas.openxmlformats.org/drawingml/2006/main" id="211">
-  <cs:axisTitle>
-    <cs:lnRef idx="0"/>
-    <cs:fillRef idx="0"/>
-    <cs:effectRef idx="0"/>
-    <cs:fontRef idx="minor">
-      <a:schemeClr val="tx1">
-        <a:lumMod val="50000"/>
-        <a:lumOff val="50000"/>
-      </a:schemeClr>
-    </cs:fontRef>
-    <cs:defRPr sz="1197" kern="1200"/>
-  </cs:axisTitle>
-  <cs:categoryAxis>
-    <cs:lnRef idx="0"/>
-    <cs:fillRef idx="0"/>
-    <cs:effectRef idx="0"/>
-    <cs:fontRef idx="minor">
-      <a:schemeClr val="tx1">
-        <a:lumMod val="50000"/>
-        <a:lumOff val="50000"/>
-      </a:schemeClr>
-    </cs:fontRef>
-    <cs:defRPr sz="1197" kern="1200"/>
-  </cs:categoryAxis>
-  <cs:chartArea mods="allowNoFillOverride allowNoLineOverride">
-    <cs:lnRef idx="0"/>
-    <cs:fillRef idx="0"/>
-    <cs:effectRef idx="0"/>
-    <cs:fontRef idx="minor">
-      <a:schemeClr val="dk1"/>
-    </cs:fontRef>
-    <cs:spPr>
-      <a:solidFill>
-        <a:schemeClr val="bg1"/>
-      </a:solidFill>
-      <a:ln w="9525" cap="flat" cmpd="sng" algn="ctr">
-        <a:solidFill>
-          <a:schemeClr val="tx1">
-            <a:lumMod val="15000"/>
-            <a:lumOff val="85000"/>
-          </a:schemeClr>
-        </a:solidFill>
-        <a:round/>
-      </a:ln>
-    </cs:spPr>
-    <cs:defRPr sz="1197" kern="1200"/>
-  </cs:chartArea>
-  <cs:dataLabel>
-    <cs:lnRef idx="0"/>
-    <cs:fillRef idx="0"/>
-    <cs:effectRef idx="0"/>
-    <cs:fontRef idx="minor">
-      <a:schemeClr val="tx1">
-        <a:lumMod val="65000"/>
-        <a:lumOff val="35000"/>
-      </a:schemeClr>
-    </cs:fontRef>
-    <cs:defRPr sz="1197" kern="1200"/>
-  </cs:dataLabel>
-  <cs:dataLabelCallout>
-    <cs:lnRef idx="0"/>
-    <cs:fillRef idx="0"/>
-    <cs:effectRef idx="0"/>
-    <cs:fontRef idx="minor">
-      <a:schemeClr val="bg1"/>
-    </cs:fontRef>
-    <cs:spPr>
-      <a:solidFill>
-        <a:schemeClr val="tx1">
-          <a:lumMod val="35000"/>
-          <a:lumOff val="65000"/>
-        </a:schemeClr>
-      </a:solidFill>
-    </cs:spPr>
-    <cs:defRPr sz="1197"/>
-  </cs:dataLabelCallout>
-  <cs:dataPoint>
-    <cs:lnRef idx="0">
-      <cs:styleClr val="auto"/>
-    </cs:lnRef>
-    <cs:fillRef idx="0"/>
-    <cs:effectRef idx="0"/>
-    <cs:fontRef idx="minor">
-      <a:schemeClr val="dk1"/>
-    </cs:fontRef>
-    <cs:spPr>
-      <a:noFill/>
-      <a:ln w="25400" cap="flat" cmpd="sng" algn="ctr">
-        <a:solidFill>
-          <a:schemeClr val="phClr"/>
-        </a:solidFill>
-        <a:miter lim="800000"/>
-      </a:ln>
-    </cs:spPr>
-  </cs:dataPoint>
-  <cs:dataPoint3D>
-    <cs:lnRef idx="0">
-      <cs:styleClr val="auto"/>
-    </cs:lnRef>
-    <cs:fillRef idx="0">
-      <cs:styleClr val="auto"/>
-    </cs:fillRef>
-    <cs:effectRef idx="0"/>
-    <cs:fontRef idx="minor">
-      <a:schemeClr val="dk1"/>
-    </cs:fontRef>
-    <cs:spPr>
-      <a:ln w="19050" cap="flat" cmpd="sng" algn="ctr">
-        <a:solidFill>
-          <a:schemeClr val="phClr"/>
-        </a:solidFill>
-        <a:miter lim="800000"/>
-      </a:ln>
-    </cs:spPr>
-  </cs:dataPoint3D>
-  <cs:dataPointLine>
-    <cs:lnRef idx="0">
-      <cs:styleClr val="auto"/>
-    </cs:lnRef>
-    <cs:fillRef idx="0"/>
-    <cs:effectRef idx="0"/>
-    <cs:fontRef idx="minor">
-      <a:schemeClr val="dk1"/>
-    </cs:fontRef>
-    <cs:spPr>
-      <a:ln w="28575" cap="rnd">
-        <a:solidFill>
-          <a:schemeClr val="phClr"/>
-        </a:solidFill>
-        <a:round/>
-      </a:ln>
-    </cs:spPr>
-  </cs:dataPointLine>
-  <cs:dataPointMarker>
-    <cs:lnRef idx="0">
-      <cs:styleClr val="auto"/>
-    </cs:lnRef>
-    <cs:fillRef idx="0">
-      <cs:styleClr val="auto"/>
-    </cs:fillRef>
-    <cs:effectRef idx="0"/>
-    <cs:fontRef idx="minor">
-      <a:schemeClr val="dk1"/>
-    </cs:fontRef>
-    <cs:spPr>
-      <a:ln w="19050" cap="rnd">
-        <a:solidFill>
-          <a:schemeClr val="phClr"/>
-        </a:solidFill>
-        <a:round/>
-      </a:ln>
-    </cs:spPr>
-  </cs:dataPointMarker>
-  <cs:dataPointMarkerLayout symbol="circle" size="6"/>
-  <cs:dataPointWireframe>
-    <cs:lnRef idx="0">
-      <cs:styleClr val="auto"/>
-    </cs:lnRef>
-    <cs:fillRef idx="1"/>
-    <cs:effectRef idx="0"/>
-    <cs:fontRef idx="minor">
-      <a:schemeClr val="tx1"/>
-    </cs:fontRef>
-    <cs:spPr>
-      <a:ln w="9525">
-        <a:solidFill>
-          <a:schemeClr val="phClr"/>
-        </a:solidFill>
-      </a:ln>
-    </cs:spPr>
-  </cs:dataPointWireframe>
-  <cs:dataTable>
-    <cs:lnRef idx="0"/>
-    <cs:fillRef idx="0"/>
-    <cs:effectRef idx="0"/>
-    <cs:fontRef idx="minor">
-      <a:schemeClr val="tx1">
-        <a:lumMod val="50000"/>
-        <a:lumOff val="50000"/>
-      </a:schemeClr>
-    </cs:fontRef>
-    <cs:spPr>
-      <a:ln w="9525">
-        <a:solidFill>
-          <a:schemeClr val="tx1">
-            <a:lumMod val="15000"/>
-            <a:lumOff val="85000"/>
-          </a:schemeClr>
-        </a:solidFill>
-      </a:ln>
-    </cs:spPr>
-    <cs:defRPr sz="1197" kern="1200"/>
-  </cs:dataTable>
-  <cs:downBar>
-    <cs:lnRef idx="0"/>
-    <cs:fillRef idx="0"/>
-    <cs:effectRef idx="0"/>
-    <cs:fontRef idx="minor">
-      <a:schemeClr val="dk1"/>
-    </cs:fontRef>
-    <cs:spPr>
-      <a:solidFill>
-        <a:schemeClr val="dk1">
-          <a:lumMod val="75000"/>
-          <a:lumOff val="25000"/>
-        </a:schemeClr>
-      </a:solidFill>
-      <a:ln w="9525" cap="flat" cmpd="sng" algn="ctr">
-        <a:solidFill>
-          <a:schemeClr val="tx1">
-            <a:lumMod val="50000"/>
-            <a:lumOff val="50000"/>
-          </a:schemeClr>
-        </a:solidFill>
-        <a:round/>
-      </a:ln>
-    </cs:spPr>
-  </cs:downBar>
-  <cs:dropLine>
-    <cs:lnRef idx="0"/>
-    <cs:fillRef idx="0"/>
-    <cs:effectRef idx="0"/>
-    <cs:fontRef idx="minor">
-      <a:schemeClr val="dk1"/>
-    </cs:fontRef>
-    <cs:spPr>
-      <a:ln w="9525" cap="flat" cmpd="sng" algn="ctr">
-        <a:solidFill>
-          <a:schemeClr val="tx1">
-            <a:lumMod val="35000"/>
-            <a:lumOff val="65000"/>
-          </a:schemeClr>
-        </a:solidFill>
-        <a:round/>
-      </a:ln>
-    </cs:spPr>
-  </cs:dropLine>
-  <cs:errorBar>
-    <cs:lnRef idx="0"/>
-    <cs:fillRef idx="0"/>
-    <cs:effectRef idx="0"/>
-    <cs:fontRef idx="minor">
-      <a:schemeClr val="dk1"/>
-    </cs:fontRef>
-    <cs:spPr>
-      <a:ln w="9525" cap="flat" cmpd="sng" algn="ctr">
-        <a:solidFill>
-          <a:schemeClr val="tx1">
-            <a:lumMod val="50000"/>
-            <a:lumOff val="50000"/>
-          </a:schemeClr>
-        </a:solidFill>
-        <a:round/>
-      </a:ln>
-    </cs:spPr>
-  </cs:errorBar>
-  <cs:floor>
-    <cs:lnRef idx="0"/>
-    <cs:fillRef idx="0"/>
-    <cs:effectRef idx="0"/>
-    <cs:fontRef idx="minor">
-      <a:schemeClr val="dk1"/>
-    </cs:fontRef>
-  </cs:floor>
-  <cs:gridlineMajor>
-    <cs:lnRef idx="0"/>
-    <cs:fillRef idx="0"/>
-    <cs:effectRef idx="0"/>
-    <cs:fontRef idx="minor">
-      <a:schemeClr val="dk1"/>
-    </cs:fontRef>
-    <cs:spPr>
-      <a:ln w="9525">
-        <a:solidFill>
-          <a:schemeClr val="tx1">
-            <a:lumMod val="15000"/>
-            <a:lumOff val="85000"/>
-          </a:schemeClr>
-        </a:solidFill>
-      </a:ln>
-    </cs:spPr>
-  </cs:gridlineMajor>
-  <cs:gridlineMinor>
-    <cs:lnRef idx="0"/>
-    <cs:fillRef idx="0"/>
-    <cs:effectRef idx="0"/>
-    <cs:fontRef idx="minor">
-      <a:schemeClr val="dk1"/>
-    </cs:fontRef>
-    <cs:spPr>
-      <a:ln w="9525">
-        <a:solidFill>
-          <a:schemeClr val="tx1">
-            <a:lumMod val="5000"/>
-            <a:lumOff val="95000"/>
-          </a:schemeClr>
-        </a:solidFill>
-      </a:ln>
-    </cs:spPr>
-  </cs:gridlineMinor>
-  <cs:hiLoLine>
-    <cs:lnRef idx="0"/>
-    <cs:fillRef idx="0"/>
-    <cs:effectRef idx="0"/>
-    <cs:fontRef idx="minor">
-      <a:schemeClr val="dk1"/>
-    </cs:fontRef>
-    <cs:spPr>
-      <a:ln w="9525" cap="flat" cmpd="sng" algn="ctr">
-        <a:solidFill>
-          <a:schemeClr val="tx1">
-            <a:lumMod val="35000"/>
-            <a:lumOff val="65000"/>
-          </a:schemeClr>
-        </a:solidFill>
-        <a:round/>
-      </a:ln>
-    </cs:spPr>
-  </cs:hiLoLine>
-  <cs:leaderLine>
-    <cs:lnRef idx="0"/>
-    <cs:fillRef idx="0"/>
-    <cs:effectRef idx="0"/>
-    <cs:fontRef idx="minor">
-      <a:schemeClr val="dk1"/>
-    </cs:fontRef>
-    <cs:spPr>
-      <a:ln w="9525" cap="flat" cmpd="sng" algn="ctr">
-        <a:solidFill>
-          <a:schemeClr val="tx1">
-            <a:lumMod val="35000"/>
-            <a:lumOff val="65000"/>
-          </a:schemeClr>
-        </a:solidFill>
-        <a:round/>
-      </a:ln>
-    </cs:spPr>
-  </cs:leaderLine>
-  <cs:legend>
-    <cs:lnRef idx="0"/>
-    <cs:fillRef idx="0"/>
-    <cs:effectRef idx="0"/>
-    <cs:fontRef idx="minor">
-      <a:schemeClr val="tx1">
-        <a:lumMod val="50000"/>
-        <a:lumOff val="50000"/>
-      </a:schemeClr>
-    </cs:fontRef>
-    <cs:defRPr sz="1197" kern="1200"/>
-  </cs:legend>
-  <cs:plotArea mods="allowNoFillOverride allowNoLineOverride">
-    <cs:lnRef idx="0"/>
-    <cs:fillRef idx="0"/>
-    <cs:effectRef idx="0"/>
-    <cs:fontRef idx="minor">
-      <a:schemeClr val="dk1"/>
-    </cs:fontRef>
-  </cs:plotArea>
-  <cs:plotArea3D mods="allowNoFillOverride allowNoLineOverride">
-    <cs:lnRef idx="0"/>
-    <cs:fillRef idx="0"/>
-    <cs:effectRef idx="0"/>
-    <cs:fontRef idx="minor">
-      <a:schemeClr val="dk1"/>
-    </cs:fontRef>
-  </cs:plotArea3D>
-  <cs:seriesAxis>
-    <cs:lnRef idx="0"/>
-    <cs:fillRef idx="0"/>
-    <cs:effectRef idx="0"/>
-    <cs:fontRef idx="minor">
-      <a:schemeClr val="tx1">
-        <a:lumMod val="50000"/>
-        <a:lumOff val="50000"/>
-      </a:schemeClr>
-    </cs:fontRef>
-    <cs:defRPr sz="1197" kern="1200"/>
-  </cs:seriesAxis>
-  <cs:seriesLine>
-    <cs:lnRef idx="0"/>
-    <cs:fillRef idx="0"/>
-    <cs:effectRef idx="0"/>
-    <cs:fontRef idx="minor">
-      <a:schemeClr val="dk1"/>
-    </cs:fontRef>
-    <cs:spPr>
-      <a:ln w="9525" cap="flat" cmpd="sng" algn="ctr">
-        <a:solidFill>
-          <a:schemeClr val="tx1">
-            <a:lumMod val="35000"/>
-            <a:lumOff val="65000"/>
-          </a:schemeClr>
-        </a:solidFill>
-        <a:round/>
-      </a:ln>
-    </cs:spPr>
-  </cs:seriesLine>
-  <cs:title>
-    <cs:lnRef idx="0"/>
-    <cs:fillRef idx="0"/>
-    <cs:effectRef idx="0"/>
-    <cs:fontRef idx="minor">
-      <a:schemeClr val="tx1">
-        <a:lumMod val="65000"/>
-        <a:lumOff val="35000"/>
-      </a:schemeClr>
-    </cs:fontRef>
-    <cs:defRPr sz="2200" b="0" kern="1200" cap="none" spc="50" baseline="0"/>
-  </cs:title>
-  <cs:trendline>
-    <cs:lnRef idx="0">
-      <cs:styleClr val="auto"/>
-    </cs:lnRef>
-    <cs:fillRef idx="0"/>
-    <cs:effectRef idx="0"/>
-    <cs:fontRef idx="minor">
-      <a:schemeClr val="dk1"/>
-    </cs:fontRef>
-    <cs:spPr>
-      <a:ln w="19050" cap="rnd">
-        <a:solidFill>
-          <a:schemeClr val="phClr"/>
-        </a:solidFill>
-      </a:ln>
-    </cs:spPr>
-  </cs:trendline>
-  <cs:trendlineLabel>
-    <cs:lnRef idx="0"/>
-    <cs:fillRef idx="0"/>
-    <cs:effectRef idx="0"/>
-    <cs:fontRef idx="minor">
-      <a:schemeClr val="tx1">
-        <a:lumMod val="50000"/>
-        <a:lumOff val="50000"/>
-      </a:schemeClr>
-    </cs:fontRef>
-    <cs:defRPr sz="1197" kern="1200"/>
-  </cs:trendlineLabel>
-  <cs:upBar>
-    <cs:lnRef idx="0"/>
-    <cs:fillRef idx="0"/>
-    <cs:effectRef idx="0"/>
-    <cs:fontRef idx="minor">
-      <a:schemeClr val="dk1"/>
-    </cs:fontRef>
-    <cs:spPr>
-      <a:solidFill>
-        <a:schemeClr val="lt1"/>
-      </a:solidFill>
-      <a:ln w="9525" cap="flat" cmpd="sng" algn="ctr">
-        <a:solidFill>
-          <a:schemeClr val="tx1">
-            <a:lumMod val="50000"/>
-            <a:lumOff val="50000"/>
-          </a:schemeClr>
-        </a:solidFill>
-        <a:round/>
-      </a:ln>
-    </cs:spPr>
-  </cs:upBar>
-  <cs:valueAxis>
-    <cs:lnRef idx="0"/>
-    <cs:fillRef idx="0"/>
-    <cs:effectRef idx="0"/>
-    <cs:fontRef idx="minor">
-      <a:schemeClr val="tx1">
-        <a:lumMod val="50000"/>
-        <a:lumOff val="50000"/>
-      </a:schemeClr>
-    </cs:fontRef>
-    <cs:defRPr sz="1197" kern="1200"/>
-  </cs:valueAxis>
-  <cs:wall>
-    <cs:lnRef idx="0"/>
-    <cs:fillRef idx="0"/>
-    <cs:effectRef idx="0"/>
-    <cs:fontRef idx="minor">
-      <a:schemeClr val="dk1"/>
-    </cs:fontRef>
-  </cs:wall>
-</cs:chartStyle>
-</file>
-
-<file path=ppt/diagrams/colors1.xml><?xml version="1.0" encoding="utf-8"?>
-<dgm:colorsDef xmlns:dgm="http://schemas.openxmlformats.org/drawingml/2006/diagram" xmlns:a="http://schemas.openxmlformats.org/drawingml/2006/main" uniqueId="urn:microsoft.com/office/officeart/2005/8/colors/colorful1">
-  <dgm:title val=""/>
-  <dgm:desc val=""/>
-  <dgm:catLst>
-    <dgm:cat type="colorful" pri="10100"/>
-  </dgm:catLst>
-  <dgm:styleLbl name="node0">
-    <dgm:fillClrLst meth="repeat">
-      <a:schemeClr val="accent1"/>
-    </dgm:fillClrLst>
-    <dgm:linClrLst meth="repeat">
-      <a:schemeClr val="lt1"/>
-    </dgm:linClrLst>
-    <dgm:effectClrLst/>
-    <dgm:txLinClrLst/>
-    <dgm:txFillClrLst/>
-    <dgm:txEffectClrLst/>
-  </dgm:styleLbl>
-  <dgm:styleLbl name="node1">
-    <dgm:fillClrLst meth="repeat">
-      <a:schemeClr val="accent2"/>
-      <a:schemeClr val="accent3"/>
-      <a:schemeClr val="accent4"/>
-      <a:schemeClr val="accent5"/>
-      <a:schemeClr val="accent6"/>
-    </dgm:fillClrLst>
-    <dgm:linClrLst meth="repeat">
-      <a:schemeClr val="lt1"/>
-    </dgm:linClrLst>
-    <dgm:effectClrLst/>
-    <dgm:txLinClrLst/>
-    <dgm:txFillClrLst/>
-    <dgm:txEffectClrLst/>
-  </dgm:styleLbl>
-  <dgm:styleLbl name="alignNode1">
-    <dgm:fillClrLst meth="repeat">
-      <a:schemeClr val="accent2"/>
-      <a:schemeClr val="accent3"/>
-      <a:schemeClr val="accent4"/>
-      <a:schemeClr val="accent5"/>
-      <a:schemeClr val="accent6"/>
-    </dgm:fillClrLst>
-    <dgm:linClrLst meth="repeat">
-      <a:schemeClr val="accent2"/>
-      <a:schemeClr val="accent3"/>
-      <a:schemeClr val="accent4"/>
-      <a:schemeClr val="accent5"/>
-      <a:schemeClr val="accent6"/>
-    </dgm:linClrLst>
-    <dgm:effectClrLst/>
-    <dgm:txLinClrLst/>
-    <dgm:txFillClrLst/>
-    <dgm:txEffectClrLst/>
-  </dgm:styleLbl>
-  <dgm:styleLbl name="lnNode1">
-    <dgm:fillClrLst meth="repeat">
-      <a:schemeClr val="accent2"/>
-      <a:schemeClr val="accent3"/>
-      <a:schemeClr val="accent4"/>
-      <a:schemeClr val="accent5"/>
-      <a:schemeClr val="accent6"/>
-    </dgm:fillClrLst>
-    <dgm:linClrLst meth="repeat">
-      <a:schemeClr val="lt1"/>
-    </dgm:linClrLst>
-    <dgm:effectClrLst/>
-    <dgm:txLinClrLst/>
-    <dgm:txFillClrLst/>
-    <dgm:txEffectClrLst/>
-  </dgm:styleLbl>
-  <dgm:styleLbl name="vennNode1">
-    <dgm:fillClrLst meth="repeat">
-      <a:schemeClr val="accent2">
-        <a:alpha val="50000"/>
-      </a:schemeClr>
-      <a:schemeClr val="accent3">
-        <a:alpha val="50000"/>
-      </a:schemeClr>
-      <a:schemeClr val="accent4">
-        <a:alpha val="50000"/>
-      </a:schemeClr>
-      <a:schemeClr val="accent5">
-        <a:alpha val="50000"/>
-      </a:schemeClr>
-      <a:schemeClr val="accent6">
-        <a:alpha val="50000"/>
-      </a:schemeClr>
-    </dgm:fillClrLst>
-    <dgm:linClrLst meth="repeat">
-      <a:schemeClr val="lt1"/>
-    </dgm:linClrLst>
-    <dgm:effectClrLst/>
-    <dgm:txLinClrLst/>
-    <dgm:txFillClrLst/>
-    <dgm:txEffectClrLst/>
-  </dgm:styleLbl>
-  <dgm:styleLbl name="node2">
-    <dgm:fillClrLst>
-      <a:schemeClr val="accent2"/>
-    </dgm:fillClrLst>
-    <dgm:linClrLst meth="repeat">
-      <a:schemeClr val="lt1"/>
-    </dgm:linClrLst>
-    <dgm:effectClrLst/>
-    <dgm:txLinClrLst/>
-    <dgm:txFillClrLst/>
-    <dgm:txEffectClrLst/>
-  </dgm:styleLbl>
-  <dgm:styleLbl name="node3">
-    <dgm:fillClrLst>
-      <a:schemeClr val="accent3"/>
-    </dgm:fillClrLst>
-    <dgm:linClrLst meth="repeat">
-      <a:schemeClr val="lt1"/>
-    </dgm:linClrLst>
-    <dgm:effectClrLst/>
-    <dgm:txLinClrLst/>
-    <dgm:txFillClrLst/>
-    <dgm:txEffectClrLst/>
-  </dgm:styleLbl>
-  <dgm:styleLbl name="node4">
-    <dgm:fillClrLst>
-      <a:schemeClr val="accent4"/>
-    </dgm:fillClrLst>
-    <dgm:linClrLst meth="repeat">
-      <a:schemeClr val="lt1"/>
-    </dgm:linClrLst>
-    <dgm:effectClrLst/>
-    <dgm:txLinClrLst/>
-    <dgm:txFillClrLst/>
-    <dgm:txEffectClrLst/>
-  </dgm:styleLbl>
-  <dgm:styleLbl name="fgImgPlace1">
-    <dgm:fillClrLst meth="repeat">
-      <a:schemeClr val="accent2">
-        <a:tint val="50000"/>
-      </a:schemeClr>
-      <a:schemeClr val="accent3">
-        <a:tint val="50000"/>
-      </a:schemeClr>
-      <a:schemeClr val="accent4">
-        <a:tint val="50000"/>
-      </a:schemeClr>
-      <a:schemeClr val="accent5">
-        <a:tint val="50000"/>
-      </a:schemeClr>
-      <a:schemeClr val="accent6">
-        <a:tint val="50000"/>
-      </a:schemeClr>
-    </dgm:fillClrLst>
-    <dgm:linClrLst meth="repeat">
-      <a:schemeClr val="lt1"/>
-    </dgm:linClrLst>
-    <dgm:effectClrLst/>
-    <dgm:txLinClrLst/>
-    <dgm:txFillClrLst meth="repeat">
-      <a:schemeClr val="lt1"/>
-    </dgm:txFillClrLst>
-    <dgm:txEffectClrLst/>
-  </dgm:styleLbl>
-  <dgm:styleLbl name="alignImgPlace1">
-    <dgm:fillClrLst>
-      <a:schemeClr val="accent1">
-        <a:tint val="50000"/>
-      </a:schemeClr>
-      <a:schemeClr val="accent2">
-        <a:tint val="20000"/>
-      </a:schemeClr>
-    </dgm:fillClrLst>
-    <dgm:linClrLst meth="repeat">
-      <a:schemeClr val="lt1"/>
-    </dgm:linClrLst>
-    <dgm:effectClrLst/>
-    <dgm:txLinClrLst/>
-    <dgm:txFillClrLst meth="repeat">
-      <a:schemeClr val="lt1"/>
-    </dgm:txFillClrLst>
-    <dgm:txEffectClrLst/>
-  </dgm:styleLbl>
-  <dgm:styleLbl name="bgImgPlace1">
-    <dgm:fillClrLst>
-      <a:schemeClr val="accent1">
-        <a:tint val="50000"/>
-      </a:schemeClr>
-      <a:schemeClr val="accent2">
-        <a:tint val="20000"/>
-      </a:schemeClr>
-    </dgm:fillClrLst>
-    <dgm:linClrLst meth="repeat">
-      <a:schemeClr val="lt1"/>
-    </dgm:linClrLst>
-    <dgm:effectClrLst/>
-    <dgm:txLinClrLst/>
-    <dgm:txFillClrLst meth="repeat">
-      <a:schemeClr val="lt1"/>
-    </dgm:txFillClrLst>
-    <dgm:txEffectClrLst/>
-  </dgm:styleLbl>
-  <dgm:styleLbl name="sibTrans2D1">
-    <dgm:fillClrLst meth="repeat">
-      <a:schemeClr val="accent2"/>
-      <a:schemeClr val="accent3"/>
-      <a:schemeClr val="accent4"/>
-      <a:schemeClr val="accent5"/>
-      <a:schemeClr val="accent6"/>
-    </dgm:fillClrLst>
-    <dgm:linClrLst meth="cycle">
-      <a:schemeClr val="lt1"/>
-    </dgm:linClrLst>
-    <dgm:effectClrLst/>
-    <dgm:txLinClrLst/>
-    <dgm:txFillClrLst/>
-    <dgm:txEffectClrLst/>
-  </dgm:styleLbl>
-  <dgm:styleLbl name="fgSibTrans2D1">
-    <dgm:fillClrLst meth="repeat">
-      <a:schemeClr val="accent2"/>
-      <a:schemeClr val="accent3"/>
-      <a:schemeClr val="accent4"/>
-      <a:schemeClr val="accent5"/>
-      <a:schemeClr val="accent6"/>
-    </dgm:fillClrLst>
-    <dgm:linClrLst meth="cycle">
-      <a:schemeClr val="lt1"/>
-    </dgm:linClrLst>
-    <dgm:effectClrLst/>
-    <dgm:txLinClrLst/>
-    <dgm:txFillClrLst meth="repeat">
-      <a:schemeClr val="lt1"/>
-    </dgm:txFillClrLst>
-    <dgm:txEffectClrLst/>
-  </dgm:styleLbl>
-  <dgm:styleLbl name="bgSibTrans2D1">
-    <dgm:fillClrLst meth="repeat">
-      <a:schemeClr val="accent2"/>
-      <a:schemeClr val="accent3"/>
-      <a:schemeClr val="accent4"/>
-      <a:schemeClr val="accent5"/>
-      <a:schemeClr val="accent6"/>
-    </dgm:fillClrLst>
-    <dgm:linClrLst meth="cycle">
-      <a:schemeClr val="lt1"/>
-    </dgm:linClrLst>
-    <dgm:effectClrLst/>
-    <dgm:txLinClrLst/>
-    <dgm:txFillClrLst meth="repeat">
-      <a:schemeClr val="lt1"/>
-    </dgm:txFillClrLst>
-    <dgm:txEffectClrLst/>
-  </dgm:styleLbl>
-  <dgm:styleLbl name="sibTrans1D1">
-    <dgm:fillClrLst meth="repeat">
-      <a:schemeClr val="accent2"/>
-      <a:schemeClr val="accent3"/>
-      <a:schemeClr val="accent4"/>
-      <a:schemeClr val="accent5"/>
-      <a:schemeClr val="accent6"/>
-    </dgm:fillClrLst>
-    <dgm:linClrLst meth="repeat">
-      <a:schemeClr val="accent2"/>
-      <a:schemeClr val="accent3"/>
-      <a:schemeClr val="accent4"/>
-      <a:schemeClr val="accent5"/>
-      <a:schemeClr val="accent6"/>
-    </dgm:linClrLst>
-    <dgm:effectClrLst/>
-    <dgm:txLinClrLst/>
-    <dgm:txFillClrLst meth="repeat">
-      <a:schemeClr val="tx1"/>
-    </dgm:txFillClrLst>
-    <dgm:txEffectClrLst/>
-  </dgm:styleLbl>
-  <dgm:styleLbl name="callout">
-    <dgm:fillClrLst meth="repeat">
-      <a:schemeClr val="accent2"/>
-    </dgm:fillClrLst>
-    <dgm:linClrLst meth="repeat">
-      <a:schemeClr val="accent2">
-        <a:tint val="50000"/>
-      </a:schemeClr>
-    </dgm:linClrLst>
-    <dgm:effectClrLst/>
-    <dgm:txLinClrLst/>
-    <dgm:txFillClrLst meth="repeat">
-      <a:schemeClr val="tx1"/>
-    </dgm:txFillClrLst>
-    <dgm:txEffectClrLst/>
-  </dgm:styleLbl>
-  <dgm:styleLbl name="asst0">
-    <dgm:fillClrLst meth="repeat">
-      <a:schemeClr val="accent1"/>
-    </dgm:fillClrLst>
-    <dgm:linClrLst meth="repeat">
-      <a:schemeClr val="lt1"/>
-    </dgm:linClrLst>
-    <dgm:effectClrLst/>
-    <dgm:txLinClrLst/>
-    <dgm:txFillClrLst/>
-    <dgm:txEffectClrLst/>
-  </dgm:styleLbl>
-  <dgm:styleLbl name="asst1">
-    <dgm:fillClrLst meth="repeat">
-      <a:schemeClr val="accent2"/>
-    </dgm:fillClrLst>
-    <dgm:linClrLst meth="repeat">
-      <a:schemeClr val="lt1"/>
-    </dgm:linClrLst>
-    <dgm:effectClrLst/>
-    <dgm:txLinClrLst/>
-    <dgm:txFillClrLst/>
-    <dgm:txEffectClrLst/>
-  </dgm:styleLbl>
-  <dgm:styleLbl name="asst2">
-    <dgm:fillClrLst>
-      <a:schemeClr val="accent3"/>
-    </dgm:fillClrLst>
-    <dgm:linClrLst meth="repeat">
-      <a:schemeClr val="lt1"/>
-    </dgm:linClrLst>
-    <dgm:effectClrLst/>
-    <dgm:txLinClrLst/>
-    <dgm:txFillClrLst/>
-    <dgm:txEffectClrLst/>
-  </dgm:styleLbl>
-  <dgm:styleLbl name="asst3">
-    <dgm:fillClrLst>
-      <a:schemeClr val="accent4"/>
-    </dgm:fillClrLst>
-    <dgm:linClrLst meth="repeat">
-      <a:schemeClr val="lt1"/>
-    </dgm:linClrLst>
-    <dgm:effectClrLst/>
-    <dgm:txLinClrLst/>
-    <dgm:txFillClrLst/>
-    <dgm:txEffectClrLst/>
-  </dgm:styleLbl>
-  <dgm:styleLbl name="asst4">
-    <dgm:fillClrLst>
-      <a:schemeClr val="accent5"/>
-    </dgm:fillClrLst>
-    <dgm:linClrLst meth="repeat">
-      <a:schemeClr val="lt1"/>
-    </dgm:linClrLst>
-    <dgm:effectClrLst/>
-    <dgm:txLinClrLst/>
-    <dgm:txFillClrLst/>
-    <dgm:txEffectClrLst/>
-  </dgm:styleLbl>
-  <dgm:styleLbl name="parChTrans2D1">
-    <dgm:fillClrLst meth="repeat">
-      <a:schemeClr val="accent2"/>
-    </dgm:fillClrLst>
-    <dgm:linClrLst meth="repeat">
-      <a:schemeClr val="lt1"/>
-    </dgm:linClrLst>
-    <dgm:effectClrLst/>
-    <dgm:txLinClrLst/>
-    <dgm:txFillClrLst meth="repeat">
-      <a:schemeClr val="lt1"/>
-    </dgm:txFillClrLst>
-    <dgm:txEffectClrLst/>
-  </dgm:styleLbl>
-  <dgm:styleLbl name="parChTrans2D2">
-    <dgm:fillClrLst meth="repeat">
-      <a:schemeClr val="accent3"/>
-    </dgm:fillClrLst>
-    <dgm:linClrLst meth="repeat">
-      <a:schemeClr val="lt1"/>
-    </dgm:linClrLst>
-    <dgm:effectClrLst/>
-    <dgm:txLinClrLst/>
-    <dgm:txFillClrLst/>
-    <dgm:txEffectClrLst/>
-  </dgm:styleLbl>
-  <dgm:styleLbl name="parChTrans2D3">
-    <dgm:fillClrLst meth="repeat">
-      <a:schemeClr val="accent4"/>
-    </dgm:fillClrLst>
-    <dgm:linClrLst meth="repeat">
-      <a:schemeClr val="lt1"/>
-    </dgm:linClrLst>
-    <dgm:effectClrLst/>
-    <dgm:txLinClrLst/>
-    <dgm:txFillClrLst/>
-    <dgm:txEffectClrLst/>
-  </dgm:styleLbl>
-  <dgm:styleLbl name="parChTrans2D4">
-    <dgm:fillClrLst meth="repeat">
-      <a:schemeClr val="accent5"/>
-    </dgm:fillClrLst>
-    <dgm:linClrLst meth="repeat">
-      <a:schemeClr val="lt1"/>
-    </dgm:linClrLst>
-    <dgm:effectClrLst/>
-    <dgm:txLinClrLst/>
-    <dgm:txFillClrLst meth="repeat">
-      <a:schemeClr val="lt1"/>
-    </dgm:txFillClrLst>
-    <dgm:txEffectClrLst/>
-  </dgm:styleLbl>
-  <dgm:styleLbl name="parChTrans1D1">
-    <dgm:fillClrLst meth="repeat">
-      <a:schemeClr val="accent2"/>
-    </dgm:fillClrLst>
-    <dgm:linClrLst meth="repeat">
-      <a:schemeClr val="accent1"/>
-    </dgm:linClrLst>
-    <dgm:effectClrLst/>
-    <dgm:txLinClrLst/>
-    <dgm:txFillClrLst meth="repeat">
-      <a:schemeClr val="tx1"/>
-    </dgm:txFillClrLst>
-    <dgm:txEffectClrLst/>
-  </dgm:styleLbl>
-  <dgm:styleLbl name="parChTrans1D2">
-    <dgm:fillClrLst meth="repeat">
-      <a:schemeClr val="accent3">
-        <a:tint val="90000"/>
-      </a:schemeClr>
-    </dgm:fillClrLst>
-    <dgm:linClrLst meth="repeat">
-      <a:schemeClr val="accent2"/>
-    </dgm:linClrLst>
-    <dgm:effectClrLst/>
-    <dgm:txLinClrLst/>
-    <dgm:txFillClrLst meth="repeat">
-      <a:schemeClr val="tx1"/>
-    </dgm:txFillClrLst>
-    <dgm:txEffectClrLst/>
-  </dgm:styleLbl>
-  <dgm:styleLbl name="parChTrans1D3">
-    <dgm:fillClrLst meth="repeat">
-      <a:schemeClr val="accent4">
-        <a:tint val="70000"/>
-      </a:schemeClr>
-    </dgm:fillClrLst>
-    <dgm:linClrLst meth="repeat">
-      <a:schemeClr val="accent3"/>
-    </dgm:linClrLst>
-    <dgm:effectClrLst/>
-    <dgm:txLinClrLst/>
-    <dgm:txFillClrLst meth="repeat">
-      <a:schemeClr val="tx1"/>
-    </dgm:txFillClrLst>
-    <dgm:txEffectClrLst/>
-  </dgm:styleLbl>
-  <dgm:styleLbl name="parChTrans1D4">
-    <dgm:fillClrLst meth="repeat">
-      <a:schemeClr val="accent5">
-        <a:tint val="50000"/>
-      </a:schemeClr>
-    </dgm:fillClrLst>
-    <dgm:linClrLst meth="repeat">
-      <a:schemeClr val="accent4"/>
-    </dgm:linClrLst>
-    <dgm:effectClrLst/>
-    <dgm:txLinClrLst/>
-    <dgm:txFillClrLst meth="repeat">
-      <a:schemeClr val="tx1"/>
-    </dgm:txFillClrLst>
-    <dgm:txEffectClrLst/>
-  </dgm:styleLbl>
-  <dgm:styleLbl name="fgAcc1">
-    <dgm:fillClrLst meth="repeat">
-      <a:schemeClr val="lt1">
-        <a:alpha val="90000"/>
-      </a:schemeClr>
-    </dgm:fillClrLst>
-    <dgm:linClrLst meth="repeat">
-      <a:schemeClr val="accent2"/>
-      <a:schemeClr val="accent3"/>
-      <a:schemeClr val="accent4"/>
-      <a:schemeClr val="accent5"/>
-      <a:schemeClr val="accent6"/>
-    </dgm:linClrLst>
-    <dgm:effectClrLst/>
-    <dgm:txLinClrLst/>
-    <dgm:txFillClrLst meth="repeat">
-      <a:schemeClr val="dk1"/>
-    </dgm:txFillClrLst>
-    <dgm:txEffectClrLst/>
-  </dgm:styleLbl>
-  <dgm:styleLbl name="conFgAcc1">
-    <dgm:fillClrLst meth="repeat">
-      <a:schemeClr val="lt1">
-        <a:alpha val="90000"/>
-      </a:schemeClr>
-    </dgm:fillClrLst>
-    <dgm:linClrLst meth="repeat">
-      <a:schemeClr val="accent2"/>
-      <a:schemeClr val="accent3"/>
-      <a:schemeClr val="accent4"/>
-      <a:schemeClr val="accent5"/>
-      <a:schemeClr val="accent6"/>
-    </dgm:linClrLst>
-    <dgm:effectClrLst/>
-    <dgm:txLinClrLst/>
-    <dgm:txFillClrLst meth="repeat">
-      <a:schemeClr val="dk1"/>
-    </dgm:txFillClrLst>
-    <dgm:txEffectClrLst/>
-  </dgm:styleLbl>
-  <dgm:styleLbl name="alignAcc1">
-    <dgm:fillClrLst meth="repeat">
-      <a:schemeClr val="lt1">
-        <a:alpha val="90000"/>
-      </a:schemeClr>
-    </dgm:fillClrLst>
-    <dgm:linClrLst meth="repeat">
-      <a:schemeClr val="accent2"/>
-      <a:schemeClr val="accent3"/>
-      <a:schemeClr val="accent4"/>
-      <a:schemeClr val="accent5"/>
-      <a:schemeClr val="accent6"/>
-    </dgm:linClrLst>
-    <dgm:effectClrLst/>
-    <dgm:txLinClrLst/>
-    <dgm:txFillClrLst meth="repeat">
-      <a:schemeClr val="dk1"/>
-    </dgm:txFillClrLst>
-    <dgm:txEffectClrLst/>
-  </dgm:styleLbl>
-  <dgm:styleLbl name="trAlignAcc1">
-    <dgm:fillClrLst meth="repeat">
-      <a:schemeClr val="lt1">
-        <a:alpha val="40000"/>
-      </a:schemeClr>
-    </dgm:fillClrLst>
-    <dgm:linClrLst meth="repeat">
-      <a:schemeClr val="accent1"/>
-    </dgm:linClrLst>
-    <dgm:effectClrLst/>
-    <dgm:txLinClrLst/>
-    <dgm:txFillClrLst meth="repeat">
-      <a:schemeClr val="dk1"/>
-    </dgm:txFillClrLst>
-    <dgm:txEffectClrLst/>
-  </dgm:styleLbl>
-  <dgm:styleLbl name="bgAcc1">
-    <dgm:fillClrLst meth="repeat">
-      <a:schemeClr val="lt1">
-        <a:alpha val="90000"/>
-      </a:schemeClr>
-    </dgm:fillClrLst>
-    <dgm:linClrLst meth="repeat">
-      <a:schemeClr val="accent2"/>
-      <a:schemeClr val="accent3"/>
-      <a:schemeClr val="accent4"/>
-      <a:schemeClr val="accent5"/>
-      <a:schemeClr val="accent6"/>
-    </dgm:linClrLst>
-    <dgm:effectClrLst/>
-    <dgm:txLinClrLst/>
-    <dgm:txFillClrLst meth="repeat">
-      <a:schemeClr val="dk1"/>
-    </dgm:txFillClrLst>
-    <dgm:txEffectClrLst/>
-  </dgm:styleLbl>
-  <dgm:styleLbl name="solidFgAcc1">
-    <dgm:fillClrLst meth="repeat">
-      <a:schemeClr val="lt1"/>
-    </dgm:fillClrLst>
-    <dgm:linClrLst meth="repeat">
-      <a:schemeClr val="accent2"/>
-      <a:schemeClr val="accent3"/>
-      <a:schemeClr val="accent4"/>
-      <a:schemeClr val="accent5"/>
-      <a:schemeClr val="accent6"/>
-    </dgm:linClrLst>
-    <dgm:effectClrLst/>
-    <dgm:txLinClrLst/>
-    <dgm:txFillClrLst meth="repeat">
-      <a:schemeClr val="dk1"/>
-    </dgm:txFillClrLst>
-    <dgm:txEffectClrLst/>
-  </dgm:styleLbl>
-  <dgm:styleLbl name="solidAlignAcc1">
-    <dgm:fillClrLst meth="repeat">
-      <a:schemeClr val="lt1"/>
-    </dgm:fillClrLst>
-    <dgm:linClrLst meth="repeat">
-      <a:schemeClr val="accent2"/>
-      <a:schemeClr val="accent3"/>
-      <a:schemeClr val="accent4"/>
-      <a:schemeClr val="accent5"/>
-      <a:schemeClr val="accent6"/>
-    </dgm:linClrLst>
-    <dgm:effectClrLst/>
-    <dgm:txLinClrLst/>
-    <dgm:txFillClrLst meth="repeat">
-      <a:schemeClr val="dk1"/>
-    </dgm:txFillClrLst>
-    <dgm:txEffectClrLst/>
-  </dgm:styleLbl>
-  <dgm:styleLbl name="solidBgAcc1">
-    <dgm:fillClrLst meth="repeat">
-      <a:schemeClr val="lt1"/>
-    </dgm:fillClrLst>
-    <dgm:linClrLst meth="repeat">
-      <a:schemeClr val="accent2"/>
-      <a:schemeClr val="accent3"/>
-      <a:schemeClr val="accent4"/>
-      <a:schemeClr val="accent5"/>
-      <a:schemeClr val="accent6"/>
-    </dgm:linClrLst>
-    <dgm:effectClrLst/>
-    <dgm:txLinClrLst/>
-    <dgm:txFillClrLst meth="repeat">
-      <a:schemeClr val="dk1"/>
-    </dgm:txFillClrLst>
-    <dgm:txEffectClrLst/>
-  </dgm:styleLbl>
-  <dgm:styleLbl name="fgAccFollowNode1">
-    <dgm:fillClrLst meth="repeat">
-      <a:schemeClr val="accent2">
-        <a:tint val="40000"/>
-        <a:alpha val="90000"/>
-      </a:schemeClr>
-      <a:schemeClr val="accent3">
-        <a:tint val="40000"/>
-        <a:alpha val="90000"/>
-      </a:schemeClr>
-      <a:schemeClr val="accent4">
-        <a:tint val="40000"/>
-        <a:alpha val="90000"/>
-      </a:schemeClr>
-      <a:schemeClr val="accent5">
-        <a:tint val="40000"/>
-        <a:alpha val="90000"/>
-      </a:schemeClr>
-      <a:schemeClr val="accent6">
-        <a:tint val="40000"/>
-        <a:alpha val="90000"/>
-      </a:schemeClr>
-    </dgm:fillClrLst>
-    <dgm:linClrLst meth="repeat">
-      <a:schemeClr val="accent2">
-        <a:tint val="40000"/>
-        <a:alpha val="90000"/>
-      </a:schemeClr>
-      <a:schemeClr val="accent3">
-        <a:tint val="40000"/>
-        <a:alpha val="90000"/>
-      </a:schemeClr>
-      <a:schemeClr val="accent4">
-        <a:tint val="40000"/>
-        <a:alpha val="90000"/>
-      </a:schemeClr>
-      <a:schemeClr val="accent5">
-        <a:tint val="40000"/>
-        <a:alpha val="90000"/>
-      </a:schemeClr>
-      <a:schemeClr val="accent6">
-        <a:tint val="40000"/>
-        <a:alpha val="90000"/>
-      </a:schemeClr>
-    </dgm:linClrLst>
-    <dgm:effectClrLst/>
-    <dgm:txLinClrLst/>
-    <dgm:txFillClrLst meth="repeat">
-      <a:schemeClr val="dk1"/>
-    </dgm:txFillClrLst>
-    <dgm:txEffectClrLst/>
-  </dgm:styleLbl>
-  <dgm:styleLbl name="alignAccFollowNode1">
-    <dgm:fillClrLst meth="repeat">
-      <a:schemeClr val="accent2">
-        <a:tint val="40000"/>
-        <a:alpha val="90000"/>
-      </a:schemeClr>
-      <a:schemeClr val="accent3">
-        <a:tint val="40000"/>
-        <a:alpha val="90000"/>
-      </a:schemeClr>
-      <a:schemeClr val="accent4">
-        <a:tint val="40000"/>
-        <a:alpha val="90000"/>
-      </a:schemeClr>
-      <a:schemeClr val="accent5">
-        <a:tint val="40000"/>
-        <a:alpha val="90000"/>
-      </a:schemeClr>
-      <a:schemeClr val="accent6">
-        <a:tint val="40000"/>
-        <a:alpha val="90000"/>
-      </a:schemeClr>
-    </dgm:fillClrLst>
-    <dgm:linClrLst meth="repeat">
-      <a:schemeClr val="accent2">
-        <a:tint val="40000"/>
-        <a:alpha val="90000"/>
-      </a:schemeClr>
-      <a:schemeClr val="accent3">
-        <a:tint val="40000"/>
-        <a:alpha val="90000"/>
-      </a:schemeClr>
-      <a:schemeClr val="accent4">
-        <a:tint val="40000"/>
-        <a:alpha val="90000"/>
-      </a:schemeClr>
-      <a:schemeClr val="accent5">
-        <a:tint val="40000"/>
-        <a:alpha val="90000"/>
-      </a:schemeClr>
-      <a:schemeClr val="accent6">
-        <a:tint val="40000"/>
-        <a:alpha val="90000"/>
-      </a:schemeClr>
-    </dgm:linClrLst>
-    <dgm:effectClrLst/>
-    <dgm:txLinClrLst/>
-    <dgm:txFillClrLst meth="repeat">
-      <a:schemeClr val="dk1"/>
-    </dgm:txFillClrLst>
-    <dgm:txEffectClrLst/>
-  </dgm:styleLbl>
-  <dgm:styleLbl name="bgAccFollowNode1">
-    <dgm:fillClrLst meth="repeat">
-      <a:schemeClr val="accent2">
-        <a:tint val="40000"/>
-        <a:alpha val="90000"/>
-      </a:schemeClr>
-      <a:schemeClr val="accent3">
-        <a:tint val="40000"/>
-        <a:alpha val="90000"/>
-      </a:schemeClr>
-      <a:schemeClr val="accent4">
-        <a:tint val="40000"/>
-        <a:alpha val="90000"/>
-      </a:schemeClr>
-      <a:schemeClr val="accent5">
-        <a:tint val="40000"/>
-        <a:alpha val="90000"/>
-      </a:schemeClr>
-      <a:schemeClr val="accent6">
-        <a:tint val="40000"/>
-        <a:alpha val="90000"/>
-      </a:schemeClr>
-    </dgm:fillClrLst>
-    <dgm:linClrLst meth="repeat">
-      <a:schemeClr val="accent2">
-        <a:tint val="40000"/>
-        <a:alpha val="90000"/>
-      </a:schemeClr>
-      <a:schemeClr val="accent3">
-        <a:tint val="40000"/>
-        <a:alpha val="90000"/>
-      </a:schemeClr>
-      <a:schemeClr val="accent4">
-        <a:tint val="40000"/>
-        <a:alpha val="90000"/>
-      </a:schemeClr>
-      <a:schemeClr val="accent5">
-        <a:tint val="40000"/>
-        <a:alpha val="90000"/>
-      </a:schemeClr>
-      <a:schemeClr val="accent6">
-        <a:tint val="40000"/>
-        <a:alpha val="90000"/>
-      </a:schemeClr>
-    </dgm:linClrLst>
-    <dgm:effectClrLst/>
-    <dgm:txLinClrLst/>
-    <dgm:txFillClrLst meth="repeat">
-      <a:schemeClr val="dk1"/>
-    </dgm:txFillClrLst>
-    <dgm:txEffectClrLst/>
-  </dgm:styleLbl>
-  <dgm:styleLbl name="fgAcc0">
-    <dgm:fillClrLst meth="repeat">
-      <a:schemeClr val="lt1">
-        <a:alpha val="90000"/>
-      </a:schemeClr>
-    </dgm:fillClrLst>
-    <dgm:linClrLst>
-      <a:schemeClr val="accent1"/>
-    </dgm:linClrLst>
-    <dgm:effectClrLst/>
-    <dgm:txLinClrLst/>
-    <dgm:txFillClrLst meth="repeat">
-      <a:schemeClr val="dk1"/>
-    </dgm:txFillClrLst>
-    <dgm:txEffectClrLst/>
-  </dgm:styleLbl>
-  <dgm:styleLbl name="fgAcc2">
-    <dgm:fillClrLst meth="repeat">
-      <a:schemeClr val="lt1">
-        <a:alpha val="90000"/>
-      </a:schemeClr>
-    </dgm:fillClrLst>
-    <dgm:linClrLst>
-      <a:schemeClr val="accent2"/>
-    </dgm:linClrLst>
-    <dgm:effectClrLst/>
-    <dgm:txLinClrLst/>
-    <dgm:txFillClrLst meth="repeat">
-      <a:schemeClr val="dk1"/>
-    </dgm:txFillClrLst>
-    <dgm:txEffectClrLst/>
-  </dgm:styleLbl>
-  <dgm:styleLbl name="fgAcc3">
-    <dgm:fillClrLst meth="repeat">
-      <a:schemeClr val="lt1">
-        <a:alpha val="90000"/>
-      </a:schemeClr>
-    </dgm:fillClrLst>
-    <dgm:linClrLst>
-      <a:schemeClr val="accent3"/>
-    </dgm:linClrLst>
-    <dgm:effectClrLst/>
-    <dgm:txLinClrLst/>
-    <dgm:txFillClrLst meth="repeat">
-      <a:schemeClr val="dk1"/>
-    </dgm:txFillClrLst>
-    <dgm:txEffectClrLst/>
-  </dgm:styleLbl>
-  <dgm:styleLbl name="fgAcc4">
-    <dgm:fillClrLst meth="repeat">
-      <a:schemeClr val="lt1">
-        <a:alpha val="90000"/>
-      </a:schemeClr>
-    </dgm:fillClrLst>
-    <dgm:linClrLst>
-      <a:schemeClr val="accent4"/>
-    </dgm:linClrLst>
-    <dgm:effectClrLst/>
-    <dgm:txLinClrLst/>
-    <dgm:txFillClrLst meth="repeat">
-      <a:schemeClr val="dk1"/>
-    </dgm:txFillClrLst>
-    <dgm:txEffectClrLst/>
-  </dgm:styleLbl>
-  <dgm:styleLbl name="bgShp">
-    <dgm:fillClrLst meth="repeat">
-      <a:schemeClr val="accent2">
-        <a:tint val="40000"/>
-      </a:schemeClr>
-    </dgm:fillClrLst>
-    <dgm:linClrLst meth="repeat">
-      <a:schemeClr val="dk1"/>
-    </dgm:linClrLst>
-    <dgm:effectClrLst/>
-    <dgm:txLinClrLst/>
-    <dgm:txFillClrLst meth="repeat">
-      <a:schemeClr val="dk1"/>
-    </dgm:txFillClrLst>
-    <dgm:txEffectClrLst/>
-  </dgm:styleLbl>
-  <dgm:styleLbl name="dkBgShp">
-    <dgm:fillClrLst meth="repeat">
-      <a:schemeClr val="accent2">
-        <a:shade val="90000"/>
-      </a:schemeClr>
-    </dgm:fillClrLst>
-    <dgm:linClrLst meth="repeat">
-      <a:schemeClr val="dk1"/>
-    </dgm:linClrLst>
-    <dgm:effectClrLst/>
-    <dgm:txLinClrLst/>
-    <dgm:txFillClrLst meth="repeat">
-      <a:schemeClr val="lt1"/>
-    </dgm:txFillClrLst>
-    <dgm:txEffectClrLst/>
-  </dgm:styleLbl>
-  <dgm:styleLbl name="trBgShp">
-    <dgm:fillClrLst meth="repeat">
-      <a:schemeClr val="accent1">
-        <a:tint val="50000"/>
-        <a:alpha val="40000"/>
-      </a:schemeClr>
-    </dgm:fillClrLst>
-    <dgm:linClrLst meth="repeat">
-      <a:schemeClr val="accent2"/>
-    </dgm:linClrLst>
-    <dgm:effectClrLst/>
-    <dgm:txLinClrLst/>
-    <dgm:txFillClrLst meth="repeat">
-      <a:schemeClr val="lt1"/>
-    </dgm:txFillClrLst>
-    <dgm:txEffectClrLst/>
-  </dgm:styleLbl>
-  <dgm:styleLbl name="fgShp">
-    <dgm:fillClrLst meth="repeat">
-      <a:schemeClr val="accent2">
-        <a:tint val="40000"/>
-      </a:schemeClr>
-    </dgm:fillClrLst>
-    <dgm:linClrLst meth="repeat">
-      <a:schemeClr val="lt1"/>
-    </dgm:linClrLst>
-    <dgm:effectClrLst/>
-    <dgm:txLinClrLst/>
-    <dgm:txFillClrLst meth="repeat">
-      <a:schemeClr val="dk1"/>
-    </dgm:txFillClrLst>
-    <dgm:txEffectClrLst/>
-  </dgm:styleLbl>
-  <dgm:styleLbl name="revTx">
-    <dgm:fillClrLst meth="repeat">
-      <a:schemeClr val="lt1">
-        <a:alpha val="0"/>
-      </a:schemeClr>
-    </dgm:fillClrLst>
-    <dgm:linClrLst meth="repeat">
-      <a:schemeClr val="dk1">
-        <a:alpha val="0"/>
-      </a:schemeClr>
-    </dgm:linClrLst>
-    <dgm:effectClrLst/>
-    <dgm:txLinClrLst/>
-    <dgm:txFillClrLst meth="repeat">
-      <a:schemeClr val="tx1"/>
-    </dgm:txFillClrLst>
-    <dgm:txEffectClrLst/>
-  </dgm:styleLbl>
-</dgm:colorsDef>
-</file>
-
-<file path=ppt/diagrams/data1.xml><?xml version="1.0" encoding="utf-8"?>
-<dgm:dataModel xmlns:dgm="http://schemas.openxmlformats.org/drawingml/2006/diagram" xmlns:a="http://schemas.openxmlformats.org/drawingml/2006/main">
-  <dgm:ptLst>
-    <dgm:pt modelId="{CD7942A0-B7D2-4B14-8FEA-55FC702F5BE7}" type="doc">
-      <dgm:prSet loTypeId="urn:microsoft.com/office/officeart/2005/8/layout/vProcess5" loCatId="process" qsTypeId="urn:microsoft.com/office/officeart/2005/8/quickstyle/simple4" qsCatId="simple" csTypeId="urn:microsoft.com/office/officeart/2005/8/colors/colorful1" csCatId="colorful" phldr="1"/>
-      <dgm:spPr/>
-      <dgm:t>
-        <a:bodyPr rtlCol="0"/>
-        <a:lstStyle/>
-        <a:p>
-          <a:pPr rtl="0"/>
-          <a:endParaRPr lang="en-US"/>
-        </a:p>
-      </dgm:t>
-    </dgm:pt>
-    <dgm:pt modelId="{095A5E99-E976-4550-8F80-53CC813F2F5A}">
-      <dgm:prSet phldrT="[Text]"/>
-      <dgm:spPr>
-        <a:gradFill rotWithShape="0">
-          <a:gsLst>
-            <a:gs pos="0">
-              <a:srgbClr val="703000"/>
-            </a:gs>
-            <a:gs pos="50000">
-              <a:srgbClr val="A44A00"/>
-            </a:gs>
-            <a:gs pos="70000">
-              <a:srgbClr val="BC5500"/>
-            </a:gs>
-            <a:gs pos="100000">
-              <a:srgbClr val="F26D00"/>
-            </a:gs>
-          </a:gsLst>
-        </a:gradFill>
-      </dgm:spPr>
-      <dgm:t>
-        <a:bodyPr rtlCol="0"/>
-        <a:lstStyle/>
-        <a:p>
-          <a:pPr rtl="0"/>
-          <a:r>
-            <a:rPr lang="pt-pt"/>
-            <a:t>Tarefa 1</a:t>
-          </a:r>
-        </a:p>
-      </dgm:t>
-      <dgm:extLst>
-        <a:ext uri="{E40237B7-FDA0-4F09-8148-C483321AD2D9}">
-          <dgm14:cNvPr xmlns:dgm14="http://schemas.microsoft.com/office/drawing/2010/diagram" id="0" name="" descr="Staggered process showing 3 tasks arranged one below the other and two downward pointing arrows are used to indicate progression from first task to second task and second task to third task."/>
-        </a:ext>
-      </dgm:extLst>
-    </dgm:pt>
-    <dgm:pt modelId="{03339A0D-5DC0-4B29-8353-C5AEBFD4DE86}" type="parTrans" cxnId="{D1A4D8E6-F04E-4AB1-8D0C-63DC7AB1E81F}">
-      <dgm:prSet/>
-      <dgm:spPr/>
-      <dgm:t>
-        <a:bodyPr rtlCol="0"/>
-        <a:lstStyle/>
-        <a:p>
-          <a:pPr rtl="0"/>
-          <a:endParaRPr lang="en-US"/>
-        </a:p>
-      </dgm:t>
-    </dgm:pt>
-    <dgm:pt modelId="{8877691F-1B60-4485-9174-DDEC7EE68B70}" type="sibTrans" cxnId="{D1A4D8E6-F04E-4AB1-8D0C-63DC7AB1E81F}">
-      <dgm:prSet/>
-      <dgm:spPr/>
-      <dgm:t>
-        <a:bodyPr rtlCol="0"/>
-        <a:lstStyle/>
-        <a:p>
-          <a:pPr rtl="0"/>
-          <a:endParaRPr lang="en-US"/>
-        </a:p>
-      </dgm:t>
-    </dgm:pt>
-    <dgm:pt modelId="{8EC937D8-BD76-4A12-A3E5-900D5C1E2E05}">
-      <dgm:prSet phldrT="[Text]"/>
-      <dgm:spPr/>
-      <dgm:t>
-        <a:bodyPr rtlCol="0"/>
-        <a:lstStyle/>
-        <a:p>
-          <a:pPr rtl="0"/>
-          <a:r>
-            <a:rPr lang="pt-pt"/>
-            <a:t>Tarefa 2</a:t>
-          </a:r>
-        </a:p>
-      </dgm:t>
-    </dgm:pt>
-    <dgm:pt modelId="{8265EE85-9851-494E-A6D3-1CDACE947DF3}" type="parTrans" cxnId="{43DC8383-AEE5-490C-A8E5-1F216F2B8FE6}">
-      <dgm:prSet/>
-      <dgm:spPr/>
-      <dgm:t>
-        <a:bodyPr rtlCol="0"/>
-        <a:lstStyle/>
-        <a:p>
-          <a:pPr rtl="0"/>
-          <a:endParaRPr lang="en-US"/>
-        </a:p>
-      </dgm:t>
-    </dgm:pt>
-    <dgm:pt modelId="{B3EFD4A5-9FA1-4ABE-B722-05162509509B}" type="sibTrans" cxnId="{43DC8383-AEE5-490C-A8E5-1F216F2B8FE6}">
-      <dgm:prSet/>
-      <dgm:spPr/>
-      <dgm:t>
-        <a:bodyPr rtlCol="0"/>
-        <a:lstStyle/>
-        <a:p>
-          <a:pPr rtl="0"/>
-          <a:endParaRPr lang="en-US"/>
-        </a:p>
-      </dgm:t>
-    </dgm:pt>
-    <dgm:pt modelId="{7133ECF5-4190-4604-AA2F-03C9A0A9210F}">
-      <dgm:prSet phldrT="[Text]"/>
-      <dgm:spPr>
-        <a:gradFill rotWithShape="0">
-          <a:gsLst>
-            <a:gs pos="0">
-              <a:srgbClr val="394404"/>
-            </a:gs>
-            <a:gs pos="50000">
-              <a:srgbClr val="5F6F0F"/>
-            </a:gs>
-            <a:gs pos="70000">
-              <a:srgbClr val="65741A"/>
-            </a:gs>
-            <a:gs pos="100000">
-              <a:schemeClr val="accent4">
-                <a:hueOff val="0"/>
-                <a:satOff val="0"/>
-                <a:lumOff val="0"/>
-                <a:alphaOff val="0"/>
-                <a:tint val="100000"/>
-                <a:shade val="100000"/>
-                <a:satMod val="155000"/>
-              </a:schemeClr>
-            </a:gs>
-          </a:gsLst>
-        </a:gradFill>
-      </dgm:spPr>
-      <dgm:t>
-        <a:bodyPr rtlCol="0"/>
-        <a:lstStyle/>
-        <a:p>
-          <a:pPr rtl="0"/>
-          <a:r>
-            <a:rPr lang="pt-pt"/>
-            <a:t>Tarefa 3</a:t>
-          </a:r>
-        </a:p>
-      </dgm:t>
-      <dgm:extLst>
-        <a:ext uri="{E40237B7-FDA0-4F09-8148-C483321AD2D9}">
-          <dgm14:cNvPr xmlns:dgm14="http://schemas.microsoft.com/office/drawing/2010/diagram" id="0" name="" descr="Staggered process showing 3 tasks arranged one below the other and two downward pointing arrows are used to indicate progression from first task to second task and second task to third task."/>
-        </a:ext>
-      </dgm:extLst>
-    </dgm:pt>
-    <dgm:pt modelId="{7D1B29D7-21DD-436A-8F7C-E87DE53C1431}" type="parTrans" cxnId="{011A9761-E983-4C7D-AB1D-2038261D8FF8}">
-      <dgm:prSet/>
-      <dgm:spPr/>
-      <dgm:t>
-        <a:bodyPr rtlCol="0"/>
-        <a:lstStyle/>
-        <a:p>
-          <a:pPr rtl="0"/>
-          <a:endParaRPr lang="en-US"/>
-        </a:p>
-      </dgm:t>
-    </dgm:pt>
-    <dgm:pt modelId="{46037378-034A-4662-877A-B53E1DA069A3}" type="sibTrans" cxnId="{011A9761-E983-4C7D-AB1D-2038261D8FF8}">
-      <dgm:prSet/>
-      <dgm:spPr/>
-      <dgm:t>
-        <a:bodyPr rtlCol="0"/>
-        <a:lstStyle/>
-        <a:p>
-          <a:pPr rtl="0"/>
-          <a:endParaRPr lang="en-US"/>
-        </a:p>
-      </dgm:t>
-    </dgm:pt>
-    <dgm:pt modelId="{1D84D8B6-AB32-4491-B5D2-EFE3D7668B88}" type="pres">
-      <dgm:prSet presAssocID="{CD7942A0-B7D2-4B14-8FEA-55FC702F5BE7}" presName="outerComposite" presStyleCnt="0">
-        <dgm:presLayoutVars>
-          <dgm:chMax val="5"/>
-          <dgm:dir/>
-          <dgm:resizeHandles val="exact"/>
-        </dgm:presLayoutVars>
-      </dgm:prSet>
-      <dgm:spPr/>
-      <dgm:t>
-        <a:bodyPr/>
-        <a:lstStyle/>
-        <a:p>
-          <a:endParaRPr lang="pt-PT"/>
-        </a:p>
-      </dgm:t>
-    </dgm:pt>
-    <dgm:pt modelId="{3E0E8213-E460-4EB7-9A92-C2B1CC553F0D}" type="pres">
-      <dgm:prSet presAssocID="{CD7942A0-B7D2-4B14-8FEA-55FC702F5BE7}" presName="dummyMaxCanvas" presStyleCnt="0">
-        <dgm:presLayoutVars/>
-      </dgm:prSet>
-      <dgm:spPr/>
-    </dgm:pt>
-    <dgm:pt modelId="{124EF20B-D98C-45B2-BB13-7B93B5373CEB}" type="pres">
-      <dgm:prSet presAssocID="{CD7942A0-B7D2-4B14-8FEA-55FC702F5BE7}" presName="ThreeNodes_1" presStyleLbl="node1" presStyleIdx="0" presStyleCnt="3">
-        <dgm:presLayoutVars>
-          <dgm:bulletEnabled val="1"/>
-        </dgm:presLayoutVars>
-      </dgm:prSet>
-      <dgm:spPr/>
-      <dgm:t>
-        <a:bodyPr/>
-        <a:lstStyle/>
-        <a:p>
-          <a:endParaRPr lang="pt-PT"/>
-        </a:p>
-      </dgm:t>
-    </dgm:pt>
-    <dgm:pt modelId="{CA544AF7-F7B2-4CA5-9251-B4CDB8D06634}" type="pres">
-      <dgm:prSet presAssocID="{CD7942A0-B7D2-4B14-8FEA-55FC702F5BE7}" presName="ThreeNodes_2" presStyleLbl="node1" presStyleIdx="1" presStyleCnt="3">
-        <dgm:presLayoutVars>
-          <dgm:bulletEnabled val="1"/>
-        </dgm:presLayoutVars>
-      </dgm:prSet>
-      <dgm:spPr/>
-      <dgm:t>
-        <a:bodyPr/>
-        <a:lstStyle/>
-        <a:p>
-          <a:endParaRPr lang="pt-PT"/>
-        </a:p>
-      </dgm:t>
-    </dgm:pt>
-    <dgm:pt modelId="{2AE92D3F-F0FA-45DD-BB60-4C6FBC6BC016}" type="pres">
-      <dgm:prSet presAssocID="{CD7942A0-B7D2-4B14-8FEA-55FC702F5BE7}" presName="ThreeNodes_3" presStyleLbl="node1" presStyleIdx="2" presStyleCnt="3">
-        <dgm:presLayoutVars>
-          <dgm:bulletEnabled val="1"/>
-        </dgm:presLayoutVars>
-      </dgm:prSet>
-      <dgm:spPr/>
-      <dgm:t>
-        <a:bodyPr/>
-        <a:lstStyle/>
-        <a:p>
-          <a:endParaRPr lang="pt-PT"/>
-        </a:p>
-      </dgm:t>
-    </dgm:pt>
-    <dgm:pt modelId="{9CA877D8-99F8-40A0-89E9-59A61C9A70F4}" type="pres">
-      <dgm:prSet presAssocID="{CD7942A0-B7D2-4B14-8FEA-55FC702F5BE7}" presName="ThreeConn_1-2" presStyleLbl="fgAccFollowNode1" presStyleIdx="0" presStyleCnt="2">
-        <dgm:presLayoutVars>
-          <dgm:bulletEnabled val="1"/>
-        </dgm:presLayoutVars>
-      </dgm:prSet>
-      <dgm:spPr/>
-      <dgm:t>
-        <a:bodyPr/>
-        <a:lstStyle/>
-        <a:p>
-          <a:endParaRPr lang="pt-PT"/>
-        </a:p>
-      </dgm:t>
-    </dgm:pt>
-    <dgm:pt modelId="{62643EF2-016C-41F1-8CBC-398422A85727}" type="pres">
-      <dgm:prSet presAssocID="{CD7942A0-B7D2-4B14-8FEA-55FC702F5BE7}" presName="ThreeConn_2-3" presStyleLbl="fgAccFollowNode1" presStyleIdx="1" presStyleCnt="2">
-        <dgm:presLayoutVars>
-          <dgm:bulletEnabled val="1"/>
-        </dgm:presLayoutVars>
-      </dgm:prSet>
-      <dgm:spPr/>
-      <dgm:t>
-        <a:bodyPr/>
-        <a:lstStyle/>
-        <a:p>
-          <a:endParaRPr lang="pt-PT"/>
-        </a:p>
-      </dgm:t>
-    </dgm:pt>
-    <dgm:pt modelId="{7A2F6994-DA87-4497-BFC7-DD9D6EC5315F}" type="pres">
-      <dgm:prSet presAssocID="{CD7942A0-B7D2-4B14-8FEA-55FC702F5BE7}" presName="ThreeNodes_1_text" presStyleLbl="node1" presStyleIdx="2" presStyleCnt="3">
-        <dgm:presLayoutVars>
-          <dgm:bulletEnabled val="1"/>
-        </dgm:presLayoutVars>
-      </dgm:prSet>
-      <dgm:spPr/>
-      <dgm:t>
-        <a:bodyPr/>
-        <a:lstStyle/>
-        <a:p>
-          <a:endParaRPr lang="pt-PT"/>
-        </a:p>
-      </dgm:t>
-    </dgm:pt>
-    <dgm:pt modelId="{916C48CB-E452-4B79-A9B9-4C9A90B47960}" type="pres">
-      <dgm:prSet presAssocID="{CD7942A0-B7D2-4B14-8FEA-55FC702F5BE7}" presName="ThreeNodes_2_text" presStyleLbl="node1" presStyleIdx="2" presStyleCnt="3">
-        <dgm:presLayoutVars>
-          <dgm:bulletEnabled val="1"/>
-        </dgm:presLayoutVars>
-      </dgm:prSet>
-      <dgm:spPr/>
-      <dgm:t>
-        <a:bodyPr/>
-        <a:lstStyle/>
-        <a:p>
-          <a:endParaRPr lang="pt-PT"/>
-        </a:p>
-      </dgm:t>
-    </dgm:pt>
-    <dgm:pt modelId="{A31D264E-E285-4E5C-8EB7-762CD501BE72}" type="pres">
-      <dgm:prSet presAssocID="{CD7942A0-B7D2-4B14-8FEA-55FC702F5BE7}" presName="ThreeNodes_3_text" presStyleLbl="node1" presStyleIdx="2" presStyleCnt="3">
-        <dgm:presLayoutVars>
-          <dgm:bulletEnabled val="1"/>
-        </dgm:presLayoutVars>
-      </dgm:prSet>
-      <dgm:spPr/>
-      <dgm:t>
-        <a:bodyPr/>
-        <a:lstStyle/>
-        <a:p>
-          <a:endParaRPr lang="pt-PT"/>
-        </a:p>
-      </dgm:t>
-    </dgm:pt>
-  </dgm:ptLst>
-  <dgm:cxnLst>
-    <dgm:cxn modelId="{03E7038C-2CC0-496B-88A0-60396CDC31E4}" type="presOf" srcId="{7133ECF5-4190-4604-AA2F-03C9A0A9210F}" destId="{A31D264E-E285-4E5C-8EB7-762CD501BE72}" srcOrd="1" destOrd="0" presId="urn:microsoft.com/office/officeart/2005/8/layout/vProcess5"/>
-    <dgm:cxn modelId="{C2D0E194-BD14-4AD2-9E3A-CE984C34B6CD}" type="presOf" srcId="{CD7942A0-B7D2-4B14-8FEA-55FC702F5BE7}" destId="{1D84D8B6-AB32-4491-B5D2-EFE3D7668B88}" srcOrd="0" destOrd="0" presId="urn:microsoft.com/office/officeart/2005/8/layout/vProcess5"/>
-    <dgm:cxn modelId="{12FC7FDE-4033-4970-A683-61DE6FA84E89}" type="presOf" srcId="{8877691F-1B60-4485-9174-DDEC7EE68B70}" destId="{9CA877D8-99F8-40A0-89E9-59A61C9A70F4}" srcOrd="0" destOrd="0" presId="urn:microsoft.com/office/officeart/2005/8/layout/vProcess5"/>
-    <dgm:cxn modelId="{BB374C9D-646D-46E6-89B4-117F0E21BA34}" type="presOf" srcId="{8EC937D8-BD76-4A12-A3E5-900D5C1E2E05}" destId="{916C48CB-E452-4B79-A9B9-4C9A90B47960}" srcOrd="1" destOrd="0" presId="urn:microsoft.com/office/officeart/2005/8/layout/vProcess5"/>
-    <dgm:cxn modelId="{011A9761-E983-4C7D-AB1D-2038261D8FF8}" srcId="{CD7942A0-B7D2-4B14-8FEA-55FC702F5BE7}" destId="{7133ECF5-4190-4604-AA2F-03C9A0A9210F}" srcOrd="2" destOrd="0" parTransId="{7D1B29D7-21DD-436A-8F7C-E87DE53C1431}" sibTransId="{46037378-034A-4662-877A-B53E1DA069A3}"/>
-    <dgm:cxn modelId="{7C007CEB-6418-4EA7-9CB6-5B93D0C655E6}" type="presOf" srcId="{095A5E99-E976-4550-8F80-53CC813F2F5A}" destId="{7A2F6994-DA87-4497-BFC7-DD9D6EC5315F}" srcOrd="1" destOrd="0" presId="urn:microsoft.com/office/officeart/2005/8/layout/vProcess5"/>
-    <dgm:cxn modelId="{D1A4D8E6-F04E-4AB1-8D0C-63DC7AB1E81F}" srcId="{CD7942A0-B7D2-4B14-8FEA-55FC702F5BE7}" destId="{095A5E99-E976-4550-8F80-53CC813F2F5A}" srcOrd="0" destOrd="0" parTransId="{03339A0D-5DC0-4B29-8353-C5AEBFD4DE86}" sibTransId="{8877691F-1B60-4485-9174-DDEC7EE68B70}"/>
-    <dgm:cxn modelId="{6CF7D6F9-A5F2-48E3-AF5C-A2074559AE21}" type="presOf" srcId="{B3EFD4A5-9FA1-4ABE-B722-05162509509B}" destId="{62643EF2-016C-41F1-8CBC-398422A85727}" srcOrd="0" destOrd="0" presId="urn:microsoft.com/office/officeart/2005/8/layout/vProcess5"/>
-    <dgm:cxn modelId="{5A89A138-BC1A-490F-935E-2EC3F74E8E18}" type="presOf" srcId="{7133ECF5-4190-4604-AA2F-03C9A0A9210F}" destId="{2AE92D3F-F0FA-45DD-BB60-4C6FBC6BC016}" srcOrd="0" destOrd="0" presId="urn:microsoft.com/office/officeart/2005/8/layout/vProcess5"/>
-    <dgm:cxn modelId="{8A063A46-8F8D-405A-B2D6-6495FA638F46}" type="presOf" srcId="{8EC937D8-BD76-4A12-A3E5-900D5C1E2E05}" destId="{CA544AF7-F7B2-4CA5-9251-B4CDB8D06634}" srcOrd="0" destOrd="0" presId="urn:microsoft.com/office/officeart/2005/8/layout/vProcess5"/>
-    <dgm:cxn modelId="{A071614A-8A85-47B2-A113-0652CAB9B428}" type="presOf" srcId="{095A5E99-E976-4550-8F80-53CC813F2F5A}" destId="{124EF20B-D98C-45B2-BB13-7B93B5373CEB}" srcOrd="0" destOrd="0" presId="urn:microsoft.com/office/officeart/2005/8/layout/vProcess5"/>
-    <dgm:cxn modelId="{43DC8383-AEE5-490C-A8E5-1F216F2B8FE6}" srcId="{CD7942A0-B7D2-4B14-8FEA-55FC702F5BE7}" destId="{8EC937D8-BD76-4A12-A3E5-900D5C1E2E05}" srcOrd="1" destOrd="0" parTransId="{8265EE85-9851-494E-A6D3-1CDACE947DF3}" sibTransId="{B3EFD4A5-9FA1-4ABE-B722-05162509509B}"/>
-    <dgm:cxn modelId="{768DB908-A4BF-48A6-A740-5DD0CBAFBB11}" type="presParOf" srcId="{1D84D8B6-AB32-4491-B5D2-EFE3D7668B88}" destId="{3E0E8213-E460-4EB7-9A92-C2B1CC553F0D}" srcOrd="0" destOrd="0" presId="urn:microsoft.com/office/officeart/2005/8/layout/vProcess5"/>
-    <dgm:cxn modelId="{A8B17D3B-E670-4FE0-A845-244C702B8151}" type="presParOf" srcId="{1D84D8B6-AB32-4491-B5D2-EFE3D7668B88}" destId="{124EF20B-D98C-45B2-BB13-7B93B5373CEB}" srcOrd="1" destOrd="0" presId="urn:microsoft.com/office/officeart/2005/8/layout/vProcess5"/>
-    <dgm:cxn modelId="{1E8E2D8B-A980-4080-A16E-1F74528DE4D0}" type="presParOf" srcId="{1D84D8B6-AB32-4491-B5D2-EFE3D7668B88}" destId="{CA544AF7-F7B2-4CA5-9251-B4CDB8D06634}" srcOrd="2" destOrd="0" presId="urn:microsoft.com/office/officeart/2005/8/layout/vProcess5"/>
-    <dgm:cxn modelId="{7992440C-9F36-432D-90EE-E2A708CEB38B}" type="presParOf" srcId="{1D84D8B6-AB32-4491-B5D2-EFE3D7668B88}" destId="{2AE92D3F-F0FA-45DD-BB60-4C6FBC6BC016}" srcOrd="3" destOrd="0" presId="urn:microsoft.com/office/officeart/2005/8/layout/vProcess5"/>
-    <dgm:cxn modelId="{DBE883B8-7D13-43BA-A456-8DBB93D30C93}" type="presParOf" srcId="{1D84D8B6-AB32-4491-B5D2-EFE3D7668B88}" destId="{9CA877D8-99F8-40A0-89E9-59A61C9A70F4}" srcOrd="4" destOrd="0" presId="urn:microsoft.com/office/officeart/2005/8/layout/vProcess5"/>
-    <dgm:cxn modelId="{A3B9E6ED-FFD0-430E-B609-EBE8E75E7C44}" type="presParOf" srcId="{1D84D8B6-AB32-4491-B5D2-EFE3D7668B88}" destId="{62643EF2-016C-41F1-8CBC-398422A85727}" srcOrd="5" destOrd="0" presId="urn:microsoft.com/office/officeart/2005/8/layout/vProcess5"/>
-    <dgm:cxn modelId="{278FE748-9C54-4E36-9203-E948DB63C99A}" type="presParOf" srcId="{1D84D8B6-AB32-4491-B5D2-EFE3D7668B88}" destId="{7A2F6994-DA87-4497-BFC7-DD9D6EC5315F}" srcOrd="6" destOrd="0" presId="urn:microsoft.com/office/officeart/2005/8/layout/vProcess5"/>
-    <dgm:cxn modelId="{E81279B5-23BF-4F73-A353-8831FC04E9BC}" type="presParOf" srcId="{1D84D8B6-AB32-4491-B5D2-EFE3D7668B88}" destId="{916C48CB-E452-4B79-A9B9-4C9A90B47960}" srcOrd="7" destOrd="0" presId="urn:microsoft.com/office/officeart/2005/8/layout/vProcess5"/>
-    <dgm:cxn modelId="{16289EC3-0C51-4B32-B6CC-FE8F7F6F6C76}" type="presParOf" srcId="{1D84D8B6-AB32-4491-B5D2-EFE3D7668B88}" destId="{A31D264E-E285-4E5C-8EB7-762CD501BE72}" srcOrd="8" destOrd="0" presId="urn:microsoft.com/office/officeart/2005/8/layout/vProcess5"/>
-  </dgm:cxnLst>
-  <dgm:bg/>
-  <dgm:whole/>
-  <dgm:extLst>
-    <a:ext uri="http://schemas.microsoft.com/office/drawing/2008/diagram">
-      <dsp:dataModelExt xmlns:dsp="http://schemas.microsoft.com/office/drawing/2008/diagram" relId="rId7" minVer="http://schemas.openxmlformats.org/drawingml/2006/diagram"/>
-    </a:ext>
-  </dgm:extLst>
-</dgm:dataModel>
-</file>
-
-<file path=ppt/diagrams/drawing1.xml><?xml version="1.0" encoding="utf-8"?>
-<dsp:drawing xmlns:dgm="http://schemas.openxmlformats.org/drawingml/2006/diagram" xmlns:dsp="http://schemas.microsoft.com/office/drawing/2008/diagram" xmlns:a="http://schemas.openxmlformats.org/drawingml/2006/main">
-  <dsp:spTree>
-    <dsp:nvGrpSpPr>
-      <dsp:cNvPr id="0" name=""/>
-      <dsp:cNvGrpSpPr/>
-    </dsp:nvGrpSpPr>
-    <dsp:grpSpPr/>
-    <dsp:sp modelId="{124EF20B-D98C-45B2-BB13-7B93B5373CEB}">
-      <dsp:nvSpPr>
-        <dsp:cNvPr id="0" name=""/>
-        <dsp:cNvSpPr/>
-      </dsp:nvSpPr>
-      <dsp:spPr>
-        <a:xfrm>
-          <a:off x="0" y="0"/>
-          <a:ext cx="4316650" cy="1339691"/>
-        </a:xfrm>
-        <a:prstGeom prst="roundRect">
-          <a:avLst>
-            <a:gd name="adj" fmla="val 10000"/>
-          </a:avLst>
-        </a:prstGeom>
-        <a:gradFill rotWithShape="0">
-          <a:gsLst>
-            <a:gs pos="0">
-              <a:srgbClr val="703000"/>
-            </a:gs>
-            <a:gs pos="50000">
-              <a:srgbClr val="A44A00"/>
-            </a:gs>
-            <a:gs pos="70000">
-              <a:srgbClr val="BC5500"/>
-            </a:gs>
-            <a:gs pos="100000">
-              <a:srgbClr val="F26D00"/>
-            </a:gs>
-          </a:gsLst>
-          <a:lin ang="16200000" scaled="0"/>
-        </a:gradFill>
-        <a:ln>
-          <a:noFill/>
-        </a:ln>
-        <a:effectLst>
-          <a:outerShdw blurRad="38100" dist="25400" dir="2700000" algn="br" rotWithShape="0">
-            <a:srgbClr val="000000">
-              <a:alpha val="60000"/>
-            </a:srgbClr>
-          </a:outerShdw>
-        </a:effectLst>
-      </dsp:spPr>
-      <dsp:style>
-        <a:lnRef idx="0">
-          <a:scrgbClr r="0" g="0" b="0"/>
-        </a:lnRef>
-        <a:fillRef idx="3">
-          <a:scrgbClr r="0" g="0" b="0"/>
-        </a:fillRef>
-        <a:effectRef idx="2">
-          <a:scrgbClr r="0" g="0" b="0"/>
-        </a:effectRef>
-        <a:fontRef idx="minor">
-          <a:schemeClr val="lt1"/>
-        </a:fontRef>
-      </dsp:style>
-      <dsp:txBody>
-        <a:bodyPr spcFirstLastPara="0" vert="horz" wrap="square" lIns="220980" tIns="220980" rIns="220980" bIns="220980" numCol="1" spcCol="1270" rtlCol="0" anchor="ctr" anchorCtr="0">
-          <a:noAutofit/>
-        </a:bodyPr>
-        <a:lstStyle/>
-        <a:p>
-          <a:pPr lvl="0" algn="l" defTabSz="2578100" rtl="0">
-            <a:lnSpc>
-              <a:spcPct val="90000"/>
-            </a:lnSpc>
-            <a:spcBef>
-              <a:spcPct val="0"/>
-            </a:spcBef>
-            <a:spcAft>
-              <a:spcPct val="35000"/>
-            </a:spcAft>
-          </a:pPr>
-          <a:r>
-            <a:rPr lang="pt-pt" sz="5800" kern="1200"/>
-            <a:t>Tarefa 1</a:t>
-          </a:r>
-        </a:p>
-      </dsp:txBody>
-      <dsp:txXfrm>
-        <a:off x="39238" y="39238"/>
-        <a:ext cx="2871019" cy="1261215"/>
-      </dsp:txXfrm>
-    </dsp:sp>
-    <dsp:sp modelId="{CA544AF7-F7B2-4CA5-9251-B4CDB8D06634}">
-      <dsp:nvSpPr>
-        <dsp:cNvPr id="0" name=""/>
-        <dsp:cNvSpPr/>
-      </dsp:nvSpPr>
-      <dsp:spPr>
-        <a:xfrm>
-          <a:off x="380880" y="1562972"/>
-          <a:ext cx="4316650" cy="1339691"/>
-        </a:xfrm>
-        <a:prstGeom prst="roundRect">
-          <a:avLst>
-            <a:gd name="adj" fmla="val 10000"/>
-          </a:avLst>
-        </a:prstGeom>
-        <a:gradFill rotWithShape="0">
-          <a:gsLst>
-            <a:gs pos="0">
-              <a:schemeClr val="accent3">
-                <a:hueOff val="0"/>
-                <a:satOff val="0"/>
-                <a:lumOff val="0"/>
-                <a:alphaOff val="0"/>
-                <a:shade val="15000"/>
-                <a:satMod val="180000"/>
-              </a:schemeClr>
-            </a:gs>
-            <a:gs pos="50000">
-              <a:schemeClr val="accent3">
-                <a:hueOff val="0"/>
-                <a:satOff val="0"/>
-                <a:lumOff val="0"/>
-                <a:alphaOff val="0"/>
-                <a:shade val="45000"/>
-                <a:satMod val="170000"/>
-              </a:schemeClr>
-            </a:gs>
-            <a:gs pos="70000">
-              <a:schemeClr val="accent3">
-                <a:hueOff val="0"/>
-                <a:satOff val="0"/>
-                <a:lumOff val="0"/>
-                <a:alphaOff val="0"/>
-                <a:tint val="99000"/>
-                <a:shade val="65000"/>
-                <a:satMod val="155000"/>
-              </a:schemeClr>
-            </a:gs>
-            <a:gs pos="100000">
-              <a:schemeClr val="accent3">
-                <a:hueOff val="0"/>
-                <a:satOff val="0"/>
-                <a:lumOff val="0"/>
-                <a:alphaOff val="0"/>
-                <a:tint val="100000"/>
-                <a:shade val="100000"/>
-                <a:satMod val="155000"/>
-              </a:schemeClr>
-            </a:gs>
-          </a:gsLst>
-          <a:lin ang="16200000" scaled="0"/>
-        </a:gradFill>
-        <a:ln>
-          <a:noFill/>
-        </a:ln>
-        <a:effectLst>
-          <a:outerShdw blurRad="38100" dist="25400" dir="2700000" algn="br" rotWithShape="0">
-            <a:srgbClr val="000000">
-              <a:alpha val="60000"/>
-            </a:srgbClr>
-          </a:outerShdw>
-        </a:effectLst>
-      </dsp:spPr>
-      <dsp:style>
-        <a:lnRef idx="0">
-          <a:scrgbClr r="0" g="0" b="0"/>
-        </a:lnRef>
-        <a:fillRef idx="3">
-          <a:scrgbClr r="0" g="0" b="0"/>
-        </a:fillRef>
-        <a:effectRef idx="2">
-          <a:scrgbClr r="0" g="0" b="0"/>
-        </a:effectRef>
-        <a:fontRef idx="minor">
-          <a:schemeClr val="lt1"/>
-        </a:fontRef>
-      </dsp:style>
-      <dsp:txBody>
-        <a:bodyPr spcFirstLastPara="0" vert="horz" wrap="square" lIns="220980" tIns="220980" rIns="220980" bIns="220980" numCol="1" spcCol="1270" rtlCol="0" anchor="ctr" anchorCtr="0">
-          <a:noAutofit/>
-        </a:bodyPr>
-        <a:lstStyle/>
-        <a:p>
-          <a:pPr lvl="0" algn="l" defTabSz="2578100" rtl="0">
-            <a:lnSpc>
-              <a:spcPct val="90000"/>
-            </a:lnSpc>
-            <a:spcBef>
-              <a:spcPct val="0"/>
-            </a:spcBef>
-            <a:spcAft>
-              <a:spcPct val="35000"/>
-            </a:spcAft>
-          </a:pPr>
-          <a:r>
-            <a:rPr lang="pt-pt" sz="5800" kern="1200"/>
-            <a:t>Tarefa 2</a:t>
-          </a:r>
-        </a:p>
-      </dsp:txBody>
-      <dsp:txXfrm>
-        <a:off x="420118" y="1602210"/>
-        <a:ext cx="2986494" cy="1261215"/>
-      </dsp:txXfrm>
-    </dsp:sp>
-    <dsp:sp modelId="{2AE92D3F-F0FA-45DD-BB60-4C6FBC6BC016}">
-      <dsp:nvSpPr>
-        <dsp:cNvPr id="0" name=""/>
-        <dsp:cNvSpPr/>
-      </dsp:nvSpPr>
-      <dsp:spPr>
-        <a:xfrm>
-          <a:off x="761761" y="3125945"/>
-          <a:ext cx="4316650" cy="1339691"/>
-        </a:xfrm>
-        <a:prstGeom prst="roundRect">
-          <a:avLst>
-            <a:gd name="adj" fmla="val 10000"/>
-          </a:avLst>
-        </a:prstGeom>
-        <a:gradFill rotWithShape="0">
-          <a:gsLst>
-            <a:gs pos="0">
-              <a:srgbClr val="394404"/>
-            </a:gs>
-            <a:gs pos="50000">
-              <a:srgbClr val="5F6F0F"/>
-            </a:gs>
-            <a:gs pos="70000">
-              <a:srgbClr val="65741A"/>
-            </a:gs>
-            <a:gs pos="100000">
-              <a:schemeClr val="accent4">
-                <a:hueOff val="0"/>
-                <a:satOff val="0"/>
-                <a:lumOff val="0"/>
-                <a:alphaOff val="0"/>
-                <a:tint val="100000"/>
-                <a:shade val="100000"/>
-                <a:satMod val="155000"/>
-              </a:schemeClr>
-            </a:gs>
-          </a:gsLst>
-          <a:lin ang="16200000" scaled="0"/>
-        </a:gradFill>
-        <a:ln>
-          <a:noFill/>
-        </a:ln>
-        <a:effectLst>
-          <a:outerShdw blurRad="38100" dist="25400" dir="2700000" algn="br" rotWithShape="0">
-            <a:srgbClr val="000000">
-              <a:alpha val="60000"/>
-            </a:srgbClr>
-          </a:outerShdw>
-        </a:effectLst>
-      </dsp:spPr>
-      <dsp:style>
-        <a:lnRef idx="0">
-          <a:scrgbClr r="0" g="0" b="0"/>
-        </a:lnRef>
-        <a:fillRef idx="3">
-          <a:scrgbClr r="0" g="0" b="0"/>
-        </a:fillRef>
-        <a:effectRef idx="2">
-          <a:scrgbClr r="0" g="0" b="0"/>
-        </a:effectRef>
-        <a:fontRef idx="minor">
-          <a:schemeClr val="lt1"/>
-        </a:fontRef>
-      </dsp:style>
-      <dsp:txBody>
-        <a:bodyPr spcFirstLastPara="0" vert="horz" wrap="square" lIns="220980" tIns="220980" rIns="220980" bIns="220980" numCol="1" spcCol="1270" rtlCol="0" anchor="ctr" anchorCtr="0">
-          <a:noAutofit/>
-        </a:bodyPr>
-        <a:lstStyle/>
-        <a:p>
-          <a:pPr lvl="0" algn="l" defTabSz="2578100" rtl="0">
-            <a:lnSpc>
-              <a:spcPct val="90000"/>
-            </a:lnSpc>
-            <a:spcBef>
-              <a:spcPct val="0"/>
-            </a:spcBef>
-            <a:spcAft>
-              <a:spcPct val="35000"/>
-            </a:spcAft>
-          </a:pPr>
-          <a:r>
-            <a:rPr lang="pt-pt" sz="5800" kern="1200"/>
-            <a:t>Tarefa 3</a:t>
-          </a:r>
-        </a:p>
-      </dsp:txBody>
-      <dsp:txXfrm>
-        <a:off x="800999" y="3165183"/>
-        <a:ext cx="2986494" cy="1261215"/>
-      </dsp:txXfrm>
-    </dsp:sp>
-    <dsp:sp modelId="{9CA877D8-99F8-40A0-89E9-59A61C9A70F4}">
-      <dsp:nvSpPr>
-        <dsp:cNvPr id="0" name=""/>
-        <dsp:cNvSpPr/>
-      </dsp:nvSpPr>
-      <dsp:spPr>
-        <a:xfrm>
-          <a:off x="3445850" y="1015932"/>
-          <a:ext cx="870799" cy="870799"/>
-        </a:xfrm>
-        <a:prstGeom prst="downArrow">
-          <a:avLst>
-            <a:gd name="adj1" fmla="val 55000"/>
-            <a:gd name="adj2" fmla="val 45000"/>
-          </a:avLst>
-        </a:prstGeom>
-        <a:solidFill>
-          <a:schemeClr val="accent2">
-            <a:tint val="40000"/>
-            <a:alpha val="90000"/>
-            <a:hueOff val="0"/>
-            <a:satOff val="0"/>
-            <a:lumOff val="0"/>
-            <a:alphaOff val="0"/>
-          </a:schemeClr>
-        </a:solidFill>
-        <a:ln w="9525" cap="flat" cmpd="sng" algn="ctr">
-          <a:solidFill>
-            <a:schemeClr val="accent2">
-              <a:tint val="40000"/>
-              <a:alpha val="90000"/>
-              <a:hueOff val="0"/>
-              <a:satOff val="0"/>
-              <a:lumOff val="0"/>
-              <a:alphaOff val="0"/>
-            </a:schemeClr>
-          </a:solidFill>
-          <a:miter lim="800000"/>
-        </a:ln>
-        <a:effectLst/>
-      </dsp:spPr>
-      <dsp:style>
-        <a:lnRef idx="1">
-          <a:scrgbClr r="0" g="0" b="0"/>
-        </a:lnRef>
-        <a:fillRef idx="1">
-          <a:scrgbClr r="0" g="0" b="0"/>
-        </a:fillRef>
-        <a:effectRef idx="0">
-          <a:scrgbClr r="0" g="0" b="0"/>
-        </a:effectRef>
-        <a:fontRef idx="minor"/>
-      </dsp:style>
-      <dsp:txBody>
-        <a:bodyPr spcFirstLastPara="0" vert="horz" wrap="square" lIns="45720" tIns="45720" rIns="45720" bIns="45720" numCol="1" spcCol="1270" rtlCol="0" anchor="ctr" anchorCtr="0">
-          <a:noAutofit/>
-        </a:bodyPr>
-        <a:lstStyle/>
-        <a:p>
-          <a:pPr lvl="0" algn="ctr" defTabSz="1600200" rtl="0">
-            <a:lnSpc>
-              <a:spcPct val="90000"/>
-            </a:lnSpc>
-            <a:spcBef>
-              <a:spcPct val="0"/>
-            </a:spcBef>
-            <a:spcAft>
-              <a:spcPct val="35000"/>
-            </a:spcAft>
-          </a:pPr>
-          <a:endParaRPr lang="en-US" sz="3600" kern="1200"/>
-        </a:p>
-      </dsp:txBody>
-      <dsp:txXfrm>
-        <a:off x="3641780" y="1015932"/>
-        <a:ext cx="478939" cy="655276"/>
-      </dsp:txXfrm>
-    </dsp:sp>
-    <dsp:sp modelId="{62643EF2-016C-41F1-8CBC-398422A85727}">
-      <dsp:nvSpPr>
-        <dsp:cNvPr id="0" name=""/>
-        <dsp:cNvSpPr/>
-      </dsp:nvSpPr>
-      <dsp:spPr>
-        <a:xfrm>
-          <a:off x="3826731" y="2569974"/>
-          <a:ext cx="870799" cy="870799"/>
-        </a:xfrm>
-        <a:prstGeom prst="downArrow">
-          <a:avLst>
-            <a:gd name="adj1" fmla="val 55000"/>
-            <a:gd name="adj2" fmla="val 45000"/>
-          </a:avLst>
-        </a:prstGeom>
-        <a:solidFill>
-          <a:schemeClr val="accent3">
-            <a:tint val="40000"/>
-            <a:alpha val="90000"/>
-            <a:hueOff val="0"/>
-            <a:satOff val="0"/>
-            <a:lumOff val="0"/>
-            <a:alphaOff val="0"/>
-          </a:schemeClr>
-        </a:solidFill>
-        <a:ln w="9525" cap="flat" cmpd="sng" algn="ctr">
-          <a:solidFill>
-            <a:schemeClr val="accent3">
-              <a:tint val="40000"/>
-              <a:alpha val="90000"/>
-              <a:hueOff val="0"/>
-              <a:satOff val="0"/>
-              <a:lumOff val="0"/>
-              <a:alphaOff val="0"/>
-            </a:schemeClr>
-          </a:solidFill>
-          <a:miter lim="800000"/>
-        </a:ln>
-        <a:effectLst/>
-      </dsp:spPr>
-      <dsp:style>
-        <a:lnRef idx="1">
-          <a:scrgbClr r="0" g="0" b="0"/>
-        </a:lnRef>
-        <a:fillRef idx="1">
-          <a:scrgbClr r="0" g="0" b="0"/>
-        </a:fillRef>
-        <a:effectRef idx="0">
-          <a:scrgbClr r="0" g="0" b="0"/>
-        </a:effectRef>
-        <a:fontRef idx="minor"/>
-      </dsp:style>
-      <dsp:txBody>
-        <a:bodyPr spcFirstLastPara="0" vert="horz" wrap="square" lIns="45720" tIns="45720" rIns="45720" bIns="45720" numCol="1" spcCol="1270" rtlCol="0" anchor="ctr" anchorCtr="0">
-          <a:noAutofit/>
-        </a:bodyPr>
-        <a:lstStyle/>
-        <a:p>
-          <a:pPr lvl="0" algn="ctr" defTabSz="1600200" rtl="0">
-            <a:lnSpc>
-              <a:spcPct val="90000"/>
-            </a:lnSpc>
-            <a:spcBef>
-              <a:spcPct val="0"/>
-            </a:spcBef>
-            <a:spcAft>
-              <a:spcPct val="35000"/>
-            </a:spcAft>
-          </a:pPr>
-          <a:endParaRPr lang="en-US" sz="3600" kern="1200"/>
-        </a:p>
-      </dsp:txBody>
-      <dsp:txXfrm>
-        <a:off x="4022661" y="2569974"/>
-        <a:ext cx="478939" cy="655276"/>
-      </dsp:txXfrm>
-    </dsp:sp>
-  </dsp:spTree>
-</dsp:drawing>
-</file>
-
-<file path=ppt/diagrams/layout1.xml><?xml version="1.0" encoding="utf-8"?>
-<dgm:layoutDef xmlns:dgm="http://schemas.openxmlformats.org/drawingml/2006/diagram" xmlns:a="http://schemas.openxmlformats.org/drawingml/2006/main" uniqueId="urn:microsoft.com/office/officeart/2005/8/layout/vProcess5">
-  <dgm:title val=""/>
-  <dgm:desc val=""/>
-  <dgm:catLst>
-    <dgm:cat type="process" pri="14000"/>
-  </dgm:catLst>
-  <dgm:sampData>
-    <dgm:dataModel>
-      <dgm:ptLst>
-        <dgm:pt modelId="0" type="doc"/>
-        <dgm:pt modelId="1">
-          <dgm:prSet phldr="1"/>
-        </dgm:pt>
-        <dgm:pt modelId="2">
-          <dgm:prSet phldr="1"/>
-        </dgm:pt>
-        <dgm:pt modelId="3">
-          <dgm:prSet phldr="1"/>
-        </dgm:pt>
-      </dgm:ptLst>
-      <dgm:cxnLst>
-        <dgm:cxn modelId="5" srcId="0" destId="1" srcOrd="0" destOrd="0"/>
-        <dgm:cxn modelId="6" srcId="0" destId="2" srcOrd="1" destOrd="0"/>
-        <dgm:cxn modelId="7" srcId="0" destId="3" srcOrd="2" destOrd="0"/>
-      </dgm:cxnLst>
-      <dgm:bg/>
-      <dgm:whole/>
-    </dgm:dataModel>
-  </dgm:sampData>
-  <dgm:styleData>
-    <dgm:dataModel>
-      <dgm:ptLst>
-        <dgm:pt modelId="0" type="doc"/>
-        <dgm:pt modelId="1"/>
-        <dgm:pt modelId="2"/>
-      </dgm:ptLst>
-      <dgm:cxnLst>
-        <dgm:cxn modelId="3" srcId="0" destId="1" srcOrd="0" destOrd="0"/>
-        <dgm:cxn modelId="4" srcId="0" destId="2" srcOrd="1" destOrd="0"/>
-      </dgm:cxnLst>
-      <dgm:bg/>
-      <dgm:whole/>
-    </dgm:dataModel>
-  </dgm:styleData>
-  <dgm:clrData>
-    <dgm:dataModel>
-      <dgm:ptLst>
-        <dgm:pt modelId="0" type="doc"/>
-        <dgm:pt modelId="1"/>
-        <dgm:pt modelId="2"/>
-        <dgm:pt modelId="3"/>
-        <dgm:pt modelId="4"/>
-      </dgm:ptLst>
-      <dgm:cxnLst>
-        <dgm:cxn modelId="6" srcId="0" destId="1" srcOrd="0" destOrd="0"/>
-        <dgm:cxn modelId="7" srcId="0" destId="2" srcOrd="1" destOrd="0"/>
-        <dgm:cxn modelId="8" srcId="0" destId="3" srcOrd="2" destOrd="0"/>
-        <dgm:cxn modelId="9" srcId="0" destId="4" srcOrd="3" destOrd="0"/>
-      </dgm:cxnLst>
-      <dgm:bg/>
-      <dgm:whole/>
-    </dgm:dataModel>
-  </dgm:clrData>
-  <dgm:layoutNode name="outerComposite">
-    <dgm:varLst>
-      <dgm:chMax val="5"/>
-      <dgm:dir/>
-      <dgm:resizeHandles val="exact"/>
-    </dgm:varLst>
-    <dgm:alg type="composite"/>
-    <dgm:shape xmlns:r="http://schemas.openxmlformats.org/officeDocument/2006/relationships" r:blip="">
-      <dgm:adjLst/>
-    </dgm:shape>
-    <dgm:presOf/>
-    <dgm:choose name="Name0">
-      <dgm:if name="Name1" func="var" arg="dir" op="equ" val="norm">
-        <dgm:constrLst>
-          <dgm:constr type="primFontSz" for="ch" ptType="node" op="equ" val="65"/>
-          <dgm:constr type="w" for="ch" forName="dummyMaxCanvas" refType="w"/>
-          <dgm:constr type="h" for="ch" forName="dummyMaxCanvas" refType="h"/>
-          <dgm:constr type="w" for="ch" forName="OneNode_1" refType="w"/>
-          <dgm:constr type="h" for="ch" forName="OneNode_1" refType="h" fact="0.5"/>
-          <dgm:constr type="ctrY" for="ch" forName="OneNode_1" refType="h" fact="0.5"/>
-          <dgm:constr type="w" for="ch" forName="TwoNodes_1" refType="w" fact="0.85"/>
-          <dgm:constr type="h" for="ch" forName="TwoNodes_1" refType="h" fact="0.45"/>
-          <dgm:constr type="t" for="ch" forName="TwoNodes_1"/>
-          <dgm:constr type="l" for="ch" forName="TwoNodes_1"/>
-          <dgm:constr type="w" for="ch" forName="TwoNodes_2" refType="w" fact="0.85"/>
-          <dgm:constr type="h" for="ch" forName="TwoNodes_2" refType="h" fact="0.45"/>
-          <dgm:constr type="b" for="ch" forName="TwoNodes_2" refType="h"/>
-          <dgm:constr type="r" for="ch" forName="TwoNodes_2" refType="w"/>
-          <dgm:constr type="w" for="ch" forName="TwoConn_1-2" refType="h" refFor="ch" refForName="TwoNodes_1" fact="0.65"/>
-          <dgm:constr type="h" for="ch" forName="TwoConn_1-2" refType="h" refFor="ch" refForName="TwoNodes_1" fact="0.65"/>
-          <dgm:constr type="ctrY" for="ch" forName="TwoConn_1-2" refType="h" fact="0.5"/>
-          <dgm:constr type="r" for="ch" forName="TwoConn_1-2" refType="r" refFor="ch" refForName="TwoNodes_1"/>
-          <dgm:constr type="r" for="ch" forName="TwoNodes_1_text" refType="l" refFor="ch" refForName="TwoConn_1-2"/>
-          <dgm:constr type="rOff" for="ch" forName="TwoNodes_1_text" refType="w" refFor="ch" refForName="TwoConn_1-2" fact="-0.5"/>
-          <dgm:constr type="t" for="ch" forName="TwoNodes_1_text" refType="t" refFor="ch" refForName="TwoNodes_1"/>
-          <dgm:constr type="b" for="ch" forName="TwoNodes_1_text" refType="b" refFor="ch" refForName="TwoNodes_1"/>
-          <dgm:constr type="l" for="ch" forName="TwoNodes_1_text" refType="l" refFor="ch" refForName="TwoNodes_1"/>
-          <dgm:constr type="r" for="ch" forName="TwoNodes_2_text" refType="l" refFor="ch" refForName="TwoConn_1-2"/>
-          <dgm:constr type="t" for="ch" forName="TwoNodes_2_text" refType="t" refFor="ch" refForName="TwoNodes_2"/>
-          <dgm:constr type="b" for="ch" forName="TwoNodes_2_text" refType="b" refFor="ch" refForName="TwoNodes_2"/>
-          <dgm:constr type="l" for="ch" forName="TwoNodes_2_text" refType="l" refFor="ch" refForName="TwoNodes_2"/>
-          <dgm:constr type="w" for="ch" forName="ThreeNodes_1" refType="w" fact="0.85"/>
-          <dgm:constr type="h" for="ch" forName="ThreeNodes_1" refType="h" fact="0.3"/>
-          <dgm:constr type="t" for="ch" forName="ThreeNodes_1"/>
-          <dgm:constr type="l" for="ch" forName="ThreeNodes_1"/>
-          <dgm:constr type="w" for="ch" forName="ThreeNodes_2" refType="w" fact="0.85"/>
-          <dgm:constr type="h" for="ch" forName="ThreeNodes_2" refType="h" fact="0.3"/>
-          <dgm:constr type="ctrY" for="ch" forName="ThreeNodes_2" refType="h" fact="0.5"/>
-          <dgm:constr type="ctrX" for="ch" forName="ThreeNodes_2" refType="w" fact="0.5"/>
-          <dgm:constr type="w" for="ch" forName="ThreeNodes_3" refType="w" fact="0.85"/>
-          <dgm:constr type="h" for="ch" forName="ThreeNodes_3" refType="h" fact="0.3"/>
-          <dgm:constr type="b" for="ch" forName="ThreeNodes_3" refType="h"/>
-          <dgm:constr type="r" for="ch" forName="ThreeNodes_3" refType="w"/>
-          <dgm:constr type="w" for="ch" forName="ThreeConn_1-2" refType="h" refFor="ch" refForName="ThreeNodes_1" fact="0.65"/>
-          <dgm:constr type="h" for="ch" forName="ThreeConn_1-2" refType="h" refFor="ch" refForName="ThreeNodes_1" fact="0.65"/>
-          <dgm:constr type="ctrY" for="ch" forName="ThreeConn_1-2" refType="h" fact="0.325"/>
-          <dgm:constr type="r" for="ch" forName="ThreeConn_1-2" refType="r" refFor="ch" refForName="ThreeNodes_1"/>
-          <dgm:constr type="w" for="ch" forName="ThreeConn_2-3" refType="h" refFor="ch" refForName="ThreeNodes_2" fact="0.65"/>
-          <dgm:constr type="h" for="ch" forName="ThreeConn_2-3" refType="h" refFor="ch" refForName="ThreeNodes_2" fact="0.65"/>
-          <dgm:constr type="ctrY" for="ch" forName="ThreeConn_2-3" refType="h" fact="0.673"/>
-          <dgm:constr type="r" for="ch" forName="ThreeConn_2-3" refType="r" refFor="ch" refForName="ThreeNodes_2"/>
-          <dgm:constr type="r" for="ch" forName="ThreeNodes_1_text" refType="l" refFor="ch" refForName="ThreeConn_1-2"/>
-          <dgm:constr type="rOff" for="ch" forName="ThreeNodes_1_text" refType="w" refFor="ch" refForName="ThreeConn_1-2" fact="-0.57"/>
-          <dgm:constr type="t" for="ch" forName="ThreeNodes_1_text" refType="t" refFor="ch" refForName="ThreeNodes_1"/>
-          <dgm:constr type="b" for="ch" forName="ThreeNodes_1_text" refType="b" refFor="ch" refForName="ThreeNodes_1"/>
-          <dgm:constr type="l" for="ch" forName="ThreeNodes_1_text" refType="l" refFor="ch" refForName="ThreeNodes_1"/>
-          <dgm:constr type="r" for="ch" forName="ThreeNodes_2_text" refType="l" refFor="ch" refForName="ThreeConn_1-2"/>
-          <dgm:constr type="t" for="ch" forName="ThreeNodes_2_text" refType="t" refFor="ch" refForName="ThreeNodes_2"/>
-          <dgm:constr type="b" for="ch" forName="ThreeNodes_2_text" refType="b" refFor="ch" refForName="ThreeNodes_2"/>
-          <dgm:constr type="l" for="ch" forName="ThreeNodes_2_text" refType="l" refFor="ch" refForName="ThreeNodes_2"/>
-          <dgm:constr type="r" for="ch" forName="ThreeNodes_3_text" refType="l" refFor="ch" refForName="ThreeConn_2-3"/>
-          <dgm:constr type="t" for="ch" forName="ThreeNodes_3_text" refType="t" refFor="ch" refForName="ThreeNodes_3"/>
-          <dgm:constr type="b" for="ch" forName="ThreeNodes_3_text" refType="b" refFor="ch" refForName="ThreeNodes_3"/>
-          <dgm:constr type="l" for="ch" forName="ThreeNodes_3_text" refType="l" refFor="ch" refForName="ThreeNodes_3"/>
-          <dgm:constr type="w" for="ch" forName="FourNodes_1" refType="w" fact="0.8"/>
-          <dgm:constr type="h" for="ch" forName="FourNodes_1" refType="h" fact="0.22"/>
-          <dgm:constr type="t" for="ch" forName="FourNodes_1"/>
-          <dgm:constr type="l" for="ch" forName="FourNodes_1"/>
-          <dgm:constr type="w" for="ch" forName="FourNodes_2" refType="w" fact="0.8"/>
-          <dgm:constr type="h" for="ch" forName="FourNodes_2" refType="h" fact="0.22"/>
-          <dgm:constr type="ctrY" for="ch" forName="FourNodes_2" refType="h" fact="0.37"/>
-          <dgm:constr type="ctrX" for="ch" forName="FourNodes_2" refType="w" fact="0.467"/>
-          <dgm:constr type="w" for="ch" forName="FourNodes_3" refType="w" fact="0.8"/>
-          <dgm:constr type="h" for="ch" forName="FourNodes_3" refType="h" fact="0.22"/>
-          <dgm:constr type="ctrY" for="ch" forName="FourNodes_3" refType="h" fact="0.63"/>
-          <dgm:constr type="ctrX" for="ch" forName="FourNodes_3" refType="w" fact="0.533"/>
-          <dgm:constr type="w" for="ch" forName="FourNodes_4" refType="w" fact="0.8"/>
-          <dgm:constr type="h" for="ch" forName="FourNodes_4" refType="h" fact="0.22"/>
-          <dgm:constr type="b" for="ch" forName="FourNodes_4" refType="h"/>
-          <dgm:constr type="r" for="ch" forName="FourNodes_4" refType="w"/>
-          <dgm:constr type="w" for="ch" forName="FourConn_1-2" refType="h" refFor="ch" refForName="FourNodes_1" fact="0.65"/>
-          <dgm:constr type="h" for="ch" forName="FourConn_1-2" refType="h" refFor="ch" refForName="FourNodes_1" fact="0.65"/>
-          <dgm:constr type="ctrY" for="ch" forName="FourConn_1-2" refType="h" fact="0.24"/>
-          <dgm:constr type="r" for="ch" forName="FourConn_1-2" refType="r" refFor="ch" refForName="FourNodes_1"/>
-          <dgm:constr type="w" for="ch" forName="FourConn_2-3" refType="h" refFor="ch" refForName="FourNodes_2" fact="0.65"/>
-          <dgm:constr type="h" for="ch" forName="FourConn_2-3" refType="h" refFor="ch" refForName="FourNodes_2" fact="0.65"/>
-          <dgm:constr type="ctrY" for="ch" forName="FourConn_2-3" refType="h" fact="0.5"/>
-          <dgm:constr type="r" for="ch" forName="FourConn_2-3" refType="r" refFor="ch" refForName="FourNodes_2"/>
-          <dgm:constr type="w" for="ch" forName="FourConn_3-4" refType="h" refFor="ch" refForName="FourNodes_3" fact="0.65"/>
-          <dgm:constr type="h" for="ch" forName="FourConn_3-4" refType="h" refFor="ch" refForName="FourNodes_3" fact="0.65"/>
-          <dgm:constr type="ctrY" for="ch" forName="FourConn_3-4" refType="h" fact="0.76"/>
-          <dgm:constr type="r" for="ch" forName="FourConn_3-4" refType="r" refFor="ch" refForName="FourNodes_3"/>
-          <dgm:constr type="r" for="ch" forName="FourNodes_1_text" refType="l" refFor="ch" refForName="FourConn_1-2"/>
-          <dgm:constr type="rOff" for="ch" forName="FourNodes_1_text" refType="w" refFor="ch" refForName="FourConn_1-2" fact="-0.7"/>
-          <dgm:constr type="t" for="ch" forName="FourNodes_1_text" refType="t" refFor="ch" refForName="FourNodes_1"/>
-          <dgm:constr type="b" for="ch" forName="FourNodes_1_text" refType="b" refFor="ch" refForName="FourNodes_1"/>
-          <dgm:constr type="l" for="ch" forName="FourNodes_1_text" refType="l" refFor="ch" refForName="FourNodes_1"/>
-          <dgm:constr type="r" for="ch" forName="FourNodes_2_text" refType="l" refFor="ch" refForName="FourConn_1-2"/>
-          <dgm:constr type="t" for="ch" forName="FourNodes_2_text" refType="t" refFor="ch" refForName="FourNodes_2"/>
-          <dgm:constr type="b" for="ch" forName="FourNodes_2_text" refType="b" refFor="ch" refForName="FourNodes_2"/>
-          <dgm:constr type="l" for="ch" forName="FourNodes_2_text" refType="l" refFor="ch" refForName="FourNodes_2"/>
-          <dgm:constr type="r" for="ch" forName="FourNodes_3_text" refType="l" refFor="ch" refForName="FourConn_2-3"/>
-          <dgm:constr type="t" for="ch" forName="FourNodes_3_text" refType="t" refFor="ch" refForName="FourNodes_3"/>
-          <dgm:constr type="b" for="ch" forName="FourNodes_3_text" refType="b" refFor="ch" refForName="FourNodes_3"/>
-          <dgm:constr type="l" for="ch" forName="FourNodes_3_text" refType="l" refFor="ch" refForName="FourNodes_3"/>
-          <dgm:constr type="r" for="ch" forName="FourNodes_4_text" refType="l" refFor="ch" refForName="FourConn_3-4"/>
-          <dgm:constr type="t" for="ch" forName="FourNodes_4_text" refType="t" refFor="ch" refForName="FourNodes_4"/>
-          <dgm:constr type="b" for="ch" forName="FourNodes_4_text" refType="b" refFor="ch" refForName="FourNodes_4"/>
-          <dgm:constr type="l" for="ch" forName="FourNodes_4_text" refType="l" refFor="ch" refForName="FourNodes_4"/>
-          <dgm:constr type="w" for="ch" forName="FiveNodes_1" refType="w" fact="0.77"/>
-          <dgm:constr type="h" for="ch" forName="FiveNodes_1" refType="h" fact="0.18"/>
-          <dgm:constr type="t" for="ch" forName="FiveNodes_1"/>
-          <dgm:constr type="l" for="ch" forName="FiveNodes_1"/>
-          <dgm:constr type="w" for="ch" forName="FiveNodes_2" refType="w" fact="0.77"/>
-          <dgm:constr type="h" for="ch" forName="FiveNodes_2" refType="h" fact="0.18"/>
-          <dgm:constr type="ctrY" for="ch" forName="FiveNodes_2" refType="h" fact="0.295"/>
-          <dgm:constr type="ctrX" for="ch" forName="FiveNodes_2" refType="w" fact="0.4425"/>
-          <dgm:constr type="w" for="ch" forName="FiveNodes_3" refType="w" fact="0.77"/>
-          <dgm:constr type="h" for="ch" forName="FiveNodes_3" refType="h" fact="0.18"/>
-          <dgm:constr type="ctrY" for="ch" forName="FiveNodes_3" refType="h" fact="0.5"/>
-          <dgm:constr type="ctrX" for="ch" forName="FiveNodes_3" refType="w" fact="0.5"/>
-          <dgm:constr type="w" for="ch" forName="FiveNodes_4" refType="w" fact="0.77"/>
-          <dgm:constr type="h" for="ch" forName="FiveNodes_4" refType="h" fact="0.18"/>
-          <dgm:constr type="ctrY" for="ch" forName="FiveNodes_4" refType="h" fact="0.705"/>
-          <dgm:constr type="ctrX" for="ch" forName="FiveNodes_4" refType="w" fact="0.5575"/>
-          <dgm:constr type="w" for="ch" forName="FiveNodes_5" refType="w" fact="0.77"/>
-          <dgm:constr type="h" for="ch" forName="FiveNodes_5" refType="h" fact="0.18"/>
-          <dgm:constr type="b" for="ch" forName="FiveNodes_5" refType="h"/>
-          <dgm:constr type="r" for="ch" forName="FiveNodes_5" refType="w"/>
-          <dgm:constr type="w" for="ch" forName="FiveConn_1-2" refType="h" refFor="ch" refForName="FiveNodes_1" fact="0.65"/>
-          <dgm:constr type="h" for="ch" forName="FiveConn_1-2" refType="h" refFor="ch" refForName="FiveNodes_1" fact="0.65"/>
-          <dgm:constr type="ctrY" for="ch" forName="FiveConn_1-2" refType="h" fact="0.19"/>
-          <dgm:constr type="r" for="ch" forName="FiveConn_1-2" refType="r" refFor="ch" refForName="FiveNodes_1"/>
-          <dgm:constr type="w" for="ch" forName="FiveConn_2-3" refType="h" refFor="ch" refForName="FiveNodes_2" fact="0.65"/>
-          <dgm:constr type="h" for="ch" forName="FiveConn_2-3" refType="h" refFor="ch" refForName="FiveNodes_2" fact="0.65"/>
-          <dgm:constr type="ctrY" for="ch" forName="FiveConn_2-3" refType="h" fact="0.395"/>
-          <dgm:constr type="r" for="ch" forName="FiveConn_2-3" refType="r" refFor="ch" refForName="FiveNodes_2"/>
-          <dgm:constr type="w" for="ch" forName="FiveConn_3-4" refType="h" refFor="ch" refForName="FiveNodes_3" fact="0.65"/>
-          <dgm:constr type="h" for="ch" forName="FiveConn_3-4" refType="h" refFor="ch" refForName="FiveNodes_3" fact="0.65"/>
-          <dgm:constr type="ctrY" for="ch" forName="FiveConn_3-4" refType="h" fact="0.597"/>
-          <dgm:constr type="r" for="ch" forName="FiveConn_3-4" refType="r" refFor="ch" refForName="FiveNodes_3"/>
-          <dgm:constr type="w" for="ch" forName="FiveConn_4-5" refType="h" refFor="ch" refForName="FiveNodes_4" fact="0.65"/>
-          <dgm:constr type="h" for="ch" forName="FiveConn_4-5" refType="h" refFor="ch" refForName="FiveNodes_4" fact="0.65"/>
-          <dgm:constr type="ctrY" for="ch" forName="FiveConn_4-5" refType="h" fact="0.804"/>
-          <dgm:constr type="r" for="ch" forName="FiveConn_4-5" refType="r" refFor="ch" refForName="FiveNodes_4"/>
-          <dgm:constr type="r" for="ch" forName="FiveNodes_1_text" refType="l" refFor="ch" refForName="FiveConn_1-2"/>
-          <dgm:constr type="rOff" for="ch" forName="FiveNodes_1_text" refType="w" refFor="ch" refForName="FiveConn_1-2" fact="-0.75"/>
-          <dgm:constr type="t" for="ch" forName="FiveNodes_1_text" refType="t" refFor="ch" refForName="FiveNodes_1"/>
-          <dgm:constr type="b" for="ch" forName="FiveNodes_1_text" refType="b" refFor="ch" refForName="FiveNodes_1"/>
-          <dgm:constr type="l" for="ch" forName="FiveNodes_1_text" refType="l" refFor="ch" refForName="FiveNodes_1"/>
-          <dgm:constr type="r" for="ch" forName="FiveNodes_2_text" refType="l" refFor="ch" refForName="FiveConn_1-2"/>
-          <dgm:constr type="t" for="ch" forName="FiveNodes_2_text" refType="t" refFor="ch" refForName="FiveNodes_2"/>
-          <dgm:constr type="b" for="ch" forName="FiveNodes_2_text" refType="b" refFor="ch" refForName="FiveNodes_2"/>
-          <dgm:constr type="l" for="ch" forName="FiveNodes_2_text" refType="l" refFor="ch" refForName="FiveNodes_2"/>
-          <dgm:constr type="r" for="ch" forName="FiveNodes_3_text" refType="l" refFor="ch" refForName="FiveConn_2-3"/>
-          <dgm:constr type="t" for="ch" forName="FiveNodes_3_text" refType="t" refFor="ch" refForName="FiveNodes_3"/>
-          <dgm:constr type="b" for="ch" forName="FiveNodes_3_text" refType="b" refFor="ch" refForName="FiveNodes_3"/>
-          <dgm:constr type="l" for="ch" forName="FiveNodes_3_text" refType="l" refFor="ch" refForName="FiveNodes_3"/>
-          <dgm:constr type="r" for="ch" forName="FiveNodes_4_text" refType="l" refFor="ch" refForName="FiveConn_3-4"/>
-          <dgm:constr type="t" for="ch" forName="FiveNodes_4_text" refType="t" refFor="ch" refForName="FiveNodes_4"/>
-          <dgm:constr type="b" for="ch" forName="FiveNodes_4_text" refType="b" refFor="ch" refForName="FiveNodes_4"/>
-          <dgm:constr type="l" for="ch" forName="FiveNodes_4_text" refType="l" refFor="ch" refForName="FiveNodes_4"/>
-          <dgm:constr type="r" for="ch" forName="FiveNodes_5_text" refType="l" refFor="ch" refForName="FiveConn_4-5"/>
-          <dgm:constr type="t" for="ch" forName="FiveNodes_5_text" refType="t" refFor="ch" refForName="FiveNodes_5"/>
-          <dgm:constr type="b" for="ch" forName="FiveNodes_5_text" refType="b" refFor="ch" refForName="FiveNodes_5"/>
-          <dgm:constr type="l" for="ch" forName="FiveNodes_5_text" refType="l" refFor="ch" refForName="FiveNodes_5"/>
-        </dgm:constrLst>
-      </dgm:if>
-      <dgm:else name="Name2">
-        <dgm:constrLst>
-          <dgm:constr type="primFontSz" for="ch" ptType="node" op="equ" val="65"/>
-          <dgm:constr type="w" for="ch" forName="dummyMaxCanvas" refType="w"/>
-          <dgm:constr type="h" for="ch" forName="dummyMaxCanvas" refType="h"/>
-          <dgm:constr type="w" for="ch" forName="OneNode_1" refType="w"/>
-          <dgm:constr type="h" for="ch" forName="OneNode_1" refType="h" fact="0.5"/>
-          <dgm:constr type="ctrY" for="ch" forName="OneNode_1" refType="h" fact="0.5"/>
-          <dgm:constr type="w" for="ch" forName="TwoNodes_1" refType="w" fact="0.85"/>
-          <dgm:constr type="h" for="ch" forName="TwoNodes_1" refType="h" fact="0.45"/>
-          <dgm:constr type="t" for="ch" forName="TwoNodes_1"/>
-          <dgm:constr type="r" for="ch" forName="TwoNodes_1" refType="w"/>
-          <dgm:constr type="w" for="ch" forName="TwoNodes_2" refType="w" fact="0.85"/>
-          <dgm:constr type="h" for="ch" forName="TwoNodes_2" refType="h" fact="0.45"/>
-          <dgm:constr type="b" for="ch" forName="TwoNodes_2" refType="h"/>
-          <dgm:constr type="l" for="ch" forName="TwoNodes_2"/>
-          <dgm:constr type="w" for="ch" forName="TwoConn_1-2" refType="h" refFor="ch" refForName="TwoNodes_1" fact="0.65"/>
-          <dgm:constr type="h" for="ch" forName="TwoConn_1-2" refType="h" refFor="ch" refForName="TwoNodes_1" fact="0.65"/>
-          <dgm:constr type="ctrY" for="ch" forName="TwoConn_1-2" refType="h" fact="0.5"/>
-          <dgm:constr type="l" for="ch" forName="TwoConn_1-2" refType="l" refFor="ch" refForName="TwoNodes_1"/>
-          <dgm:constr type="l" for="ch" forName="TwoNodes_1_text" refType="r" refFor="ch" refForName="TwoConn_1-2"/>
-          <dgm:constr type="lOff" for="ch" forName="TwoNodes_1_text" refType="w" refFor="ch" refForName="TwoConn_1-2" fact="0.5"/>
-          <dgm:constr type="t" for="ch" forName="TwoNodes_1_text" refType="t" refFor="ch" refForName="TwoNodes_1"/>
-          <dgm:constr type="b" for="ch" forName="TwoNodes_1_text" refType="b" refFor="ch" refForName="TwoNodes_1"/>
-          <dgm:constr type="r" for="ch" forName="TwoNodes_1_text" refType="r" refFor="ch" refForName="TwoNodes_1"/>
-          <dgm:constr type="l" for="ch" forName="TwoNodes_2_text" refType="r" refFor="ch" refForName="TwoConn_1-2"/>
-          <dgm:constr type="t" for="ch" forName="TwoNodes_2_text" refType="t" refFor="ch" refForName="TwoNodes_2"/>
-          <dgm:constr type="b" for="ch" forName="TwoNodes_2_text" refType="b" refFor="ch" refForName="TwoNodes_2"/>
-          <dgm:constr type="r" for="ch" forName="TwoNodes_2_text" refType="r" refFor="ch" refForName="TwoNodes_2"/>
-          <dgm:constr type="w" for="ch" forName="ThreeNodes_1" refType="w" fact="0.85"/>
-          <dgm:constr type="h" for="ch" forName="ThreeNodes_1" refType="h" fact="0.3"/>
-          <dgm:constr type="t" for="ch" forName="ThreeNodes_1"/>
-          <dgm:constr type="r" for="ch" forName="ThreeNodes_1" refType="w"/>
-          <dgm:constr type="w" for="ch" forName="ThreeNodes_2" refType="w" fact="0.85"/>
-          <dgm:constr type="h" for="ch" forName="ThreeNodes_2" refType="h" fact="0.3"/>
-          <dgm:constr type="ctrY" for="ch" forName="ThreeNodes_2" refType="h" fact="0.5"/>
-          <dgm:constr type="ctrX" for="ch" forName="ThreeNodes_2" refType="w" fact="0.5"/>
-          <dgm:constr type="w" for="ch" forName="ThreeNodes_3" refType="w" fact="0.85"/>
-          <dgm:constr type="h" for="ch" forName="ThreeNodes_3" refType="h" fact="0.3"/>
-          <dgm:constr type="b" for="ch" forName="ThreeNodes_3" refType="h"/>
-          <dgm:constr type="l" for="ch" forName="ThreeNodes_3"/>
-          <dgm:constr type="w" for="ch" forName="ThreeConn_1-2" refType="h" refFor="ch" refForName="ThreeNodes_1" fact="0.65"/>
-          <dgm:constr type="h" for="ch" forName="ThreeConn_1-2" refType="h" refFor="ch" refForName="ThreeNodes_1" fact="0.65"/>
-          <dgm:constr type="ctrY" for="ch" forName="ThreeConn_1-2" refType="h" fact="0.325"/>
-          <dgm:constr type="l" for="ch" forName="ThreeConn_1-2" refType="l" refFor="ch" refForName="ThreeNodes_1"/>
-          <dgm:constr type="w" for="ch" forName="ThreeConn_2-3" refType="h" refFor="ch" refForName="ThreeNodes_2" fact="0.65"/>
-          <dgm:constr type="h" for="ch" forName="ThreeConn_2-3" refType="h" refFor="ch" refForName="ThreeNodes_2" fact="0.65"/>
-          <dgm:constr type="ctrY" for="ch" forName="ThreeConn_2-3" refType="h" fact="0.673"/>
-          <dgm:constr type="l" for="ch" forName="ThreeConn_2-3" refType="l" refFor="ch" refForName="ThreeNodes_2"/>
-          <dgm:constr type="l" for="ch" forName="ThreeNodes_1_text" refType="r" refFor="ch" refForName="ThreeConn_1-2"/>
-          <dgm:constr type="lOff" for="ch" forName="ThreeNodes_1_text" refType="w" refFor="ch" refForName="ThreeConn_1-2" fact="0.55"/>
-          <dgm:constr type="t" for="ch" forName="ThreeNodes_1_text" refType="t" refFor="ch" refForName="ThreeNodes_1"/>
-          <dgm:constr type="b" for="ch" forName="ThreeNodes_1_text" refType="b" refFor="ch" refForName="ThreeNodes_1"/>
-          <dgm:constr type="r" for="ch" forName="ThreeNodes_1_text" refType="r" refFor="ch" refForName="ThreeNodes_1"/>
-          <dgm:constr type="l" for="ch" forName="ThreeNodes_2_text" refType="r" refFor="ch" refForName="ThreeConn_1-2"/>
-          <dgm:constr type="t" for="ch" forName="ThreeNodes_2_text" refType="t" refFor="ch" refForName="ThreeNodes_2"/>
-          <dgm:constr type="b" for="ch" forName="ThreeNodes_2_text" refType="b" refFor="ch" refForName="ThreeNodes_2"/>
-          <dgm:constr type="r" for="ch" forName="ThreeNodes_2_text" refType="r" refFor="ch" refForName="ThreeNodes_2"/>
-          <dgm:constr type="l" for="ch" forName="ThreeNodes_3_text" refType="r" refFor="ch" refForName="ThreeConn_2-3"/>
-          <dgm:constr type="t" for="ch" forName="ThreeNodes_3_text" refType="t" refFor="ch" refForName="ThreeNodes_3"/>
-          <dgm:constr type="b" for="ch" forName="ThreeNodes_3_text" refType="b" refFor="ch" refForName="ThreeNodes_3"/>
-          <dgm:constr type="r" for="ch" forName="ThreeNodes_3_text" refType="r" refFor="ch" refForName="ThreeNodes_3"/>
-          <dgm:constr type="w" for="ch" forName="FourNodes_1" refType="w" fact="0.8"/>
-          <dgm:constr type="h" for="ch" forName="FourNodes_1" refType="h" fact="0.22"/>
-          <dgm:constr type="t" for="ch" forName="FourNodes_1"/>
-          <dgm:constr type="r" for="ch" forName="FourNodes_1" refType="w"/>
-          <dgm:constr type="w" for="ch" forName="FourNodes_2" refType="w" fact="0.8"/>
-          <dgm:constr type="h" for="ch" forName="FourNodes_2" refType="h" fact="0.22"/>
-          <dgm:constr type="ctrY" for="ch" forName="FourNodes_2" refType="h" fact="0.37"/>
-          <dgm:constr type="ctrX" for="ch" forName="FourNodes_2" refType="w" fact="0.533"/>
-          <dgm:constr type="w" for="ch" forName="FourNodes_3" refType="w" fact="0.8"/>
-          <dgm:constr type="h" for="ch" forName="FourNodes_3" refType="h" fact="0.22"/>
-          <dgm:constr type="ctrY" for="ch" forName="FourNodes_3" refType="h" fact="0.63"/>
-          <dgm:constr type="ctrX" for="ch" forName="FourNodes_3" refType="w" fact="0.467"/>
-          <dgm:constr type="w" for="ch" forName="FourNodes_4" refType="w" fact="0.8"/>
-          <dgm:constr type="h" for="ch" forName="FourNodes_4" refType="h" fact="0.22"/>
-          <dgm:constr type="b" for="ch" forName="FourNodes_4" refType="h"/>
-          <dgm:constr type="l" for="ch" forName="FourNodes_4"/>
-          <dgm:constr type="w" for="ch" forName="FourConn_1-2" refType="h" refFor="ch" refForName="FourNodes_1" fact="0.65"/>
-          <dgm:constr type="h" for="ch" forName="FourConn_1-2" refType="h" refFor="ch" refForName="FourNodes_1" fact="0.65"/>
-          <dgm:constr type="ctrY" for="ch" forName="FourConn_1-2" refType="h" fact="0.24"/>
-          <dgm:constr type="l" for="ch" forName="FourConn_1-2" refType="l" refFor="ch" refForName="FourNodes_1"/>
-          <dgm:constr type="w" for="ch" forName="FourConn_2-3" refType="h" refFor="ch" refForName="FourNodes_2" fact="0.65"/>
-          <dgm:constr type="h" for="ch" forName="FourConn_2-3" refType="h" refFor="ch" refForName="FourNodes_2" fact="0.65"/>
-          <dgm:constr type="ctrY" for="ch" forName="FourConn_2-3" refType="h" fact="0.5"/>
-          <dgm:constr type="l" for="ch" forName="FourConn_2-3" refType="l" refFor="ch" refForName="FourNodes_2"/>
-          <dgm:constr type="w" for="ch" forName="FourConn_3-4" refType="h" refFor="ch" refForName="FourNodes_3" fact="0.65"/>
-          <dgm:constr type="h" for="ch" forName="FourConn_3-4" refType="h" refFor="ch" refForName="FourNodes_3" fact="0.65"/>
-          <dgm:constr type="ctrY" for="ch" forName="FourConn_3-4" refType="h" fact="0.76"/>
-          <dgm:constr type="l" for="ch" forName="FourConn_3-4" refType="l" refFor="ch" refForName="FourNodes_3"/>
-          <dgm:constr type="l" for="ch" forName="FourNodes_1_text" refType="r" refFor="ch" refForName="FourConn_1-2"/>
-          <dgm:constr type="lOff" for="ch" forName="FourNodes_1_text" refType="w" refFor="ch" refForName="FourConn_1-2" fact="0.69"/>
-          <dgm:constr type="t" for="ch" forName="FourNodes_1_text" refType="t" refFor="ch" refForName="FourNodes_1"/>
-          <dgm:constr type="b" for="ch" forName="FourNodes_1_text" refType="b" refFor="ch" refForName="FourNodes_1"/>
-          <dgm:constr type="r" for="ch" forName="FourNodes_1_text" refType="r" refFor="ch" refForName="FourNodes_1"/>
-          <dgm:constr type="l" for="ch" forName="FourNodes_2_text" refType="r" refFor="ch" refForName="FourConn_1-2"/>
-          <dgm:constr type="t" for="ch" forName="FourNodes_2_text" refType="t" refFor="ch" refForName="FourNodes_2"/>
-          <dgm:constr type="b" for="ch" forName="FourNodes_2_text" refType="b" refFor="ch" refForName="FourNodes_2"/>
-          <dgm:constr type="r" for="ch" forName="FourNodes_2_text" refType="r" refFor="ch" refForName="FourNodes_2"/>
-          <dgm:constr type="l" for="ch" forName="FourNodes_3_text" refType="r" refFor="ch" refForName="FourConn_2-3"/>
-          <dgm:constr type="t" for="ch" forName="FourNodes_3_text" refType="t" refFor="ch" refForName="FourNodes_3"/>
-          <dgm:constr type="b" for="ch" forName="FourNodes_3_text" refType="b" refFor="ch" refForName="FourNodes_3"/>
-          <dgm:constr type="r" for="ch" forName="FourNodes_3_text" refType="r" refFor="ch" refForName="FourNodes_3"/>
-          <dgm:constr type="l" for="ch" forName="FourNodes_4_text" refType="r" refFor="ch" refForName="FourConn_3-4"/>
-          <dgm:constr type="t" for="ch" forName="FourNodes_4_text" refType="t" refFor="ch" refForName="FourNodes_4"/>
-          <dgm:constr type="b" for="ch" forName="FourNodes_4_text" refType="b" refFor="ch" refForName="FourNodes_4"/>
-          <dgm:constr type="r" for="ch" forName="FourNodes_4_text" refType="r" refFor="ch" refForName="FourNodes_4"/>
-          <dgm:constr type="w" for="ch" forName="FiveNodes_1" refType="w" fact="0.77"/>
-          <dgm:constr type="h" for="ch" forName="FiveNodes_1" refType="h" fact="0.18"/>
-          <dgm:constr type="t" for="ch" forName="FiveNodes_1"/>
-          <dgm:constr type="r" for="ch" forName="FiveNodes_1" refType="w"/>
-          <dgm:constr type="w" for="ch" forName="FiveNodes_2" refType="w" fact="0.77"/>
-          <dgm:constr type="h" for="ch" forName="FiveNodes_2" refType="h" fact="0.18"/>
-          <dgm:constr type="ctrY" for="ch" forName="FiveNodes_2" refType="h" fact="0.295"/>
-          <dgm:constr type="ctrX" for="ch" forName="FiveNodes_2" refType="w" fact="0.5575"/>
-          <dgm:constr type="w" for="ch" forName="FiveNodes_3" refType="w" fact="0.77"/>
-          <dgm:constr type="h" for="ch" forName="FiveNodes_3" refType="h" fact="0.18"/>
-          <dgm:constr type="ctrY" for="ch" forName="FiveNodes_3" refType="h" fact="0.5"/>
-          <dgm:constr type="ctrX" for="ch" forName="FiveNodes_3" refType="w" fact="0.5"/>
-          <dgm:constr type="w" for="ch" forName="FiveNodes_4" refType="w" fact="0.77"/>
-          <dgm:constr type="h" for="ch" forName="FiveNodes_4" refType="h" fact="0.18"/>
-          <dgm:constr type="ctrY" for="ch" forName="FiveNodes_4" refType="h" fact="0.705"/>
-          <dgm:constr type="ctrX" for="ch" forName="FiveNodes_4" refType="w" fact="0.4425"/>
-          <dgm:constr type="w" for="ch" forName="FiveNodes_5" refType="w" fact="0.77"/>
-          <dgm:constr type="h" for="ch" forName="FiveNodes_5" refType="h" fact="0.18"/>
-          <dgm:constr type="b" for="ch" forName="FiveNodes_5" refType="h"/>
-          <dgm:constr type="l" for="ch" forName="FiveNodes_5"/>
-          <dgm:constr type="w" for="ch" forName="FiveConn_1-2" refType="h" refFor="ch" refForName="FiveNodes_1" fact="0.65"/>
-          <dgm:constr type="h" for="ch" forName="FiveConn_1-2" refType="h" refFor="ch" refForName="FiveNodes_1" fact="0.65"/>
-          <dgm:constr type="ctrY" for="ch" forName="FiveConn_1-2" refType="h" fact="0.19"/>
-          <dgm:constr type="l" for="ch" forName="FiveConn_1-2" refType="l" refFor="ch" refForName="FiveNodes_1"/>
-          <dgm:constr type="w" for="ch" forName="FiveConn_2-3" refType="h" refFor="ch" refForName="FiveNodes_2" fact="0.65"/>
-          <dgm:constr type="h" for="ch" forName="FiveConn_2-3" refType="h" refFor="ch" refForName="FiveNodes_2" fact="0.65"/>
-          <dgm:constr type="ctrY" for="ch" forName="FiveConn_2-3" refType="h" fact="0.395"/>
-          <dgm:constr type="l" for="ch" forName="FiveConn_2-3" refType="l" refFor="ch" refForName="FiveNodes_2"/>
-          <dgm:constr type="w" for="ch" forName="FiveConn_3-4" refType="h" refFor="ch" refForName="FiveNodes_3" fact="0.65"/>
-          <dgm:constr type="h" for="ch" forName="FiveConn_3-4" refType="h" refFor="ch" refForName="FiveNodes_3" fact="0.65"/>
-          <dgm:constr type="ctrY" for="ch" forName="FiveConn_3-4" refType="h" fact="0.597"/>
-          <dgm:constr type="l" for="ch" forName="FiveConn_3-4" refType="l" refFor="ch" refForName="FiveNodes_3"/>
-          <dgm:constr type="w" for="ch" forName="FiveConn_4-5" refType="h" refFor="ch" refForName="FiveNodes_4" fact="0.65"/>
-          <dgm:constr type="h" for="ch" forName="FiveConn_4-5" refType="h" refFor="ch" refForName="FiveNodes_4" fact="0.65"/>
-          <dgm:constr type="ctrY" for="ch" forName="FiveConn_4-5" refType="h" fact="0.804"/>
-          <dgm:constr type="l" for="ch" forName="FiveConn_4-5" refType="l" refFor="ch" refForName="FiveNodes_4"/>
-          <dgm:constr type="l" for="ch" forName="FiveNodes_1_text" refType="r" refFor="ch" refForName="FiveConn_1-2"/>
-          <dgm:constr type="lOff" for="ch" forName="FiveNodes_1_text" refType="w" refFor="ch" refForName="FiveConn_1-2" fact="0.73"/>
-          <dgm:constr type="t" for="ch" forName="FiveNodes_1_text" refType="t" refFor="ch" refForName="FiveNodes_1"/>
-          <dgm:constr type="b" for="ch" forName="FiveNodes_1_text" refType="b" refFor="ch" refForName="FiveNodes_1"/>
-          <dgm:constr type="r" for="ch" forName="FiveNodes_1_text" refType="r" refFor="ch" refForName="FiveNodes_1"/>
-          <dgm:constr type="l" for="ch" forName="FiveNodes_2_text" refType="r" refFor="ch" refForName="FiveConn_1-2"/>
-          <dgm:constr type="t" for="ch" forName="FiveNodes_2_text" refType="t" refFor="ch" refForName="FiveNodes_2"/>
-          <dgm:constr type="b" for="ch" forName="FiveNodes_2_text" refType="b" refFor="ch" refForName="FiveNodes_2"/>
-          <dgm:constr type="r" for="ch" forName="FiveNodes_2_text" refType="r" refFor="ch" refForName="FiveNodes_2"/>
-          <dgm:constr type="l" for="ch" forName="FiveNodes_3_text" refType="r" refFor="ch" refForName="FiveConn_2-3"/>
-          <dgm:constr type="t" for="ch" forName="FiveNodes_3_text" refType="t" refFor="ch" refForName="FiveNodes_3"/>
-          <dgm:constr type="b" for="ch" forName="FiveNodes_3_text" refType="b" refFor="ch" refForName="FiveNodes_3"/>
-          <dgm:constr type="r" for="ch" forName="FiveNodes_3_text" refType="r" refFor="ch" refForName="FiveNodes_3"/>
-          <dgm:constr type="l" for="ch" forName="FiveNodes_4_text" refType="r" refFor="ch" refForName="FiveConn_3-4"/>
-          <dgm:constr type="t" for="ch" forName="FiveNodes_4_text" refType="t" refFor="ch" refForName="FiveNodes_4"/>
-          <dgm:constr type="b" for="ch" forName="FiveNodes_4_text" refType="b" refFor="ch" refForName="FiveNodes_4"/>
-          <dgm:constr type="r" for="ch" forName="FiveNodes_4_text" refType="r" refFor="ch" refForName="FiveNodes_4"/>
-          <dgm:constr type="l" for="ch" forName="FiveNodes_5_text" refType="r" refFor="ch" refForName="FiveConn_4-5"/>
-          <dgm:constr type="t" for="ch" forName="FiveNodes_5_text" refType="t" refFor="ch" refForName="FiveNodes_5"/>
-          <dgm:constr type="b" for="ch" forName="FiveNodes_5_text" refType="b" refFor="ch" refForName="FiveNodes_5"/>
-          <dgm:constr type="r" for="ch" forName="FiveNodes_5_text" refType="r" refFor="ch" refForName="FiveNodes_5"/>
-        </dgm:constrLst>
-      </dgm:else>
-    </dgm:choose>
-    <dgm:ruleLst/>
-    <dgm:layoutNode name="dummyMaxCanvas">
-      <dgm:varLst/>
-      <dgm:alg type="sp"/>
-      <dgm:shape xmlns:r="http://schemas.openxmlformats.org/officeDocument/2006/relationships" r:blip="">
-        <dgm:adjLst/>
-      </dgm:shape>
-      <dgm:presOf/>
-      <dgm:constrLst/>
-      <dgm:ruleLst/>
-    </dgm:layoutNode>
-    <dgm:choose name="Name3">
-      <dgm:if name="Name4" axis="ch" ptType="node" func="cnt" op="equ" val="1">
-        <dgm:layoutNode name="OneNode_1">
-          <dgm:varLst>
-            <dgm:bulletEnabled val="1"/>
-          </dgm:varLst>
-          <dgm:alg type="tx"/>
-          <dgm:shape xmlns:r="http://schemas.openxmlformats.org/officeDocument/2006/relationships" type="roundRect" r:blip="">
-            <dgm:adjLst>
-              <dgm:adj idx="1" val="0.1"/>
-            </dgm:adjLst>
-          </dgm:shape>
-          <dgm:presOf axis="ch desOrSelf" ptType="node node" st="1 1" cnt="1 0"/>
-          <dgm:constrLst>
-            <dgm:constr type="lMarg" refType="primFontSz" fact="0.3"/>
-            <dgm:constr type="rMarg" refType="primFontSz" fact="0.3"/>
-            <dgm:constr type="tMarg" refType="primFontSz" fact="0.3"/>
-            <dgm:constr type="bMarg" refType="primFontSz" fact="0.3"/>
-          </dgm:constrLst>
-          <dgm:ruleLst>
-            <dgm:rule type="primFontSz" val="5" fact="NaN" max="NaN"/>
-          </dgm:ruleLst>
-        </dgm:layoutNode>
-      </dgm:if>
-      <dgm:else name="Name5">
-        <dgm:choose name="Name6">
-          <dgm:if name="Name7" axis="ch" ptType="node" func="cnt" op="equ" val="2">
-            <dgm:layoutNode name="TwoNodes_1">
-              <dgm:varLst>
-                <dgm:bulletEnabled val="1"/>
-              </dgm:varLst>
-              <dgm:alg type="sp"/>
-              <dgm:shape xmlns:r="http://schemas.openxmlformats.org/officeDocument/2006/relationships" type="roundRect" r:blip="">
-                <dgm:adjLst>
-                  <dgm:adj idx="1" val="0.1"/>
-                </dgm:adjLst>
-              </dgm:shape>
-              <dgm:presOf axis="ch desOrSelf" ptType="node node" st="1 1" cnt="1 0"/>
-              <dgm:constrLst/>
-              <dgm:ruleLst/>
-            </dgm:layoutNode>
-            <dgm:layoutNode name="TwoNodes_2">
-              <dgm:varLst>
-                <dgm:bulletEnabled val="1"/>
-              </dgm:varLst>
-              <dgm:alg type="sp"/>
-              <dgm:shape xmlns:r="http://schemas.openxmlformats.org/officeDocument/2006/relationships" type="roundRect" r:blip="">
-                <dgm:adjLst>
-                  <dgm:adj idx="1" val="0.1"/>
-                </dgm:adjLst>
-              </dgm:shape>
-              <dgm:presOf axis="ch desOrSelf" ptType="node node" st="2 1" cnt="1 0"/>
-              <dgm:constrLst/>
-              <dgm:ruleLst/>
-            </dgm:layoutNode>
-            <dgm:layoutNode name="TwoConn_1-2" styleLbl="fgAccFollowNode1">
-              <dgm:varLst>
-                <dgm:bulletEnabled val="1"/>
-              </dgm:varLst>
-              <dgm:alg type="tx"/>
-              <dgm:shape xmlns:r="http://schemas.openxmlformats.org/officeDocument/2006/relationships" type="downArrow" r:blip="">
-                <dgm:adjLst>
-                  <dgm:adj idx="1" val="0.55"/>
-                  <dgm:adj idx="2" val="0.45"/>
-                </dgm:adjLst>
-              </dgm:shape>
-              <dgm:presOf axis="ch" ptType="sibTrans" cnt="1"/>
-              <dgm:constrLst>
-                <dgm:constr type="lMarg" refType="primFontSz" fact="0.1"/>
-                <dgm:constr type="rMarg" refType="primFontSz" fact="0.1"/>
-                <dgm:constr type="tMarg" refType="primFontSz" fact="0.1"/>
-                <dgm:constr type="bMarg" refType="primFontSz" fact="0.1"/>
-              </dgm:constrLst>
-              <dgm:ruleLst>
-                <dgm:rule type="primFontSz" val="5" fact="NaN" max="NaN"/>
-              </dgm:ruleLst>
-            </dgm:layoutNode>
-            <dgm:layoutNode name="TwoNodes_1_text">
-              <dgm:varLst>
-                <dgm:bulletEnabled val="1"/>
-              </dgm:varLst>
-              <dgm:alg type="tx">
-                <dgm:param type="parTxLTRAlign" val="l"/>
-                <dgm:param type="txAnchorVertCh" val="mid"/>
-              </dgm:alg>
-              <dgm:shape xmlns:r="http://schemas.openxmlformats.org/officeDocument/2006/relationships" type="roundRect" r:blip="" hideGeom="1">
-                <dgm:adjLst>
-                  <dgm:adj idx="1" val="0.1"/>
-                </dgm:adjLst>
-              </dgm:shape>
-              <dgm:presOf axis="ch desOrSelf" ptType="node node" st="1 1" cnt="1 0"/>
-              <dgm:constrLst>
-                <dgm:constr type="lMarg" refType="primFontSz" fact="0.3"/>
-                <dgm:constr type="rMarg" refType="primFontSz" fact="0.3"/>
-                <dgm:constr type="tMarg" refType="primFontSz" fact="0.3"/>
-                <dgm:constr type="bMarg" refType="primFontSz" fact="0.3"/>
-              </dgm:constrLst>
-              <dgm:ruleLst>
-                <dgm:rule type="primFontSz" val="5" fact="NaN" max="NaN"/>
-              </dgm:ruleLst>
-            </dgm:layoutNode>
-            <dgm:layoutNode name="TwoNodes_2_text">
-              <dgm:varLst>
-                <dgm:bulletEnabled val="1"/>
-              </dgm:varLst>
-              <dgm:alg type="tx">
-                <dgm:param type="parTxLTRAlign" val="l"/>
-                <dgm:param type="txAnchorVertCh" val="mid"/>
-              </dgm:alg>
-              <dgm:shape xmlns:r="http://schemas.openxmlformats.org/officeDocument/2006/relationships" type="roundRect" r:blip="" hideGeom="1">
-                <dgm:adjLst>
-                  <dgm:adj idx="1" val="0.1"/>
-                </dgm:adjLst>
-              </dgm:shape>
-              <dgm:presOf axis="ch desOrSelf" ptType="node node" st="2 1" cnt="1 0"/>
-              <dgm:constrLst>
-                <dgm:constr type="lMarg" refType="primFontSz" fact="0.3"/>
-                <dgm:constr type="rMarg" refType="primFontSz" fact="0.3"/>
-                <dgm:constr type="tMarg" refType="primFontSz" fact="0.3"/>
-                <dgm:constr type="bMarg" refType="primFontSz" fact="0.3"/>
-              </dgm:constrLst>
-              <dgm:ruleLst>
-                <dgm:rule type="primFontSz" val="5" fact="NaN" max="NaN"/>
-              </dgm:ruleLst>
-            </dgm:layoutNode>
-          </dgm:if>
-          <dgm:else name="Name8">
-            <dgm:choose name="Name9">
-              <dgm:if name="Name10" axis="ch" ptType="node" func="cnt" op="equ" val="3">
-                <dgm:layoutNode name="ThreeNodes_1">
-                  <dgm:varLst>
-                    <dgm:bulletEnabled val="1"/>
-                  </dgm:varLst>
-                  <dgm:alg type="sp"/>
-                  <dgm:shape xmlns:r="http://schemas.openxmlformats.org/officeDocument/2006/relationships" type="roundRect" r:blip="">
-                    <dgm:adjLst>
-                      <dgm:adj idx="1" val="0.1"/>
-                    </dgm:adjLst>
-                  </dgm:shape>
-                  <dgm:presOf axis="ch desOrSelf" ptType="node node" st="1 1" cnt="1 0"/>
-                  <dgm:constrLst/>
-                  <dgm:ruleLst/>
-                </dgm:layoutNode>
-                <dgm:layoutNode name="ThreeNodes_2">
-                  <dgm:varLst>
-                    <dgm:bulletEnabled val="1"/>
-                  </dgm:varLst>
-                  <dgm:alg type="sp"/>
-                  <dgm:shape xmlns:r="http://schemas.openxmlformats.org/officeDocument/2006/relationships" type="roundRect" r:blip="">
-                    <dgm:adjLst>
-                      <dgm:adj idx="1" val="0.1"/>
-                    </dgm:adjLst>
-                  </dgm:shape>
-                  <dgm:presOf axis="ch desOrSelf" ptType="node node" st="2 1" cnt="1 0"/>
-                  <dgm:constrLst/>
-                  <dgm:ruleLst/>
-                </dgm:layoutNode>
-                <dgm:layoutNode name="ThreeNodes_3">
-                  <dgm:varLst>
-                    <dgm:bulletEnabled val="1"/>
-                  </dgm:varLst>
-                  <dgm:alg type="sp"/>
-                  <dgm:shape xmlns:r="http://schemas.openxmlformats.org/officeDocument/2006/relationships" type="roundRect" r:blip="">
-                    <dgm:adjLst>
-                      <dgm:adj idx="1" val="0.1"/>
-                    </dgm:adjLst>
-                  </dgm:shape>
-                  <dgm:presOf axis="ch desOrSelf" ptType="node node" st="3 1" cnt="1 0"/>
-                  <dgm:constrLst/>
-                  <dgm:ruleLst/>
-                </dgm:layoutNode>
-                <dgm:layoutNode name="ThreeConn_1-2" styleLbl="fgAccFollowNode1">
-                  <dgm:varLst>
-                    <dgm:bulletEnabled val="1"/>
-                  </dgm:varLst>
-                  <dgm:alg type="tx"/>
-                  <dgm:shape xmlns:r="http://schemas.openxmlformats.org/officeDocument/2006/relationships" type="downArrow" r:blip="">
-                    <dgm:adjLst>
-                      <dgm:adj idx="1" val="0.55"/>
-                      <dgm:adj idx="2" val="0.45"/>
-                    </dgm:adjLst>
-                  </dgm:shape>
-                  <dgm:presOf axis="ch" ptType="sibTrans" cnt="1"/>
-                  <dgm:constrLst>
-                    <dgm:constr type="lMarg" refType="primFontSz" fact="0.1"/>
-                    <dgm:constr type="rMarg" refType="primFontSz" fact="0.1"/>
-                    <dgm:constr type="tMarg" refType="primFontSz" fact="0.1"/>
-                    <dgm:constr type="bMarg" refType="primFontSz" fact="0.1"/>
-                  </dgm:constrLst>
-                  <dgm:ruleLst>
-                    <dgm:rule type="primFontSz" val="5" fact="NaN" max="NaN"/>
-                  </dgm:ruleLst>
-                </dgm:layoutNode>
-                <dgm:layoutNode name="ThreeConn_2-3" styleLbl="fgAccFollowNode1">
-                  <dgm:varLst>
-                    <dgm:bulletEnabled val="1"/>
-                  </dgm:varLst>
-                  <dgm:alg type="tx"/>
-                  <dgm:shape xmlns:r="http://schemas.openxmlformats.org/officeDocument/2006/relationships" type="downArrow" r:blip="">
-                    <dgm:adjLst>
-                      <dgm:adj idx="1" val="0.55"/>
-                      <dgm:adj idx="2" val="0.45"/>
-                    </dgm:adjLst>
-                  </dgm:shape>
-                  <dgm:presOf axis="ch" ptType="sibTrans" st="2" cnt="1"/>
-                  <dgm:constrLst>
-                    <dgm:constr type="lMarg" refType="primFontSz" fact="0.1"/>
-                    <dgm:constr type="rMarg" refType="primFontSz" fact="0.1"/>
-                    <dgm:constr type="tMarg" refType="primFontSz" fact="0.1"/>
-                    <dgm:constr type="bMarg" refType="primFontSz" fact="0.1"/>
-                  </dgm:constrLst>
-                  <dgm:ruleLst>
-                    <dgm:rule type="primFontSz" val="5" fact="NaN" max="NaN"/>
-                  </dgm:ruleLst>
-                </dgm:layoutNode>
-                <dgm:layoutNode name="ThreeNodes_1_text">
-                  <dgm:varLst>
-                    <dgm:bulletEnabled val="1"/>
-                  </dgm:varLst>
-                  <dgm:alg type="tx">
-                    <dgm:param type="parTxLTRAlign" val="l"/>
-                    <dgm:param type="txAnchorVertCh" val="mid"/>
-                  </dgm:alg>
-                  <dgm:shape xmlns:r="http://schemas.openxmlformats.org/officeDocument/2006/relationships" type="roundRect" r:blip="" hideGeom="1">
-                    <dgm:adjLst>
-                      <dgm:adj idx="1" val="0.1"/>
-                    </dgm:adjLst>
-                  </dgm:shape>
-                  <dgm:presOf axis="ch desOrSelf" ptType="node node" st="1 1" cnt="1 0"/>
-                  <dgm:constrLst>
-                    <dgm:constr type="lMarg" refType="primFontSz" fact="0.3"/>
-                    <dgm:constr type="rMarg" refType="primFontSz" fact="0.3"/>
-                    <dgm:constr type="tMarg" refType="primFontSz" fact="0.3"/>
-                    <dgm:constr type="bMarg" refType="primFontSz" fact="0.3"/>
-                  </dgm:constrLst>
-                  <dgm:ruleLst>
-                    <dgm:rule type="primFontSz" val="5" fact="NaN" max="NaN"/>
-                  </dgm:ruleLst>
-                </dgm:layoutNode>
-                <dgm:layoutNode name="ThreeNodes_2_text">
-                  <dgm:varLst>
-                    <dgm:bulletEnabled val="1"/>
-                  </dgm:varLst>
-                  <dgm:alg type="tx">
-                    <dgm:param type="parTxLTRAlign" val="l"/>
-                    <dgm:param type="txAnchorVertCh" val="mid"/>
-                  </dgm:alg>
-                  <dgm:shape xmlns:r="http://schemas.openxmlformats.org/officeDocument/2006/relationships" type="roundRect" r:blip="" hideGeom="1">
-                    <dgm:adjLst>
-                      <dgm:adj idx="1" val="0.1"/>
-                    </dgm:adjLst>
-                  </dgm:shape>
-                  <dgm:presOf axis="ch desOrSelf" ptType="node node" st="2 1" cnt="1 0"/>
-                  <dgm:constrLst>
-                    <dgm:constr type="lMarg" refType="primFontSz" fact="0.3"/>
-                    <dgm:constr type="rMarg" refType="primFontSz" fact="0.3"/>
-                    <dgm:constr type="tMarg" refType="primFontSz" fact="0.3"/>
-                    <dgm:constr type="bMarg" refType="primFontSz" fact="0.3"/>
-                  </dgm:constrLst>
-                  <dgm:ruleLst>
-                    <dgm:rule type="primFontSz" val="5" fact="NaN" max="NaN"/>
-                  </dgm:ruleLst>
-                </dgm:layoutNode>
-                <dgm:layoutNode name="ThreeNodes_3_text">
-                  <dgm:varLst>
-                    <dgm:bulletEnabled val="1"/>
-                  </dgm:varLst>
-                  <dgm:alg type="tx">
-                    <dgm:param type="parTxLTRAlign" val="l"/>
-                    <dgm:param type="txAnchorVertCh" val="mid"/>
-                  </dgm:alg>
-                  <dgm:shape xmlns:r="http://schemas.openxmlformats.org/officeDocument/2006/relationships" type="roundRect" r:blip="" hideGeom="1">
-                    <dgm:adjLst>
-                      <dgm:adj idx="1" val="0.1"/>
-                    </dgm:adjLst>
-                  </dgm:shape>
-                  <dgm:presOf axis="ch desOrSelf" ptType="node node" st="3 1" cnt="1 0"/>
-                  <dgm:constrLst>
-                    <dgm:constr type="lMarg" refType="primFontSz" fact="0.3"/>
-                    <dgm:constr type="rMarg" refType="primFontSz" fact="0.3"/>
-                    <dgm:constr type="tMarg" refType="primFontSz" fact="0.3"/>
-                    <dgm:constr type="bMarg" refType="primFontSz" fact="0.3"/>
-                  </dgm:constrLst>
-                  <dgm:ruleLst>
-                    <dgm:rule type="primFontSz" val="5" fact="NaN" max="NaN"/>
-                  </dgm:ruleLst>
-                </dgm:layoutNode>
-              </dgm:if>
-              <dgm:else name="Name11">
-                <dgm:choose name="Name12">
-                  <dgm:if name="Name13" axis="ch" ptType="node" func="cnt" op="equ" val="4">
-                    <dgm:layoutNode name="FourNodes_1">
-                      <dgm:varLst>
-                        <dgm:bulletEnabled val="1"/>
-                      </dgm:varLst>
-                      <dgm:alg type="sp"/>
-                      <dgm:shape xmlns:r="http://schemas.openxmlformats.org/officeDocument/2006/relationships" type="roundRect" r:blip="">
-                        <dgm:adjLst>
-                          <dgm:adj idx="1" val="0.1"/>
-                        </dgm:adjLst>
-                      </dgm:shape>
-                      <dgm:presOf axis="ch desOrSelf" ptType="node node" st="1 1" cnt="1 0"/>
-                      <dgm:constrLst/>
-                      <dgm:ruleLst/>
-                    </dgm:layoutNode>
-                    <dgm:layoutNode name="FourNodes_2">
-                      <dgm:varLst>
-                        <dgm:bulletEnabled val="1"/>
-                      </dgm:varLst>
-                      <dgm:alg type="sp"/>
-                      <dgm:shape xmlns:r="http://schemas.openxmlformats.org/officeDocument/2006/relationships" type="roundRect" r:blip="">
-                        <dgm:adjLst>
-                          <dgm:adj idx="1" val="0.1"/>
-                        </dgm:adjLst>
-                      </dgm:shape>
-                      <dgm:presOf axis="ch desOrSelf" ptType="node node" st="2 1" cnt="1 0"/>
-                      <dgm:constrLst/>
-                      <dgm:ruleLst/>
-                    </dgm:layoutNode>
-                    <dgm:layoutNode name="FourNodes_3">
-                      <dgm:varLst>
-                        <dgm:bulletEnabled val="1"/>
-                      </dgm:varLst>
-                      <dgm:alg type="sp"/>
-                      <dgm:shape xmlns:r="http://schemas.openxmlformats.org/officeDocument/2006/relationships" type="roundRect" r:blip="">
-                        <dgm:adjLst>
-                          <dgm:adj idx="1" val="0.1"/>
-                        </dgm:adjLst>
-                      </dgm:shape>
-                      <dgm:presOf axis="ch desOrSelf" ptType="node node" st="3 1" cnt="1 0"/>
-                      <dgm:constrLst/>
-                      <dgm:ruleLst/>
-                    </dgm:layoutNode>
-                    <dgm:layoutNode name="FourNodes_4">
-                      <dgm:varLst>
-                        <dgm:bulletEnabled val="1"/>
-                      </dgm:varLst>
-                      <dgm:alg type="sp"/>
-                      <dgm:shape xmlns:r="http://schemas.openxmlformats.org/officeDocument/2006/relationships" type="roundRect" r:blip="">
-                        <dgm:adjLst>
-                          <dgm:adj idx="1" val="0.1"/>
-                        </dgm:adjLst>
-                      </dgm:shape>
-                      <dgm:presOf axis="ch desOrSelf" ptType="node node" st="4 1" cnt="1 0"/>
-                      <dgm:constrLst/>
-                      <dgm:ruleLst/>
-                    </dgm:layoutNode>
-                    <dgm:layoutNode name="FourConn_1-2" styleLbl="fgAccFollowNode1">
-                      <dgm:varLst>
-                        <dgm:bulletEnabled val="1"/>
-                      </dgm:varLst>
-                      <dgm:alg type="tx"/>
-                      <dgm:shape xmlns:r="http://schemas.openxmlformats.org/officeDocument/2006/relationships" type="downArrow" r:blip="">
-                        <dgm:adjLst>
-                          <dgm:adj idx="1" val="0.55"/>
-                          <dgm:adj idx="2" val="0.45"/>
-                        </dgm:adjLst>
-                      </dgm:shape>
-                      <dgm:presOf axis="ch" ptType="sibTrans" cnt="1"/>
-                      <dgm:constrLst>
-                        <dgm:constr type="lMarg" refType="primFontSz" fact="0.1"/>
-                        <dgm:constr type="rMarg" refType="primFontSz" fact="0.1"/>
-                        <dgm:constr type="tMarg" refType="primFontSz" fact="0.1"/>
-                        <dgm:constr type="bMarg" refType="primFontSz" fact="0.1"/>
-                      </dgm:constrLst>
-                      <dgm:ruleLst>
-                        <dgm:rule type="primFontSz" val="5" fact="NaN" max="NaN"/>
-                      </dgm:ruleLst>
-                    </dgm:layoutNode>
-                    <dgm:layoutNode name="FourConn_2-3" styleLbl="fgAccFollowNode1">
-                      <dgm:varLst>
-                        <dgm:bulletEnabled val="1"/>
-                      </dgm:varLst>
-                      <dgm:alg type="tx"/>
-                      <dgm:shape xmlns:r="http://schemas.openxmlformats.org/officeDocument/2006/relationships" type="downArrow" r:blip="">
-                        <dgm:adjLst>
-                          <dgm:adj idx="1" val="0.55"/>
-                          <dgm:adj idx="2" val="0.45"/>
-                        </dgm:adjLst>
-                      </dgm:shape>
-                      <dgm:presOf axis="ch" ptType="sibTrans" st="2" cnt="1"/>
-                      <dgm:constrLst>
-                        <dgm:constr type="lMarg" refType="primFontSz" fact="0.1"/>
-                        <dgm:constr type="rMarg" refType="primFontSz" fact="0.1"/>
-                        <dgm:constr type="tMarg" refType="primFontSz" fact="0.1"/>
-                        <dgm:constr type="bMarg" refType="primFontSz" fact="0.1"/>
-                      </dgm:constrLst>
-                      <dgm:ruleLst>
-                        <dgm:rule type="primFontSz" val="5" fact="NaN" max="NaN"/>
-                      </dgm:ruleLst>
-                    </dgm:layoutNode>
-                    <dgm:layoutNode name="FourConn_3-4" styleLbl="fgAccFollowNode1">
-                      <dgm:varLst>
-                        <dgm:bulletEnabled val="1"/>
-                      </dgm:varLst>
-                      <dgm:alg type="tx"/>
-                      <dgm:shape xmlns:r="http://schemas.openxmlformats.org/officeDocument/2006/relationships" type="downArrow" r:blip="">
-                        <dgm:adjLst>
-                          <dgm:adj idx="1" val="0.55"/>
-                          <dgm:adj idx="2" val="0.45"/>
-                        </dgm:adjLst>
-                      </dgm:shape>
-                      <dgm:presOf axis="ch" ptType="sibTrans" st="3" cnt="1"/>
-                      <dgm:constrLst>
-                        <dgm:constr type="lMarg" refType="primFontSz" fact="0.1"/>
-                        <dgm:constr type="rMarg" refType="primFontSz" fact="0.1"/>
-                        <dgm:constr type="tMarg" refType="primFontSz" fact="0.1"/>
-                        <dgm:constr type="bMarg" refType="primFontSz" fact="0.1"/>
-                      </dgm:constrLst>
-                      <dgm:ruleLst>
-                        <dgm:rule type="primFontSz" val="5" fact="NaN" max="NaN"/>
-                      </dgm:ruleLst>
-                    </dgm:layoutNode>
-                    <dgm:layoutNode name="FourNodes_1_text">
-                      <dgm:varLst>
-                        <dgm:bulletEnabled val="1"/>
-                      </dgm:varLst>
-                      <dgm:alg type="tx">
-                        <dgm:param type="parTxLTRAlign" val="l"/>
-                        <dgm:param type="txAnchorVertCh" val="mid"/>
-                      </dgm:alg>
-                      <dgm:shape xmlns:r="http://schemas.openxmlformats.org/officeDocument/2006/relationships" type="roundRect" r:blip="" hideGeom="1">
-                        <dgm:adjLst>
-                          <dgm:adj idx="1" val="0.1"/>
-                        </dgm:adjLst>
-                      </dgm:shape>
-                      <dgm:presOf axis="ch desOrSelf" ptType="node node" st="1 1" cnt="1 0"/>
-                      <dgm:constrLst>
-                        <dgm:constr type="lMarg" refType="primFontSz" fact="0.3"/>
-                        <dgm:constr type="rMarg" refType="primFontSz" fact="0.3"/>
-                        <dgm:constr type="tMarg" refType="primFontSz" fact="0.3"/>
-                        <dgm:constr type="bMarg" refType="primFontSz" fact="0.3"/>
-                      </dgm:constrLst>
-                      <dgm:ruleLst>
-                        <dgm:rule type="primFontSz" val="5" fact="NaN" max="NaN"/>
-                      </dgm:ruleLst>
-                    </dgm:layoutNode>
-                    <dgm:layoutNode name="FourNodes_2_text">
-                      <dgm:varLst>
-                        <dgm:bulletEnabled val="1"/>
-                      </dgm:varLst>
-                      <dgm:alg type="tx">
-                        <dgm:param type="parTxLTRAlign" val="l"/>
-                        <dgm:param type="txAnchorVertCh" val="mid"/>
-                      </dgm:alg>
-                      <dgm:shape xmlns:r="http://schemas.openxmlformats.org/officeDocument/2006/relationships" type="roundRect" r:blip="" hideGeom="1">
-                        <dgm:adjLst>
-                          <dgm:adj idx="1" val="0.1"/>
-                        </dgm:adjLst>
-                      </dgm:shape>
-                      <dgm:presOf axis="ch desOrSelf" ptType="node node" st="2 1" cnt="1 0"/>
-                      <dgm:constrLst>
-                        <dgm:constr type="lMarg" refType="primFontSz" fact="0.3"/>
-                        <dgm:constr type="rMarg" refType="primFontSz" fact="0.3"/>
-                        <dgm:constr type="tMarg" refType="primFontSz" fact="0.3"/>
-                        <dgm:constr type="bMarg" refType="primFontSz" fact="0.3"/>
-                      </dgm:constrLst>
-                      <dgm:ruleLst>
-                        <dgm:rule type="primFontSz" val="5" fact="NaN" max="NaN"/>
-                      </dgm:ruleLst>
-                    </dgm:layoutNode>
-                    <dgm:layoutNode name="FourNodes_3_text">
-                      <dgm:varLst>
-                        <dgm:bulletEnabled val="1"/>
-                      </dgm:varLst>
-                      <dgm:alg type="tx">
-                        <dgm:param type="parTxLTRAlign" val="l"/>
-                        <dgm:param type="txAnchorVertCh" val="mid"/>
-                      </dgm:alg>
-                      <dgm:shape xmlns:r="http://schemas.openxmlformats.org/officeDocument/2006/relationships" type="roundRect" r:blip="" hideGeom="1">
-                        <dgm:adjLst>
-                          <dgm:adj idx="1" val="0.1"/>
-                        </dgm:adjLst>
-                      </dgm:shape>
-                      <dgm:presOf axis="ch desOrSelf" ptType="node node" st="3 1" cnt="1 0"/>
-                      <dgm:constrLst>
-                        <dgm:constr type="lMarg" refType="primFontSz" fact="0.3"/>
-                        <dgm:constr type="rMarg" refType="primFontSz" fact="0.3"/>
-                        <dgm:constr type="tMarg" refType="primFontSz" fact="0.3"/>
-                        <dgm:constr type="bMarg" refType="primFontSz" fact="0.3"/>
-                      </dgm:constrLst>
-                      <dgm:ruleLst>
-                        <dgm:rule type="primFontSz" val="5" fact="NaN" max="NaN"/>
-                      </dgm:ruleLst>
-                    </dgm:layoutNode>
-                    <dgm:layoutNode name="FourNodes_4_text">
-                      <dgm:varLst>
-                        <dgm:bulletEnabled val="1"/>
-                      </dgm:varLst>
-                      <dgm:alg type="tx">
-                        <dgm:param type="parTxLTRAlign" val="l"/>
-                        <dgm:param type="txAnchorVertCh" val="mid"/>
-                      </dgm:alg>
-                      <dgm:shape xmlns:r="http://schemas.openxmlformats.org/officeDocument/2006/relationships" type="roundRect" r:blip="" hideGeom="1">
-                        <dgm:adjLst>
-                          <dgm:adj idx="1" val="0.1"/>
-                        </dgm:adjLst>
-                      </dgm:shape>
-                      <dgm:presOf axis="ch desOrSelf" ptType="node node" st="4 1" cnt="1 0"/>
-                      <dgm:constrLst>
-                        <dgm:constr type="lMarg" refType="primFontSz" fact="0.3"/>
-                        <dgm:constr type="rMarg" refType="primFontSz" fact="0.3"/>
-                        <dgm:constr type="tMarg" refType="primFontSz" fact="0.3"/>
-                        <dgm:constr type="bMarg" refType="primFontSz" fact="0.3"/>
-                      </dgm:constrLst>
-                      <dgm:ruleLst>
-                        <dgm:rule type="primFontSz" val="5" fact="NaN" max="NaN"/>
-                      </dgm:ruleLst>
-                    </dgm:layoutNode>
-                  </dgm:if>
-                  <dgm:else name="Name14">
-                    <dgm:choose name="Name15">
-                      <dgm:if name="Name16" axis="ch" ptType="node" func="cnt" op="gte" val="5">
-                        <dgm:layoutNode name="FiveNodes_1">
-                          <dgm:varLst>
-                            <dgm:bulletEnabled val="1"/>
-                          </dgm:varLst>
-                          <dgm:alg type="sp"/>
-                          <dgm:shape xmlns:r="http://schemas.openxmlformats.org/officeDocument/2006/relationships" type="roundRect" r:blip="">
-                            <dgm:adjLst>
-                              <dgm:adj idx="1" val="0.1"/>
-                            </dgm:adjLst>
-                          </dgm:shape>
-                          <dgm:presOf axis="ch desOrSelf" ptType="node node" st="1 1" cnt="1 0"/>
-                          <dgm:constrLst/>
-                          <dgm:ruleLst/>
-                        </dgm:layoutNode>
-                        <dgm:layoutNode name="FiveNodes_2">
-                          <dgm:varLst>
-                            <dgm:bulletEnabled val="1"/>
-                          </dgm:varLst>
-                          <dgm:alg type="sp"/>
-                          <dgm:shape xmlns:r="http://schemas.openxmlformats.org/officeDocument/2006/relationships" type="roundRect" r:blip="">
-                            <dgm:adjLst>
-                              <dgm:adj idx="1" val="0.1"/>
-                            </dgm:adjLst>
-                          </dgm:shape>
-                          <dgm:presOf axis="ch desOrSelf" ptType="node node" st="2 1" cnt="1 0"/>
-                          <dgm:constrLst/>
-                          <dgm:ruleLst/>
-                        </dgm:layoutNode>
-                        <dgm:layoutNode name="FiveNodes_3">
-                          <dgm:varLst>
-                            <dgm:bulletEnabled val="1"/>
-                          </dgm:varLst>
-                          <dgm:alg type="sp"/>
-                          <dgm:shape xmlns:r="http://schemas.openxmlformats.org/officeDocument/2006/relationships" type="roundRect" r:blip="">
-                            <dgm:adjLst>
-                              <dgm:adj idx="1" val="0.1"/>
-                            </dgm:adjLst>
-                          </dgm:shape>
-                          <dgm:presOf axis="ch desOrSelf" ptType="node node" st="3 1" cnt="1 0"/>
-                          <dgm:constrLst/>
-                          <dgm:ruleLst/>
-                        </dgm:layoutNode>
-                        <dgm:layoutNode name="FiveNodes_4">
-                          <dgm:varLst>
-                            <dgm:bulletEnabled val="1"/>
-                          </dgm:varLst>
-                          <dgm:alg type="sp"/>
-                          <dgm:shape xmlns:r="http://schemas.openxmlformats.org/officeDocument/2006/relationships" type="roundRect" r:blip="">
-                            <dgm:adjLst>
-                              <dgm:adj idx="1" val="0.1"/>
-                            </dgm:adjLst>
-                          </dgm:shape>
-                          <dgm:presOf axis="ch desOrSelf" ptType="node node" st="4 1" cnt="1 0"/>
-                          <dgm:constrLst/>
-                          <dgm:ruleLst/>
-                        </dgm:layoutNode>
-                        <dgm:layoutNode name="FiveNodes_5">
-                          <dgm:varLst>
-                            <dgm:bulletEnabled val="1"/>
-                          </dgm:varLst>
-                          <dgm:alg type="sp"/>
-                          <dgm:shape xmlns:r="http://schemas.openxmlformats.org/officeDocument/2006/relationships" type="roundRect" r:blip="">
-                            <dgm:adjLst>
-                              <dgm:adj idx="1" val="0.1"/>
-                            </dgm:adjLst>
-                          </dgm:shape>
-                          <dgm:presOf axis="ch desOrSelf" ptType="node node" st="5 1" cnt="1 0"/>
-                          <dgm:constrLst/>
-                          <dgm:ruleLst/>
-                        </dgm:layoutNode>
-                        <dgm:layoutNode name="FiveConn_1-2" styleLbl="fgAccFollowNode1">
-                          <dgm:varLst>
-                            <dgm:bulletEnabled val="1"/>
-                          </dgm:varLst>
-                          <dgm:alg type="tx"/>
-                          <dgm:shape xmlns:r="http://schemas.openxmlformats.org/officeDocument/2006/relationships" type="downArrow" r:blip="">
-                            <dgm:adjLst>
-                              <dgm:adj idx="1" val="0.55"/>
-                              <dgm:adj idx="2" val="0.45"/>
-                            </dgm:adjLst>
-                          </dgm:shape>
-                          <dgm:presOf axis="ch" ptType="sibTrans" cnt="1"/>
-                          <dgm:constrLst>
-                            <dgm:constr type="lMarg" refType="primFontSz" fact="0.1"/>
-                            <dgm:constr type="rMarg" refType="primFontSz" fact="0.1"/>
-                            <dgm:constr type="tMarg" refType="primFontSz" fact="0.1"/>
-                            <dgm:constr type="bMarg" refType="primFontSz" fact="0.1"/>
-                          </dgm:constrLst>
-                          <dgm:ruleLst>
-                            <dgm:rule type="primFontSz" val="5" fact="NaN" max="NaN"/>
-                          </dgm:ruleLst>
-                        </dgm:layoutNode>
-                        <dgm:layoutNode name="FiveConn_2-3" styleLbl="fgAccFollowNode1">
-                          <dgm:varLst>
-                            <dgm:bulletEnabled val="1"/>
-                          </dgm:varLst>
-                          <dgm:alg type="tx"/>
-                          <dgm:shape xmlns:r="http://schemas.openxmlformats.org/officeDocument/2006/relationships" type="downArrow" r:blip="">
-                            <dgm:adjLst>
-                              <dgm:adj idx="1" val="0.55"/>
-                              <dgm:adj idx="2" val="0.45"/>
-                            </dgm:adjLst>
-                          </dgm:shape>
-                          <dgm:presOf axis="ch" ptType="sibTrans" st="2" cnt="1"/>
-                          <dgm:constrLst>
-                            <dgm:constr type="lMarg" refType="primFontSz" fact="0.1"/>
-                            <dgm:constr type="rMarg" refType="primFontSz" fact="0.1"/>
-                            <dgm:constr type="tMarg" refType="primFontSz" fact="0.1"/>
-                            <dgm:constr type="bMarg" refType="primFontSz" fact="0.1"/>
-                          </dgm:constrLst>
-                          <dgm:ruleLst>
-                            <dgm:rule type="primFontSz" val="5" fact="NaN" max="NaN"/>
-                          </dgm:ruleLst>
-                        </dgm:layoutNode>
-                        <dgm:layoutNode name="FiveConn_3-4" styleLbl="fgAccFollowNode1">
-                          <dgm:varLst>
-                            <dgm:bulletEnabled val="1"/>
-                          </dgm:varLst>
-                          <dgm:alg type="tx"/>
-                          <dgm:shape xmlns:r="http://schemas.openxmlformats.org/officeDocument/2006/relationships" type="downArrow" r:blip="">
-                            <dgm:adjLst>
-                              <dgm:adj idx="1" val="0.55"/>
-                              <dgm:adj idx="2" val="0.45"/>
-                            </dgm:adjLst>
-                          </dgm:shape>
-                          <dgm:presOf axis="ch" ptType="sibTrans" st="3" cnt="1"/>
-                          <dgm:constrLst>
-                            <dgm:constr type="lMarg" refType="primFontSz" fact="0.1"/>
-                            <dgm:constr type="rMarg" refType="primFontSz" fact="0.1"/>
-                            <dgm:constr type="tMarg" refType="primFontSz" fact="0.1"/>
-                            <dgm:constr type="bMarg" refType="primFontSz" fact="0.1"/>
-                          </dgm:constrLst>
-                          <dgm:ruleLst>
-                            <dgm:rule type="primFontSz" val="5" fact="NaN" max="NaN"/>
-                          </dgm:ruleLst>
-                        </dgm:layoutNode>
-                        <dgm:layoutNode name="FiveConn_4-5" styleLbl="fgAccFollowNode1">
-                          <dgm:varLst>
-                            <dgm:bulletEnabled val="1"/>
-                          </dgm:varLst>
-                          <dgm:alg type="tx"/>
-                          <dgm:shape xmlns:r="http://schemas.openxmlformats.org/officeDocument/2006/relationships" type="downArrow" r:blip="">
-                            <dgm:adjLst>
-                              <dgm:adj idx="1" val="0.55"/>
-                              <dgm:adj idx="2" val="0.45"/>
-                            </dgm:adjLst>
-                          </dgm:shape>
-                          <dgm:presOf axis="ch" ptType="sibTrans" st="4" cnt="1"/>
-                          <dgm:constrLst>
-                            <dgm:constr type="lMarg" refType="primFontSz" fact="0.1"/>
-                            <dgm:constr type="rMarg" refType="primFontSz" fact="0.1"/>
-                            <dgm:constr type="tMarg" refType="primFontSz" fact="0.1"/>
-                            <dgm:constr type="bMarg" refType="primFontSz" fact="0.1"/>
-                          </dgm:constrLst>
-                          <dgm:ruleLst>
-                            <dgm:rule type="primFontSz" val="5" fact="NaN" max="NaN"/>
-                          </dgm:ruleLst>
-                        </dgm:layoutNode>
-                        <dgm:layoutNode name="FiveNodes_1_text">
-                          <dgm:varLst>
-                            <dgm:bulletEnabled val="1"/>
-                          </dgm:varLst>
-                          <dgm:alg type="tx">
-                            <dgm:param type="parTxLTRAlign" val="l"/>
-                            <dgm:param type="txAnchorVertCh" val="mid"/>
-                          </dgm:alg>
-                          <dgm:shape xmlns:r="http://schemas.openxmlformats.org/officeDocument/2006/relationships" type="roundRect" r:blip="" hideGeom="1">
-                            <dgm:adjLst>
-                              <dgm:adj idx="1" val="0.1"/>
-                            </dgm:adjLst>
-                          </dgm:shape>
-                          <dgm:presOf axis="ch desOrSelf" ptType="node node" st="1 1" cnt="1 0"/>
-                          <dgm:constrLst>
-                            <dgm:constr type="lMarg" refType="primFontSz" fact="0.3"/>
-                            <dgm:constr type="rMarg" refType="primFontSz" fact="0.3"/>
-                            <dgm:constr type="tMarg" refType="primFontSz" fact="0.3"/>
-                            <dgm:constr type="bMarg" refType="primFontSz" fact="0.3"/>
-                          </dgm:constrLst>
-                          <dgm:ruleLst>
-                            <dgm:rule type="primFontSz" val="5" fact="NaN" max="NaN"/>
-                          </dgm:ruleLst>
-                        </dgm:layoutNode>
-                        <dgm:layoutNode name="FiveNodes_2_text">
-                          <dgm:varLst>
-                            <dgm:bulletEnabled val="1"/>
-                          </dgm:varLst>
-                          <dgm:alg type="tx">
-                            <dgm:param type="parTxLTRAlign" val="l"/>
-                            <dgm:param type="txAnchorVertCh" val="mid"/>
-                          </dgm:alg>
-                          <dgm:shape xmlns:r="http://schemas.openxmlformats.org/officeDocument/2006/relationships" type="roundRect" r:blip="" hideGeom="1">
-                            <dgm:adjLst>
-                              <dgm:adj idx="1" val="0.1"/>
-                            </dgm:adjLst>
-                          </dgm:shape>
-                          <dgm:presOf axis="ch desOrSelf" ptType="node node" st="2 1" cnt="1 0"/>
-                          <dgm:constrLst>
-                            <dgm:constr type="lMarg" refType="primFontSz" fact="0.3"/>
-                            <dgm:constr type="rMarg" refType="primFontSz" fact="0.3"/>
-                            <dgm:constr type="tMarg" refType="primFontSz" fact="0.3"/>
-                            <dgm:constr type="bMarg" refType="primFontSz" fact="0.3"/>
-                          </dgm:constrLst>
-                          <dgm:ruleLst>
-                            <dgm:rule type="primFontSz" val="5" fact="NaN" max="NaN"/>
-                          </dgm:ruleLst>
-                        </dgm:layoutNode>
-                        <dgm:layoutNode name="FiveNodes_3_text">
-                          <dgm:varLst>
-                            <dgm:bulletEnabled val="1"/>
-                          </dgm:varLst>
-                          <dgm:alg type="tx">
-                            <dgm:param type="parTxLTRAlign" val="l"/>
-                            <dgm:param type="txAnchorVertCh" val="mid"/>
-                          </dgm:alg>
-                          <dgm:shape xmlns:r="http://schemas.openxmlformats.org/officeDocument/2006/relationships" type="roundRect" r:blip="" hideGeom="1">
-                            <dgm:adjLst>
-                              <dgm:adj idx="1" val="0.1"/>
-                            </dgm:adjLst>
-                          </dgm:shape>
-                          <dgm:presOf axis="ch desOrSelf" ptType="node node" st="3 1" cnt="1 0"/>
-                          <dgm:constrLst>
-                            <dgm:constr type="lMarg" refType="primFontSz" fact="0.3"/>
-                            <dgm:constr type="rMarg" refType="primFontSz" fact="0.3"/>
-                            <dgm:constr type="tMarg" refType="primFontSz" fact="0.3"/>
-                            <dgm:constr type="bMarg" refType="primFontSz" fact="0.3"/>
-                          </dgm:constrLst>
-                          <dgm:ruleLst>
-                            <dgm:rule type="primFontSz" val="5" fact="NaN" max="NaN"/>
-                          </dgm:ruleLst>
-                        </dgm:layoutNode>
-                        <dgm:layoutNode name="FiveNodes_4_text">
-                          <dgm:varLst>
-                            <dgm:bulletEnabled val="1"/>
-                          </dgm:varLst>
-                          <dgm:alg type="tx">
-                            <dgm:param type="parTxLTRAlign" val="l"/>
-                            <dgm:param type="txAnchorVertCh" val="mid"/>
-                          </dgm:alg>
-                          <dgm:shape xmlns:r="http://schemas.openxmlformats.org/officeDocument/2006/relationships" type="roundRect" r:blip="" hideGeom="1">
-                            <dgm:adjLst>
-                              <dgm:adj idx="1" val="0.1"/>
-                            </dgm:adjLst>
-                          </dgm:shape>
-                          <dgm:presOf axis="ch desOrSelf" ptType="node node" st="4 1" cnt="1 0"/>
-                          <dgm:constrLst>
-                            <dgm:constr type="lMarg" refType="primFontSz" fact="0.3"/>
-                            <dgm:constr type="rMarg" refType="primFontSz" fact="0.3"/>
-                            <dgm:constr type="tMarg" refType="primFontSz" fact="0.3"/>
-                            <dgm:constr type="bMarg" refType="primFontSz" fact="0.3"/>
-                          </dgm:constrLst>
-                          <dgm:ruleLst>
-                            <dgm:rule type="primFontSz" val="5" fact="NaN" max="NaN"/>
-                          </dgm:ruleLst>
-                        </dgm:layoutNode>
-                        <dgm:layoutNode name="FiveNodes_5_text">
-                          <dgm:varLst>
-                            <dgm:bulletEnabled val="1"/>
-                          </dgm:varLst>
-                          <dgm:alg type="tx">
-                            <dgm:param type="parTxLTRAlign" val="l"/>
-                            <dgm:param type="txAnchorVertCh" val="mid"/>
-                          </dgm:alg>
-                          <dgm:shape xmlns:r="http://schemas.openxmlformats.org/officeDocument/2006/relationships" type="roundRect" r:blip="" hideGeom="1">
-                            <dgm:adjLst>
-                              <dgm:adj idx="1" val="0.1"/>
-                            </dgm:adjLst>
-                          </dgm:shape>
-                          <dgm:presOf axis="ch desOrSelf" ptType="node node" st="5 1" cnt="1 0"/>
-                          <dgm:constrLst>
-                            <dgm:constr type="lMarg" refType="primFontSz" fact="0.3"/>
-                            <dgm:constr type="rMarg" refType="primFontSz" fact="0.3"/>
-                            <dgm:constr type="tMarg" refType="primFontSz" fact="0.3"/>
-                            <dgm:constr type="bMarg" refType="primFontSz" fact="0.3"/>
-                          </dgm:constrLst>
-                          <dgm:ruleLst>
-                            <dgm:rule type="primFontSz" val="5" fact="NaN" max="NaN"/>
-                          </dgm:ruleLst>
-                        </dgm:layoutNode>
-                      </dgm:if>
-                      <dgm:else name="Name17"/>
-                    </dgm:choose>
-                  </dgm:else>
-                </dgm:choose>
-              </dgm:else>
-            </dgm:choose>
-          </dgm:else>
-        </dgm:choose>
-      </dgm:else>
-    </dgm:choose>
-  </dgm:layoutNode>
-</dgm:layoutDef>
-</file>
-
-<file path=ppt/diagrams/quickStyle1.xml><?xml version="1.0" encoding="utf-8"?>
-<dgm:styleDef xmlns:dgm="http://schemas.openxmlformats.org/drawingml/2006/diagram" xmlns:a="http://schemas.openxmlformats.org/drawingml/2006/main" uniqueId="urn:microsoft.com/office/officeart/2005/8/quickstyle/simple4">
-  <dgm:title val=""/>
-  <dgm:desc val=""/>
-  <dgm:catLst>
-    <dgm:cat type="simple" pri="10400"/>
-  </dgm:catLst>
-  <dgm:scene3d>
-    <a:camera prst="orthographicFront"/>
-    <a:lightRig rig="threePt" dir="t"/>
-  </dgm:scene3d>
-  <dgm:styleLbl name="node0">
-    <dgm:scene3d>
-      <a:camera prst="orthographicFront"/>
-      <a:lightRig rig="threePt" dir="t"/>
-    </dgm:scene3d>
-    <dgm:sp3d/>
-    <dgm:txPr/>
-    <dgm:style>
-      <a:lnRef idx="0">
-        <a:scrgbClr r="0" g="0" b="0"/>
-      </a:lnRef>
-      <a:fillRef idx="3">
-        <a:scrgbClr r="0" g="0" b="0"/>
-      </a:fillRef>
-      <a:effectRef idx="2">
-        <a:scrgbClr r="0" g="0" b="0"/>
-      </a:effectRef>
-      <a:fontRef idx="minor">
-        <a:schemeClr val="lt1"/>
-      </a:fontRef>
-    </dgm:style>
-  </dgm:styleLbl>
-  <dgm:styleLbl name="lnNode1">
-    <dgm:scene3d>
-      <a:camera prst="orthographicFront"/>
-      <a:lightRig rig="threePt" dir="t"/>
-    </dgm:scene3d>
-    <dgm:sp3d/>
-    <dgm:txPr/>
-    <dgm:style>
-      <a:lnRef idx="1">
-        <a:scrgbClr r="0" g="0" b="0"/>
-      </a:lnRef>
-      <a:fillRef idx="3">
-        <a:scrgbClr r="0" g="0" b="0"/>
-      </a:fillRef>
-      <a:effectRef idx="2">
-        <a:scrgbClr r="0" g="0" b="0"/>
-      </a:effectRef>
-      <a:fontRef idx="minor">
-        <a:schemeClr val="lt1"/>
-      </a:fontRef>
-    </dgm:style>
-  </dgm:styleLbl>
-  <dgm:styleLbl name="vennNode1">
-    <dgm:scene3d>
-      <a:camera prst="orthographicFront"/>
-      <a:lightRig rig="threePt" dir="t"/>
-    </dgm:scene3d>
-    <dgm:sp3d/>
-    <dgm:txPr/>
-    <dgm:style>
-      <a:lnRef idx="0">
-        <a:scrgbClr r="0" g="0" b="0"/>
-      </a:lnRef>
-      <a:fillRef idx="3">
-        <a:scrgbClr r="0" g="0" b="0"/>
-      </a:fillRef>
-      <a:effectRef idx="0">
-        <a:scrgbClr r="0" g="0" b="0"/>
-      </a:effectRef>
-      <a:fontRef idx="minor">
-        <a:schemeClr val="tx1"/>
-      </a:fontRef>
-    </dgm:style>
-  </dgm:styleLbl>
-  <dgm:styleLbl name="alignNode1">
-    <dgm:scene3d>
-      <a:camera prst="orthographicFront"/>
-      <a:lightRig rig="threePt" dir="t"/>
-    </dgm:scene3d>
-    <dgm:sp3d/>
-    <dgm:txPr/>
-    <dgm:style>
-      <a:lnRef idx="1">
-        <a:scrgbClr r="0" g="0" b="0"/>
-      </a:lnRef>
-      <a:fillRef idx="3">
-        <a:scrgbClr r="0" g="0" b="0"/>
-      </a:fillRef>
-      <a:effectRef idx="2">
-        <a:scrgbClr r="0" g="0" b="0"/>
-      </a:effectRef>
-      <a:fontRef idx="minor">
-        <a:schemeClr val="lt1"/>
-      </a:fontRef>
-    </dgm:style>
-  </dgm:styleLbl>
-  <dgm:styleLbl name="node1">
-    <dgm:scene3d>
-      <a:camera prst="orthographicFront"/>
-      <a:lightRig rig="threePt" dir="t"/>
-    </dgm:scene3d>
-    <dgm:sp3d/>
-    <dgm:txPr/>
-    <dgm:style>
-      <a:lnRef idx="0">
-        <a:scrgbClr r="0" g="0" b="0"/>
-      </a:lnRef>
-      <a:fillRef idx="3">
-        <a:scrgbClr r="0" g="0" b="0"/>
-      </a:fillRef>
-      <a:effectRef idx="2">
-        <a:scrgbClr r="0" g="0" b="0"/>
-      </a:effectRef>
-      <a:fontRef idx="minor">
-        <a:schemeClr val="lt1"/>
-      </a:fontRef>
-    </dgm:style>
-  </dgm:styleLbl>
-  <dgm:styleLbl name="node2">
-    <dgm:scene3d>
-      <a:camera prst="orthographicFront"/>
-      <a:lightRig rig="threePt" dir="t"/>
-    </dgm:scene3d>
-    <dgm:sp3d/>
-    <dgm:txPr/>
-    <dgm:style>
-      <a:lnRef idx="0">
-        <a:scrgbClr r="0" g="0" b="0"/>
-      </a:lnRef>
-      <a:fillRef idx="3">
-        <a:scrgbClr r="0" g="0" b="0"/>
-      </a:fillRef>
-      <a:effectRef idx="2">
-        <a:scrgbClr r="0" g="0" b="0"/>
-      </a:effectRef>
-      <a:fontRef idx="minor">
-        <a:schemeClr val="lt1"/>
-      </a:fontRef>
-    </dgm:style>
-  </dgm:styleLbl>
-  <dgm:styleLbl name="node3">
-    <dgm:scene3d>
-      <a:camera prst="orthographicFront"/>
-      <a:lightRig rig="threePt" dir="t"/>
-    </dgm:scene3d>
-    <dgm:sp3d/>
-    <dgm:txPr/>
-    <dgm:style>
-      <a:lnRef idx="0">
-        <a:scrgbClr r="0" g="0" b="0"/>
-      </a:lnRef>
-      <a:fillRef idx="3">
-        <a:scrgbClr r="0" g="0" b="0"/>
-      </a:fillRef>
-      <a:effectRef idx="2">
-        <a:scrgbClr r="0" g="0" b="0"/>
-      </a:effectRef>
-      <a:fontRef idx="minor">
-        <a:schemeClr val="lt1"/>
-      </a:fontRef>
-    </dgm:style>
-  </dgm:styleLbl>
-  <dgm:styleLbl name="node4">
-    <dgm:scene3d>
-      <a:camera prst="orthographicFront"/>
-      <a:lightRig rig="threePt" dir="t"/>
-    </dgm:scene3d>
-    <dgm:sp3d/>
-    <dgm:txPr/>
-    <dgm:style>
-      <a:lnRef idx="0">
-        <a:scrgbClr r="0" g="0" b="0"/>
-      </a:lnRef>
-      <a:fillRef idx="3">
-        <a:scrgbClr r="0" g="0" b="0"/>
-      </a:fillRef>
-      <a:effectRef idx="2">
-        <a:scrgbClr r="0" g="0" b="0"/>
-      </a:effectRef>
-      <a:fontRef idx="minor">
-        <a:schemeClr val="lt1"/>
-      </a:fontRef>
-    </dgm:style>
-  </dgm:styleLbl>
-  <dgm:styleLbl name="fgImgPlace1">
-    <dgm:scene3d>
-      <a:camera prst="orthographicFront"/>
-      <a:lightRig rig="threePt" dir="t"/>
-    </dgm:scene3d>
-    <dgm:sp3d/>
-    <dgm:txPr/>
-    <dgm:style>
-      <a:lnRef idx="0">
-        <a:scrgbClr r="0" g="0" b="0"/>
-      </a:lnRef>
-      <a:fillRef idx="1">
-        <a:scrgbClr r="0" g="0" b="0"/>
-      </a:fillRef>
-      <a:effectRef idx="2">
-        <a:scrgbClr r="0" g="0" b="0"/>
-      </a:effectRef>
-      <a:fontRef idx="minor"/>
-    </dgm:style>
-  </dgm:styleLbl>
-  <dgm:styleLbl name="alignImgPlace1">
-    <dgm:scene3d>
-      <a:camera prst="orthographicFront"/>
-      <a:lightRig rig="threePt" dir="t"/>
-    </dgm:scene3d>
-    <dgm:sp3d/>
-    <dgm:txPr/>
-    <dgm:style>
-      <a:lnRef idx="0">
-        <a:scrgbClr r="0" g="0" b="0"/>
-      </a:lnRef>
-      <a:fillRef idx="1">
-        <a:scrgbClr r="0" g="0" b="0"/>
-      </a:fillRef>
-      <a:effectRef idx="2">
-        <a:scrgbClr r="0" g="0" b="0"/>
-      </a:effectRef>
-      <a:fontRef idx="minor"/>
-    </dgm:style>
-  </dgm:styleLbl>
-  <dgm:styleLbl name="bgImgPlace1">
-    <dgm:scene3d>
-      <a:camera prst="orthographicFront"/>
-      <a:lightRig rig="threePt" dir="t"/>
-    </dgm:scene3d>
-    <dgm:sp3d/>
-    <dgm:txPr/>
-    <dgm:style>
-      <a:lnRef idx="0">
-        <a:scrgbClr r="0" g="0" b="0"/>
-      </a:lnRef>
-      <a:fillRef idx="1">
-        <a:scrgbClr r="0" g="0" b="0"/>
-      </a:fillRef>
-      <a:effectRef idx="2">
-        <a:scrgbClr r="0" g="0" b="0"/>
-      </a:effectRef>
-      <a:fontRef idx="minor"/>
-    </dgm:style>
-  </dgm:styleLbl>
-  <dgm:styleLbl name="sibTrans2D1">
-    <dgm:scene3d>
-      <a:camera prst="orthographicFront"/>
-      <a:lightRig rig="threePt" dir="t"/>
-    </dgm:scene3d>
-    <dgm:sp3d/>
-    <dgm:txPr/>
-    <dgm:style>
-      <a:lnRef idx="0">
-        <a:scrgbClr r="0" g="0" b="0"/>
-      </a:lnRef>
-      <a:fillRef idx="3">
-        <a:scrgbClr r="0" g="0" b="0"/>
-      </a:fillRef>
-      <a:effectRef idx="2">
-        <a:scrgbClr r="0" g="0" b="0"/>
-      </a:effectRef>
-      <a:fontRef idx="minor">
-        <a:schemeClr val="lt1"/>
-      </a:fontRef>
-    </dgm:style>
-  </dgm:styleLbl>
-  <dgm:styleLbl name="fgSibTrans2D1">
-    <dgm:scene3d>
-      <a:camera prst="orthographicFront"/>
-      <a:lightRig rig="threePt" dir="t"/>
-    </dgm:scene3d>
-    <dgm:sp3d/>
-    <dgm:txPr/>
-    <dgm:style>
-      <a:lnRef idx="0">
-        <a:scrgbClr r="0" g="0" b="0"/>
-      </a:lnRef>
-      <a:fillRef idx="3">
-        <a:scrgbClr r="0" g="0" b="0"/>
-      </a:fillRef>
-      <a:effectRef idx="2">
-        <a:scrgbClr r="0" g="0" b="0"/>
-      </a:effectRef>
-      <a:fontRef idx="minor">
-        <a:schemeClr val="lt1"/>
-      </a:fontRef>
-    </dgm:style>
-  </dgm:styleLbl>
-  <dgm:styleLbl name="bgSibTrans2D1">
-    <dgm:scene3d>
-      <a:camera prst="orthographicFront"/>
-      <a:lightRig rig="threePt" dir="t"/>
-    </dgm:scene3d>
-    <dgm:sp3d/>
-    <dgm:txPr/>
-    <dgm:style>
-      <a:lnRef idx="0">
-        <a:scrgbClr r="0" g="0" b="0"/>
-      </a:lnRef>
-      <a:fillRef idx="3">
-        <a:scrgbClr r="0" g="0" b="0"/>
-      </a:fillRef>
-      <a:effectRef idx="2">
-        <a:scrgbClr r="0" g="0" b="0"/>
-      </a:effectRef>
-      <a:fontRef idx="minor">
-        <a:schemeClr val="lt1"/>
-      </a:fontRef>
-    </dgm:style>
-  </dgm:styleLbl>
-  <dgm:styleLbl name="sibTrans1D1">
-    <dgm:scene3d>
-      <a:camera prst="orthographicFront"/>
-      <a:lightRig rig="threePt" dir="t"/>
-    </dgm:scene3d>
-    <dgm:sp3d/>
-    <dgm:txPr/>
-    <dgm:style>
-      <a:lnRef idx="1">
-        <a:scrgbClr r="0" g="0" b="0"/>
-      </a:lnRef>
-      <a:fillRef idx="0">
-        <a:scrgbClr r="0" g="0" b="0"/>
-      </a:fillRef>
-      <a:effectRef idx="0">
-        <a:scrgbClr r="0" g="0" b="0"/>
-      </a:effectRef>
-      <a:fontRef idx="minor"/>
-    </dgm:style>
-  </dgm:styleLbl>
-  <dgm:styleLbl name="callout">
-    <dgm:scene3d>
-      <a:camera prst="orthographicFront"/>
-      <a:lightRig rig="threePt" dir="t"/>
-    </dgm:scene3d>
-    <dgm:sp3d/>
-    <dgm:txPr/>
-    <dgm:style>
-      <a:lnRef idx="2">
-        <a:scrgbClr r="0" g="0" b="0"/>
-      </a:lnRef>
-      <a:fillRef idx="1">
-        <a:scrgbClr r="0" g="0" b="0"/>
-      </a:fillRef>
-      <a:effectRef idx="1">
-        <a:scrgbClr r="0" g="0" b="0"/>
-      </a:effectRef>
-      <a:fontRef idx="minor"/>
-    </dgm:style>
-  </dgm:styleLbl>
-  <dgm:styleLbl name="asst0">
-    <dgm:scene3d>
-      <a:camera prst="orthographicFront"/>
-      <a:lightRig rig="threePt" dir="t"/>
-    </dgm:scene3d>
-    <dgm:sp3d/>
-    <dgm:txPr/>
-    <dgm:style>
-      <a:lnRef idx="0">
-        <a:scrgbClr r="0" g="0" b="0"/>
-      </a:lnRef>
-      <a:fillRef idx="3">
-        <a:scrgbClr r="0" g="0" b="0"/>
-      </a:fillRef>
-      <a:effectRef idx="2">
-        <a:scrgbClr r="0" g="0" b="0"/>
-      </a:effectRef>
-      <a:fontRef idx="minor">
-        <a:schemeClr val="lt1"/>
-      </a:fontRef>
-    </dgm:style>
-  </dgm:styleLbl>
-  <dgm:styleLbl name="asst1">
-    <dgm:scene3d>
-      <a:camera prst="orthographicFront"/>
-      <a:lightRig rig="threePt" dir="t"/>
-    </dgm:scene3d>
-    <dgm:sp3d/>
-    <dgm:txPr/>
-    <dgm:style>
-      <a:lnRef idx="0">
-        <a:scrgbClr r="0" g="0" b="0"/>
-      </a:lnRef>
-      <a:fillRef idx="3">
-        <a:scrgbClr r="0" g="0" b="0"/>
-      </a:fillRef>
-      <a:effectRef idx="2">
-        <a:scrgbClr r="0" g="0" b="0"/>
-      </a:effectRef>
-      <a:fontRef idx="minor">
-        <a:schemeClr val="lt1"/>
-      </a:fontRef>
-    </dgm:style>
-  </dgm:styleLbl>
-  <dgm:styleLbl name="asst2">
-    <dgm:scene3d>
-      <a:camera prst="orthographicFront"/>
-      <a:lightRig rig="threePt" dir="t"/>
-    </dgm:scene3d>
-    <dgm:sp3d/>
-    <dgm:txPr/>
-    <dgm:style>
-      <a:lnRef idx="0">
-        <a:scrgbClr r="0" g="0" b="0"/>
-      </a:lnRef>
-      <a:fillRef idx="3">
-        <a:scrgbClr r="0" g="0" b="0"/>
-      </a:fillRef>
-      <a:effectRef idx="2">
-        <a:scrgbClr r="0" g="0" b="0"/>
-      </a:effectRef>
-      <a:fontRef idx="minor">
-        <a:schemeClr val="lt1"/>
-      </a:fontRef>
-    </dgm:style>
-  </dgm:styleLbl>
-  <dgm:styleLbl name="asst3">
-    <dgm:scene3d>
-      <a:camera prst="orthographicFront"/>
-      <a:lightRig rig="threePt" dir="t"/>
-    </dgm:scene3d>
-    <dgm:sp3d/>
-    <dgm:txPr/>
-    <dgm:style>
-      <a:lnRef idx="0">
-        <a:scrgbClr r="0" g="0" b="0"/>
-      </a:lnRef>
-      <a:fillRef idx="3">
-        <a:scrgbClr r="0" g="0" b="0"/>
-      </a:fillRef>
-      <a:effectRef idx="2">
-        <a:scrgbClr r="0" g="0" b="0"/>
-      </a:effectRef>
-      <a:fontRef idx="minor">
-        <a:schemeClr val="lt1"/>
-      </a:fontRef>
-    </dgm:style>
-  </dgm:styleLbl>
-  <dgm:styleLbl name="asst4">
-    <dgm:scene3d>
-      <a:camera prst="orthographicFront"/>
-      <a:lightRig rig="threePt" dir="t"/>
-    </dgm:scene3d>
-    <dgm:sp3d/>
-    <dgm:txPr/>
-    <dgm:style>
-      <a:lnRef idx="0">
-        <a:scrgbClr r="0" g="0" b="0"/>
-      </a:lnRef>
-      <a:fillRef idx="3">
-        <a:scrgbClr r="0" g="0" b="0"/>
-      </a:fillRef>
-      <a:effectRef idx="2">
-        <a:scrgbClr r="0" g="0" b="0"/>
-      </a:effectRef>
-      <a:fontRef idx="minor">
-        <a:schemeClr val="lt1"/>
-      </a:fontRef>
-    </dgm:style>
-  </dgm:styleLbl>
-  <dgm:styleLbl name="parChTrans2D1">
-    <dgm:scene3d>
-      <a:camera prst="orthographicFront"/>
-      <a:lightRig rig="threePt" dir="t"/>
-    </dgm:scene3d>
-    <dgm:sp3d/>
-    <dgm:txPr/>
-    <dgm:style>
-      <a:lnRef idx="0">
-        <a:scrgbClr r="0" g="0" b="0"/>
-      </a:lnRef>
-      <a:fillRef idx="3">
-        <a:scrgbClr r="0" g="0" b="0"/>
-      </a:fillRef>
-      <a:effectRef idx="2">
-        <a:scrgbClr r="0" g="0" b="0"/>
-      </a:effectRef>
-      <a:fontRef idx="minor">
-        <a:schemeClr val="lt1"/>
-      </a:fontRef>
-    </dgm:style>
-  </dgm:styleLbl>
-  <dgm:styleLbl name="parChTrans2D2">
-    <dgm:scene3d>
-      <a:camera prst="orthographicFront"/>
-      <a:lightRig rig="threePt" dir="t"/>
-    </dgm:scene3d>
-    <dgm:sp3d/>
-    <dgm:txPr/>
-    <dgm:style>
-      <a:lnRef idx="0">
-        <a:scrgbClr r="0" g="0" b="0"/>
-      </a:lnRef>
-      <a:fillRef idx="3">
-        <a:scrgbClr r="0" g="0" b="0"/>
-      </a:fillRef>
-      <a:effectRef idx="2">
-        <a:scrgbClr r="0" g="0" b="0"/>
-      </a:effectRef>
-      <a:fontRef idx="minor">
-        <a:schemeClr val="lt1"/>
-      </a:fontRef>
-    </dgm:style>
-  </dgm:styleLbl>
-  <dgm:styleLbl name="parChTrans2D3">
-    <dgm:scene3d>
-      <a:camera prst="orthographicFront"/>
-      <a:lightRig rig="threePt" dir="t"/>
-    </dgm:scene3d>
-    <dgm:sp3d/>
-    <dgm:txPr/>
-    <dgm:style>
-      <a:lnRef idx="1">
-        <a:scrgbClr r="0" g="0" b="0"/>
-      </a:lnRef>
-      <a:fillRef idx="3">
-        <a:scrgbClr r="0" g="0" b="0"/>
-      </a:fillRef>
-      <a:effectRef idx="2">
-        <a:scrgbClr r="0" g="0" b="0"/>
-      </a:effectRef>
-      <a:fontRef idx="minor">
-        <a:schemeClr val="lt1"/>
-      </a:fontRef>
-    </dgm:style>
-  </dgm:styleLbl>
-  <dgm:styleLbl name="parChTrans2D4">
-    <dgm:scene3d>
-      <a:camera prst="orthographicFront"/>
-      <a:lightRig rig="threePt" dir="t"/>
-    </dgm:scene3d>
-    <dgm:sp3d/>
-    <dgm:txPr/>
-    <dgm:style>
-      <a:lnRef idx="1">
-        <a:scrgbClr r="0" g="0" b="0"/>
-      </a:lnRef>
-      <a:fillRef idx="3">
-        <a:scrgbClr r="0" g="0" b="0"/>
-      </a:fillRef>
-      <a:effectRef idx="2">
-        <a:scrgbClr r="0" g="0" b="0"/>
-      </a:effectRef>
-      <a:fontRef idx="minor">
-        <a:schemeClr val="lt1"/>
-      </a:fontRef>
-    </dgm:style>
-  </dgm:styleLbl>
-  <dgm:styleLbl name="parChTrans1D1">
-    <dgm:scene3d>
-      <a:camera prst="orthographicFront"/>
-      <a:lightRig rig="threePt" dir="t"/>
-    </dgm:scene3d>
-    <dgm:sp3d/>
-    <dgm:txPr/>
-    <dgm:style>
-      <a:lnRef idx="1">
-        <a:scrgbClr r="0" g="0" b="0"/>
-      </a:lnRef>
-      <a:fillRef idx="0">
-        <a:scrgbClr r="0" g="0" b="0"/>
-      </a:fillRef>
-      <a:effectRef idx="0">
-        <a:scrgbClr r="0" g="0" b="0"/>
-      </a:effectRef>
-      <a:fontRef idx="minor"/>
-    </dgm:style>
-  </dgm:styleLbl>
-  <dgm:styleLbl name="parChTrans1D2">
-    <dgm:scene3d>
-      <a:camera prst="orthographicFront"/>
-      <a:lightRig rig="threePt" dir="t"/>
-    </dgm:scene3d>
-    <dgm:sp3d/>
-    <dgm:txPr/>
-    <dgm:style>
-      <a:lnRef idx="1">
-        <a:scrgbClr r="0" g="0" b="0"/>
-      </a:lnRef>
-      <a:fillRef idx="0">
-        <a:scrgbClr r="0" g="0" b="0"/>
-      </a:fillRef>
-      <a:effectRef idx="0">
-        <a:scrgbClr r="0" g="0" b="0"/>
-      </a:effectRef>
-      <a:fontRef idx="minor"/>
-    </dgm:style>
-  </dgm:styleLbl>
-  <dgm:styleLbl name="parChTrans1D3">
-    <dgm:scene3d>
-      <a:camera prst="orthographicFront"/>
-      <a:lightRig rig="threePt" dir="t"/>
-    </dgm:scene3d>
-    <dgm:sp3d/>
-    <dgm:txPr/>
-    <dgm:style>
-      <a:lnRef idx="1">
-        <a:scrgbClr r="0" g="0" b="0"/>
-      </a:lnRef>
-      <a:fillRef idx="0">
-        <a:scrgbClr r="0" g="0" b="0"/>
-      </a:fillRef>
-      <a:effectRef idx="0">
-        <a:scrgbClr r="0" g="0" b="0"/>
-      </a:effectRef>
-      <a:fontRef idx="minor"/>
-    </dgm:style>
-  </dgm:styleLbl>
-  <dgm:styleLbl name="parChTrans1D4">
-    <dgm:scene3d>
-      <a:camera prst="orthographicFront"/>
-      <a:lightRig rig="threePt" dir="t"/>
-    </dgm:scene3d>
-    <dgm:sp3d/>
-    <dgm:txPr/>
-    <dgm:style>
-      <a:lnRef idx="1">
-        <a:scrgbClr r="0" g="0" b="0"/>
-      </a:lnRef>
-      <a:fillRef idx="0">
-        <a:scrgbClr r="0" g="0" b="0"/>
-      </a:fillRef>
-      <a:effectRef idx="0">
-        <a:scrgbClr r="0" g="0" b="0"/>
-      </a:effectRef>
-      <a:fontRef idx="minor"/>
-    </dgm:style>
-  </dgm:styleLbl>
-  <dgm:styleLbl name="fgAcc1">
-    <dgm:scene3d>
-      <a:camera prst="orthographicFront"/>
-      <a:lightRig rig="threePt" dir="t"/>
-    </dgm:scene3d>
-    <dgm:sp3d/>
-    <dgm:txPr/>
-    <dgm:style>
-      <a:lnRef idx="1">
-        <a:scrgbClr r="0" g="0" b="0"/>
-      </a:lnRef>
-      <a:fillRef idx="1">
-        <a:scrgbClr r="0" g="0" b="0"/>
-      </a:fillRef>
-      <a:effectRef idx="0">
-        <a:scrgbClr r="0" g="0" b="0"/>
-      </a:effectRef>
-      <a:fontRef idx="minor"/>
-    </dgm:style>
-  </dgm:styleLbl>
-  <dgm:styleLbl name="conFgAcc1">
-    <dgm:scene3d>
-      <a:camera prst="orthographicFront"/>
-      <a:lightRig rig="threePt" dir="t"/>
-    </dgm:scene3d>
-    <dgm:sp3d/>
-    <dgm:txPr/>
-    <dgm:style>
-      <a:lnRef idx="1">
-        <a:scrgbClr r="0" g="0" b="0"/>
-      </a:lnRef>
-      <a:fillRef idx="1">
-        <a:scrgbClr r="0" g="0" b="0"/>
-      </a:fillRef>
-      <a:effectRef idx="0">
-        <a:scrgbClr r="0" g="0" b="0"/>
-      </a:effectRef>
-      <a:fontRef idx="minor"/>
-    </dgm:style>
-  </dgm:styleLbl>
-  <dgm:styleLbl name="alignAcc1">
-    <dgm:scene3d>
-      <a:camera prst="orthographicFront"/>
-      <a:lightRig rig="threePt" dir="t"/>
-    </dgm:scene3d>
-    <dgm:sp3d/>
-    <dgm:txPr/>
-    <dgm:style>
-      <a:lnRef idx="1">
-        <a:scrgbClr r="0" g="0" b="0"/>
-      </a:lnRef>
-      <a:fillRef idx="1">
-        <a:scrgbClr r="0" g="0" b="0"/>
-      </a:fillRef>
-      <a:effectRef idx="0">
-        <a:scrgbClr r="0" g="0" b="0"/>
-      </a:effectRef>
-      <a:fontRef idx="minor"/>
-    </dgm:style>
-  </dgm:styleLbl>
-  <dgm:styleLbl name="trAlignAcc1">
-    <dgm:scene3d>
-      <a:camera prst="orthographicFront"/>
-      <a:lightRig rig="threePt" dir="t"/>
-    </dgm:scene3d>
-    <dgm:sp3d/>
-    <dgm:txPr/>
-    <dgm:style>
-      <a:lnRef idx="1">
-        <a:scrgbClr r="0" g="0" b="0"/>
-      </a:lnRef>
-      <a:fillRef idx="1">
-        <a:scrgbClr r="0" g="0" b="0"/>
-      </a:fillRef>
-      <a:effectRef idx="0">
-        <a:scrgbClr r="0" g="0" b="0"/>
-      </a:effectRef>
-      <a:fontRef idx="minor"/>
-    </dgm:style>
-  </dgm:styleLbl>
-  <dgm:styleLbl name="bgAcc1">
-    <dgm:scene3d>
-      <a:camera prst="orthographicFront"/>
-      <a:lightRig rig="threePt" dir="t"/>
-    </dgm:scene3d>
-    <dgm:sp3d/>
-    <dgm:txPr/>
-    <dgm:style>
-      <a:lnRef idx="1">
-        <a:scrgbClr r="0" g="0" b="0"/>
-      </a:lnRef>
-      <a:fillRef idx="1">
-        <a:scrgbClr r="0" g="0" b="0"/>
-      </a:fillRef>
-      <a:effectRef idx="0">
-        <a:scrgbClr r="0" g="0" b="0"/>
-      </a:effectRef>
-      <a:fontRef idx="minor"/>
-    </dgm:style>
-  </dgm:styleLbl>
-  <dgm:styleLbl name="solidFgAcc1">
-    <dgm:scene3d>
-      <a:camera prst="orthographicFront"/>
-      <a:lightRig rig="threePt" dir="t"/>
-    </dgm:scene3d>
-    <dgm:sp3d/>
-    <dgm:txPr/>
-    <dgm:style>
-      <a:lnRef idx="1">
-        <a:scrgbClr r="0" g="0" b="0"/>
-      </a:lnRef>
-      <a:fillRef idx="1">
-        <a:scrgbClr r="0" g="0" b="0"/>
-      </a:fillRef>
-      <a:effectRef idx="0">
-        <a:scrgbClr r="0" g="0" b="0"/>
-      </a:effectRef>
-      <a:fontRef idx="minor"/>
-    </dgm:style>
-  </dgm:styleLbl>
-  <dgm:styleLbl name="solidAlignAcc1">
-    <dgm:scene3d>
-      <a:camera prst="orthographicFront"/>
-      <a:lightRig rig="threePt" dir="t"/>
-    </dgm:scene3d>
-    <dgm:sp3d/>
-    <dgm:txPr/>
-    <dgm:style>
-      <a:lnRef idx="1">
-        <a:scrgbClr r="0" g="0" b="0"/>
-      </a:lnRef>
-      <a:fillRef idx="1">
-        <a:scrgbClr r="0" g="0" b="0"/>
-      </a:fillRef>
-      <a:effectRef idx="0">
-        <a:scrgbClr r="0" g="0" b="0"/>
-      </a:effectRef>
-      <a:fontRef idx="minor"/>
-    </dgm:style>
-  </dgm:styleLbl>
-  <dgm:styleLbl name="solidBgAcc1">
-    <dgm:scene3d>
-      <a:camera prst="orthographicFront"/>
-      <a:lightRig rig="threePt" dir="t"/>
-    </dgm:scene3d>
-    <dgm:sp3d/>
-    <dgm:txPr/>
-    <dgm:style>
-      <a:lnRef idx="1">
-        <a:scrgbClr r="0" g="0" b="0"/>
-      </a:lnRef>
-      <a:fillRef idx="1">
-        <a:scrgbClr r="0" g="0" b="0"/>
-      </a:fillRef>
-      <a:effectRef idx="0">
-        <a:scrgbClr r="0" g="0" b="0"/>
-      </a:effectRef>
-      <a:fontRef idx="minor"/>
-    </dgm:style>
-  </dgm:styleLbl>
-  <dgm:styleLbl name="fgAccFollowNode1">
-    <dgm:scene3d>
-      <a:camera prst="orthographicFront"/>
-      <a:lightRig rig="threePt" dir="t"/>
-    </dgm:scene3d>
-    <dgm:sp3d/>
-    <dgm:txPr/>
-    <dgm:style>
-      <a:lnRef idx="1">
-        <a:scrgbClr r="0" g="0" b="0"/>
-      </a:lnRef>
-      <a:fillRef idx="1">
-        <a:scrgbClr r="0" g="0" b="0"/>
-      </a:fillRef>
-      <a:effectRef idx="0">
-        <a:scrgbClr r="0" g="0" b="0"/>
-      </a:effectRef>
-      <a:fontRef idx="minor"/>
-    </dgm:style>
-  </dgm:styleLbl>
-  <dgm:styleLbl name="alignAccFollowNode1">
-    <dgm:scene3d>
-      <a:camera prst="orthographicFront"/>
-      <a:lightRig rig="threePt" dir="t"/>
-    </dgm:scene3d>
-    <dgm:sp3d/>
-    <dgm:txPr/>
-    <dgm:style>
-      <a:lnRef idx="1">
-        <a:scrgbClr r="0" g="0" b="0"/>
-      </a:lnRef>
-      <a:fillRef idx="1">
-        <a:scrgbClr r="0" g="0" b="0"/>
-      </a:fillRef>
-      <a:effectRef idx="0">
-        <a:scrgbClr r="0" g="0" b="0"/>
-      </a:effectRef>
-      <a:fontRef idx="minor"/>
-    </dgm:style>
-  </dgm:styleLbl>
-  <dgm:styleLbl name="bgAccFollowNode1">
-    <dgm:scene3d>
-      <a:camera prst="orthographicFront"/>
-      <a:lightRig rig="threePt" dir="t"/>
-    </dgm:scene3d>
-    <dgm:sp3d/>
-    <dgm:txPr/>
-    <dgm:style>
-      <a:lnRef idx="1">
-        <a:scrgbClr r="0" g="0" b="0"/>
-      </a:lnRef>
-      <a:fillRef idx="1">
-        <a:scrgbClr r="0" g="0" b="0"/>
-      </a:fillRef>
-      <a:effectRef idx="0">
-        <a:scrgbClr r="0" g="0" b="0"/>
-      </a:effectRef>
-      <a:fontRef idx="minor"/>
-    </dgm:style>
-  </dgm:styleLbl>
-  <dgm:styleLbl name="fgAcc0">
-    <dgm:scene3d>
-      <a:camera prst="orthographicFront"/>
-      <a:lightRig rig="threePt" dir="t"/>
-    </dgm:scene3d>
-    <dgm:sp3d/>
-    <dgm:txPr/>
-    <dgm:style>
-      <a:lnRef idx="1">
-        <a:scrgbClr r="0" g="0" b="0"/>
-      </a:lnRef>
-      <a:fillRef idx="1">
-        <a:scrgbClr r="0" g="0" b="0"/>
-      </a:fillRef>
-      <a:effectRef idx="0">
-        <a:scrgbClr r="0" g="0" b="0"/>
-      </a:effectRef>
-      <a:fontRef idx="minor"/>
-    </dgm:style>
-  </dgm:styleLbl>
-  <dgm:styleLbl name="fgAcc2">
-    <dgm:scene3d>
-      <a:camera prst="orthographicFront"/>
-      <a:lightRig rig="threePt" dir="t"/>
-    </dgm:scene3d>
-    <dgm:sp3d/>
-    <dgm:txPr/>
-    <dgm:style>
-      <a:lnRef idx="1">
-        <a:scrgbClr r="0" g="0" b="0"/>
-      </a:lnRef>
-      <a:fillRef idx="1">
-        <a:scrgbClr r="0" g="0" b="0"/>
-      </a:fillRef>
-      <a:effectRef idx="0">
-        <a:scrgbClr r="0" g="0" b="0"/>
-      </a:effectRef>
-      <a:fontRef idx="minor"/>
-    </dgm:style>
-  </dgm:styleLbl>
-  <dgm:styleLbl name="fgAcc3">
-    <dgm:scene3d>
-      <a:camera prst="orthographicFront"/>
-      <a:lightRig rig="threePt" dir="t"/>
-    </dgm:scene3d>
-    <dgm:sp3d/>
-    <dgm:txPr/>
-    <dgm:style>
-      <a:lnRef idx="1">
-        <a:scrgbClr r="0" g="0" b="0"/>
-      </a:lnRef>
-      <a:fillRef idx="1">
-        <a:scrgbClr r="0" g="0" b="0"/>
-      </a:fillRef>
-      <a:effectRef idx="0">
-        <a:scrgbClr r="0" g="0" b="0"/>
-      </a:effectRef>
-      <a:fontRef idx="minor"/>
-    </dgm:style>
-  </dgm:styleLbl>
-  <dgm:styleLbl name="fgAcc4">
-    <dgm:scene3d>
-      <a:camera prst="orthographicFront"/>
-      <a:lightRig rig="threePt" dir="t"/>
-    </dgm:scene3d>
-    <dgm:sp3d/>
-    <dgm:txPr/>
-    <dgm:style>
-      <a:lnRef idx="1">
-        <a:scrgbClr r="0" g="0" b="0"/>
-      </a:lnRef>
-      <a:fillRef idx="1">
-        <a:scrgbClr r="0" g="0" b="0"/>
-      </a:fillRef>
-      <a:effectRef idx="0">
-        <a:scrgbClr r="0" g="0" b="0"/>
-      </a:effectRef>
-      <a:fontRef idx="minor"/>
-    </dgm:style>
-  </dgm:styleLbl>
-  <dgm:styleLbl name="bgShp">
-    <dgm:scene3d>
-      <a:camera prst="orthographicFront"/>
-      <a:lightRig rig="threePt" dir="t"/>
-    </dgm:scene3d>
-    <dgm:sp3d/>
-    <dgm:txPr/>
-    <dgm:style>
-      <a:lnRef idx="0">
-        <a:scrgbClr r="0" g="0" b="0"/>
-      </a:lnRef>
-      <a:fillRef idx="1">
-        <a:scrgbClr r="0" g="0" b="0"/>
-      </a:fillRef>
-      <a:effectRef idx="2">
-        <a:scrgbClr r="0" g="0" b="0"/>
-      </a:effectRef>
-      <a:fontRef idx="minor"/>
-    </dgm:style>
-  </dgm:styleLbl>
-  <dgm:styleLbl name="dkBgShp">
-    <dgm:scene3d>
-      <a:camera prst="orthographicFront"/>
-      <a:lightRig rig="threePt" dir="t"/>
-    </dgm:scene3d>
-    <dgm:sp3d/>
-    <dgm:txPr/>
-    <dgm:style>
-      <a:lnRef idx="0">
-        <a:scrgbClr r="0" g="0" b="0"/>
-      </a:lnRef>
-      <a:fillRef idx="1">
-        <a:scrgbClr r="0" g="0" b="0"/>
-      </a:fillRef>
-      <a:effectRef idx="2">
-        <a:scrgbClr r="0" g="0" b="0"/>
-      </a:effectRef>
-      <a:fontRef idx="minor"/>
-    </dgm:style>
-  </dgm:styleLbl>
-  <dgm:styleLbl name="trBgShp">
-    <dgm:scene3d>
-      <a:camera prst="orthographicFront"/>
-      <a:lightRig rig="threePt" dir="t"/>
-    </dgm:scene3d>
-    <dgm:sp3d/>
-    <dgm:txPr/>
-    <dgm:style>
-      <a:lnRef idx="0">
-        <a:scrgbClr r="0" g="0" b="0"/>
-      </a:lnRef>
-      <a:fillRef idx="1">
-        <a:scrgbClr r="0" g="0" b="0"/>
-      </a:fillRef>
-      <a:effectRef idx="0">
-        <a:scrgbClr r="0" g="0" b="0"/>
-      </a:effectRef>
-      <a:fontRef idx="minor"/>
-    </dgm:style>
-  </dgm:styleLbl>
-  <dgm:styleLbl name="fgShp">
-    <dgm:scene3d>
-      <a:camera prst="orthographicFront"/>
-      <a:lightRig rig="threePt" dir="t"/>
-    </dgm:scene3d>
-    <dgm:sp3d/>
-    <dgm:txPr/>
-    <dgm:style>
-      <a:lnRef idx="0">
-        <a:scrgbClr r="0" g="0" b="0"/>
-      </a:lnRef>
-      <a:fillRef idx="3">
-        <a:scrgbClr r="0" g="0" b="0"/>
-      </a:fillRef>
-      <a:effectRef idx="2">
-        <a:scrgbClr r="0" g="0" b="0"/>
-      </a:effectRef>
-      <a:fontRef idx="minor"/>
-    </dgm:style>
-  </dgm:styleLbl>
-  <dgm:styleLbl name="revTx">
-    <dgm:scene3d>
-      <a:camera prst="orthographicFront"/>
-      <a:lightRig rig="threePt" dir="t"/>
-    </dgm:scene3d>
-    <dgm:sp3d/>
-    <dgm:txPr/>
-    <dgm:style>
-      <a:lnRef idx="0">
-        <a:scrgbClr r="0" g="0" b="0"/>
-      </a:lnRef>
-      <a:fillRef idx="0">
-        <a:scrgbClr r="0" g="0" b="0"/>
-      </a:fillRef>
-      <a:effectRef idx="0">
-        <a:scrgbClr r="0" g="0" b="0"/>
-      </a:effectRef>
-      <a:fontRef idx="minor"/>
-    </dgm:style>
-  </dgm:styleLbl>
-</dgm:styleDef>
-</file>
-
 <file path=ppt/handoutMasters/handoutMaster1.xml><?xml version="1.0" encoding="utf-8"?>
 <p:handoutMaster xmlns:a="http://schemas.openxmlformats.org/drawingml/2006/main" xmlns:r="http://schemas.openxmlformats.org/officeDocument/2006/relationships" xmlns:p="http://schemas.openxmlformats.org/presentationml/2006/main">
   <p:cSld>
@@ -5603,92 +665,6 @@
     </a:lvl9pPr>
   </p:notesStyle>
 </p:notesMaster>
-</file>
-
-<file path=ppt/notesSlides/notesSlide1.xml><?xml version="1.0" encoding="utf-8"?>
-<p:notes xmlns:a="http://schemas.openxmlformats.org/drawingml/2006/main" xmlns:r="http://schemas.openxmlformats.org/officeDocument/2006/relationships" xmlns:p="http://schemas.openxmlformats.org/presentationml/2006/main">
-  <p:cSld>
-    <p:spTree>
-      <p:nvGrpSpPr>
-        <p:cNvPr id="1" name=""/>
-        <p:cNvGrpSpPr/>
-        <p:nvPr/>
-      </p:nvGrpSpPr>
-      <p:grpSpPr>
-        <a:xfrm>
-          <a:off x="0" y="0"/>
-          <a:ext cx="0" cy="0"/>
-          <a:chOff x="0" y="0"/>
-          <a:chExt cx="0" cy="0"/>
-        </a:xfrm>
-      </p:grpSpPr>
-      <p:sp>
-        <p:nvSpPr>
-          <p:cNvPr id="2" name="Marcador de Posição da Imagem do Diapositivo 1"/>
-          <p:cNvSpPr>
-            <a:spLocks noGrp="1" noRot="1" noChangeAspect="1"/>
-          </p:cNvSpPr>
-          <p:nvPr>
-            <p:ph type="sldImg"/>
-          </p:nvPr>
-        </p:nvSpPr>
-        <p:spPr/>
-      </p:sp>
-      <p:sp>
-        <p:nvSpPr>
-          <p:cNvPr id="3" name="Marcador de Posição de Notas 2"/>
-          <p:cNvSpPr>
-            <a:spLocks noGrp="1"/>
-          </p:cNvSpPr>
-          <p:nvPr>
-            <p:ph type="body" idx="1"/>
-          </p:nvPr>
-        </p:nvSpPr>
-        <p:spPr/>
-        <p:txBody>
-          <a:bodyPr rtlCol="0"/>
-          <a:lstStyle/>
-          <a:p>
-            <a:pPr rtl="0"/>
-            <a:endParaRPr lang="en-US" dirty="0"/>
-          </a:p>
-        </p:txBody>
-      </p:sp>
-      <p:sp>
-        <p:nvSpPr>
-          <p:cNvPr id="4" name="Marcador de Posição do Número do Diapositivo 3"/>
-          <p:cNvSpPr>
-            <a:spLocks noGrp="1"/>
-          </p:cNvSpPr>
-          <p:nvPr>
-            <p:ph type="sldNum" sz="quarter" idx="10"/>
-          </p:nvPr>
-        </p:nvSpPr>
-        <p:spPr/>
-        <p:txBody>
-          <a:bodyPr rtlCol="0"/>
-          <a:lstStyle/>
-          <a:p>
-            <a:pPr rtl="0"/>
-            <a:fld id="{3EBA5BD7-F043-4D1B-AA17-CD412FC534DE}" type="slidenum">
-              <a:rPr lang="en-US" smtClean="0"/>
-              <a:t>6</a:t>
-            </a:fld>
-            <a:endParaRPr lang="en-US"/>
-          </a:p>
-        </p:txBody>
-      </p:sp>
-    </p:spTree>
-    <p:extLst>
-      <p:ext uri="{BB962C8B-B14F-4D97-AF65-F5344CB8AC3E}">
-        <p14:creationId xmlns:p14="http://schemas.microsoft.com/office/powerpoint/2010/main" val="4117229062"/>
-      </p:ext>
-    </p:extLst>
-  </p:cSld>
-  <p:clrMapOvr>
-    <a:masterClrMapping/>
-  </p:clrMapOvr>
-</p:notes>
 </file>
 
 <file path=ppt/slideLayouts/slideLayout1.xml><?xml version="1.0" encoding="utf-8"?>
@@ -10210,326 +5186,6 @@
       </p:grpSpPr>
       <p:sp>
         <p:nvSpPr>
-          <p:cNvPr id="2" name="Título 1"/>
-          <p:cNvSpPr>
-            <a:spLocks noGrp="1"/>
-          </p:cNvSpPr>
-          <p:nvPr>
-            <p:ph type="ctrTitle"/>
-          </p:nvPr>
-        </p:nvSpPr>
-        <p:spPr>
-          <a:xfrm>
-            <a:off x="837828" y="2564904"/>
-            <a:ext cx="7056784" cy="1224136"/>
-          </a:xfrm>
-        </p:spPr>
-        <p:txBody>
-          <a:bodyPr rtlCol="0">
-            <a:normAutofit/>
-          </a:bodyPr>
-          <a:lstStyle/>
-          <a:p>
-            <a:pPr rtl="0"/>
-            <a:r>
-              <a:rPr lang="pt-pt" dirty="0" smtClean="0"/>
-              <a:t>Plano de Negócios da:</a:t>
-            </a:r>
-            <a:endParaRPr lang="pt-pt" dirty="0"/>
-          </a:p>
-        </p:txBody>
-      </p:sp>
-      <p:pic>
-        <p:nvPicPr>
-          <p:cNvPr id="4" name="Imagem 3"/>
-          <p:cNvPicPr>
-            <a:picLocks noChangeAspect="1"/>
-          </p:cNvPicPr>
-          <p:nvPr/>
-        </p:nvPicPr>
-        <p:blipFill>
-          <a:blip r:embed="rId2">
-            <a:extLst>
-              <a:ext uri="{28A0092B-C50C-407E-A947-70E740481C1C}">
-                <a14:useLocalDpi xmlns:a14="http://schemas.microsoft.com/office/drawing/2010/main" val="0"/>
-              </a:ext>
-            </a:extLst>
-          </a:blip>
-          <a:stretch>
-            <a:fillRect/>
-          </a:stretch>
-        </p:blipFill>
-        <p:spPr>
-          <a:xfrm>
-            <a:off x="7887828" y="1412776"/>
-            <a:ext cx="3476625" cy="3152775"/>
-          </a:xfrm>
-          <a:prstGeom prst="rect">
-            <a:avLst/>
-          </a:prstGeom>
-        </p:spPr>
-      </p:pic>
-    </p:spTree>
-    <p:extLst>
-      <p:ext uri="{BB962C8B-B14F-4D97-AF65-F5344CB8AC3E}">
-        <p14:creationId xmlns:p14="http://schemas.microsoft.com/office/powerpoint/2010/main" val="1332291891"/>
-      </p:ext>
-    </p:extLst>
-  </p:cSld>
-  <p:clrMapOvr>
-    <a:masterClrMapping/>
-  </p:clrMapOvr>
-  <mc:AlternateContent xmlns:mc="http://schemas.openxmlformats.org/markup-compatibility/2006" xmlns:p14="http://schemas.microsoft.com/office/powerpoint/2010/main">
-    <mc:Choice Requires="p14">
-      <p:transition spd="med" p14:dur="700">
-        <p:fade/>
-      </p:transition>
-    </mc:Choice>
-    <mc:Fallback xmlns="">
-      <p:transition spd="med">
-        <p:fade/>
-      </p:transition>
-    </mc:Fallback>
-  </mc:AlternateContent>
-  <p:timing>
-    <p:tnLst>
-      <p:par>
-        <p:cTn id="1" dur="indefinite" restart="never" nodeType="tmRoot"/>
-      </p:par>
-    </p:tnLst>
-  </p:timing>
-</p:sld>
-</file>
-
-<file path=ppt/slides/slide10.xml><?xml version="1.0" encoding="utf-8"?>
-<p:sld xmlns:a="http://schemas.openxmlformats.org/drawingml/2006/main" xmlns:r="http://schemas.openxmlformats.org/officeDocument/2006/relationships" xmlns:p="http://schemas.openxmlformats.org/presentationml/2006/main">
-  <p:cSld>
-    <p:spTree>
-      <p:nvGrpSpPr>
-        <p:cNvPr id="1" name=""/>
-        <p:cNvGrpSpPr/>
-        <p:nvPr/>
-      </p:nvGrpSpPr>
-      <p:grpSpPr>
-        <a:xfrm>
-          <a:off x="0" y="0"/>
-          <a:ext cx="0" cy="0"/>
-          <a:chOff x="0" y="0"/>
-          <a:chExt cx="0" cy="0"/>
-        </a:xfrm>
-      </p:grpSpPr>
-      <p:sp>
-        <p:nvSpPr>
-          <p:cNvPr id="2" name="Título 1"/>
-          <p:cNvSpPr>
-            <a:spLocks noGrp="1"/>
-          </p:cNvSpPr>
-          <p:nvPr>
-            <p:ph type="title"/>
-          </p:nvPr>
-        </p:nvSpPr>
-        <p:spPr/>
-        <p:txBody>
-          <a:bodyPr rtlCol="0"/>
-          <a:lstStyle/>
-          <a:p>
-            <a:pPr rtl="0"/>
-            <a:r>
-              <a:rPr lang="pt-PT" dirty="0"/>
-              <a:t>Adicionar um Título ao Diapositivo</a:t>
-            </a:r>
-            <a:r>
-              <a:rPr lang="pt-pt" dirty="0"/>
-              <a:t> – 4</a:t>
-            </a:r>
-          </a:p>
-        </p:txBody>
-      </p:sp>
-      <p:sp>
-        <p:nvSpPr>
-          <p:cNvPr id="4" name="Marcador de Posição do Texto 3"/>
-          <p:cNvSpPr>
-            <a:spLocks noGrp="1"/>
-          </p:cNvSpPr>
-          <p:nvPr>
-            <p:ph type="body" sz="half" idx="2"/>
-          </p:nvPr>
-        </p:nvSpPr>
-        <p:spPr/>
-        <p:txBody>
-          <a:bodyPr rtlCol="0"/>
-          <a:lstStyle/>
-          <a:p>
-            <a:pPr rtl="0"/>
-            <a:endParaRPr lang="en-US" dirty="0"/>
-          </a:p>
-        </p:txBody>
-      </p:sp>
-      <p:sp>
-        <p:nvSpPr>
-          <p:cNvPr id="3" name="Marcador de Posição de Conteúdo 2"/>
-          <p:cNvSpPr>
-            <a:spLocks noGrp="1"/>
-          </p:cNvSpPr>
-          <p:nvPr>
-            <p:ph idx="1"/>
-          </p:nvPr>
-        </p:nvSpPr>
-        <p:spPr/>
-        <p:txBody>
-          <a:bodyPr rtlCol="0"/>
-          <a:lstStyle/>
-          <a:p>
-            <a:pPr rtl="0"/>
-            <a:endParaRPr lang="en-US" dirty="0"/>
-          </a:p>
-        </p:txBody>
-      </p:sp>
-    </p:spTree>
-    <p:extLst>
-      <p:ext uri="{BB962C8B-B14F-4D97-AF65-F5344CB8AC3E}">
-        <p14:creationId xmlns:p14="http://schemas.microsoft.com/office/powerpoint/2010/main" val="2319046984"/>
-      </p:ext>
-    </p:extLst>
-  </p:cSld>
-  <p:clrMapOvr>
-    <a:masterClrMapping/>
-  </p:clrMapOvr>
-  <mc:AlternateContent xmlns:mc="http://schemas.openxmlformats.org/markup-compatibility/2006" xmlns:p14="http://schemas.microsoft.com/office/powerpoint/2010/main">
-    <mc:Choice Requires="p14">
-      <p:transition spd="med" p14:dur="700">
-        <p:fade/>
-      </p:transition>
-    </mc:Choice>
-    <mc:Fallback xmlns="">
-      <p:transition spd="med">
-        <p:fade/>
-      </p:transition>
-    </mc:Fallback>
-  </mc:AlternateContent>
-</p:sld>
-</file>
-
-<file path=ppt/slides/slide11.xml><?xml version="1.0" encoding="utf-8"?>
-<p:sld xmlns:a="http://schemas.openxmlformats.org/drawingml/2006/main" xmlns:r="http://schemas.openxmlformats.org/officeDocument/2006/relationships" xmlns:p="http://schemas.openxmlformats.org/presentationml/2006/main">
-  <p:cSld>
-    <p:spTree>
-      <p:nvGrpSpPr>
-        <p:cNvPr id="1" name=""/>
-        <p:cNvGrpSpPr/>
-        <p:nvPr/>
-      </p:nvGrpSpPr>
-      <p:grpSpPr>
-        <a:xfrm>
-          <a:off x="0" y="0"/>
-          <a:ext cx="0" cy="0"/>
-          <a:chOff x="0" y="0"/>
-          <a:chExt cx="0" cy="0"/>
-        </a:xfrm>
-      </p:grpSpPr>
-      <p:sp>
-        <p:nvSpPr>
-          <p:cNvPr id="3" name="Título 2"/>
-          <p:cNvSpPr>
-            <a:spLocks noGrp="1"/>
-          </p:cNvSpPr>
-          <p:nvPr>
-            <p:ph type="title"/>
-          </p:nvPr>
-        </p:nvSpPr>
-        <p:spPr/>
-        <p:txBody>
-          <a:bodyPr rtlCol="0"/>
-          <a:lstStyle/>
-          <a:p>
-            <a:pPr rtl="0"/>
-            <a:r>
-              <a:rPr lang="pt-PT" dirty="0"/>
-              <a:t>Adicionar um Título ao Diapositivo</a:t>
-            </a:r>
-            <a:r>
-              <a:rPr lang="pt-pt" dirty="0"/>
-              <a:t> – 5</a:t>
-            </a:r>
-          </a:p>
-        </p:txBody>
-      </p:sp>
-      <p:sp>
-        <p:nvSpPr>
-          <p:cNvPr id="5" name="Marcador de Posição do Texto 4"/>
-          <p:cNvSpPr>
-            <a:spLocks noGrp="1"/>
-          </p:cNvSpPr>
-          <p:nvPr>
-            <p:ph type="body" sz="half" idx="2"/>
-          </p:nvPr>
-        </p:nvSpPr>
-        <p:spPr/>
-        <p:txBody>
-          <a:bodyPr rtlCol="0"/>
-          <a:lstStyle/>
-          <a:p>
-            <a:pPr rtl="0"/>
-            <a:endParaRPr lang="en-US" dirty="0"/>
-          </a:p>
-        </p:txBody>
-      </p:sp>
-      <p:sp>
-        <p:nvSpPr>
-          <p:cNvPr id="6" name="Marcador de Posição da Imagem 5" descr="Um marcador de posição vazio para adicionar uma imagem. Clique no marcador de posição e selecione a imagem que pretende adicionar."/>
-          <p:cNvSpPr>
-            <a:spLocks noGrp="1"/>
-          </p:cNvSpPr>
-          <p:nvPr>
-            <p:ph type="pic" idx="1"/>
-          </p:nvPr>
-        </p:nvSpPr>
-        <p:spPr/>
-      </p:sp>
-    </p:spTree>
-    <p:extLst>
-      <p:ext uri="{BB962C8B-B14F-4D97-AF65-F5344CB8AC3E}">
-        <p14:creationId xmlns:p14="http://schemas.microsoft.com/office/powerpoint/2010/main" val="3480339974"/>
-      </p:ext>
-    </p:extLst>
-  </p:cSld>
-  <p:clrMapOvr>
-    <a:masterClrMapping/>
-  </p:clrMapOvr>
-  <mc:AlternateContent xmlns:mc="http://schemas.openxmlformats.org/markup-compatibility/2006" xmlns:p14="http://schemas.microsoft.com/office/powerpoint/2010/main">
-    <mc:Choice Requires="p14">
-      <p:transition spd="med" p14:dur="700">
-        <p:fade/>
-      </p:transition>
-    </mc:Choice>
-    <mc:Fallback xmlns="">
-      <p:transition spd="med">
-        <p:fade/>
-      </p:transition>
-    </mc:Fallback>
-  </mc:AlternateContent>
-</p:sld>
-</file>
-
-<file path=ppt/slides/slide2.xml><?xml version="1.0" encoding="utf-8"?>
-<p:sld xmlns:a="http://schemas.openxmlformats.org/drawingml/2006/main" xmlns:r="http://schemas.openxmlformats.org/officeDocument/2006/relationships" xmlns:p="http://schemas.openxmlformats.org/presentationml/2006/main">
-  <p:cSld>
-    <p:spTree>
-      <p:nvGrpSpPr>
-        <p:cNvPr id="1" name=""/>
-        <p:cNvGrpSpPr/>
-        <p:nvPr/>
-      </p:nvGrpSpPr>
-      <p:grpSpPr>
-        <a:xfrm>
-          <a:off x="0" y="0"/>
-          <a:ext cx="0" cy="0"/>
-          <a:chOff x="0" y="0"/>
-          <a:chExt cx="0" cy="0"/>
-        </a:xfrm>
-      </p:grpSpPr>
-      <p:sp>
-        <p:nvSpPr>
           <p:cNvPr id="13" name="Título 12"/>
           <p:cNvSpPr>
             <a:spLocks noGrp="1"/>
@@ -11305,7 +5961,7 @@
 </p:sld>
 </file>
 
-<file path=ppt/slides/slide3.xml><?xml version="1.0" encoding="utf-8"?>
+<file path=ppt/slides/slide2.xml><?xml version="1.0" encoding="utf-8"?>
 <p:sld xmlns:a="http://schemas.openxmlformats.org/drawingml/2006/main" xmlns:r="http://schemas.openxmlformats.org/officeDocument/2006/relationships" xmlns:p="http://schemas.openxmlformats.org/presentationml/2006/main">
   <p:cSld>
     <p:spTree>
@@ -12223,7 +6879,7 @@
 </p:sld>
 </file>
 
-<file path=ppt/slides/slide4.xml><?xml version="1.0" encoding="utf-8"?>
+<file path=ppt/slides/slide3.xml><?xml version="1.0" encoding="utf-8"?>
 <p:sld xmlns:a="http://schemas.openxmlformats.org/drawingml/2006/main" xmlns:r="http://schemas.openxmlformats.org/officeDocument/2006/relationships" xmlns:p="http://schemas.openxmlformats.org/presentationml/2006/main">
   <p:cSld>
     <p:spTree>
@@ -12240,9 +6896,171 @@
           <a:chExt cx="0" cy="0"/>
         </a:xfrm>
       </p:grpSpPr>
+      <p:pic>
+        <p:nvPicPr>
+          <p:cNvPr id="5" name="Imagem 4"/>
+          <p:cNvPicPr>
+            <a:picLocks noChangeAspect="1"/>
+          </p:cNvPicPr>
+          <p:nvPr/>
+        </p:nvPicPr>
+        <p:blipFill>
+          <a:blip r:embed="rId2" cstate="print">
+            <a:extLst>
+              <a:ext uri="{28A0092B-C50C-407E-A947-70E740481C1C}">
+                <a14:useLocalDpi xmlns:a14="http://schemas.microsoft.com/office/drawing/2010/main" val="0"/>
+              </a:ext>
+            </a:extLst>
+          </a:blip>
+          <a:stretch>
+            <a:fillRect/>
+          </a:stretch>
+        </p:blipFill>
+        <p:spPr>
+          <a:xfrm>
+            <a:off x="909836" y="260648"/>
+            <a:ext cx="4444448" cy="2008593"/>
+          </a:xfrm>
+          <a:prstGeom prst="rect">
+            <a:avLst/>
+          </a:prstGeom>
+        </p:spPr>
+      </p:pic>
+      <p:pic>
+        <p:nvPicPr>
+          <p:cNvPr id="7" name="Imagem 6"/>
+          <p:cNvPicPr>
+            <a:picLocks noChangeAspect="1"/>
+          </p:cNvPicPr>
+          <p:nvPr/>
+        </p:nvPicPr>
+        <p:blipFill>
+          <a:blip r:embed="rId3"/>
+          <a:stretch>
+            <a:fillRect/>
+          </a:stretch>
+        </p:blipFill>
+        <p:spPr>
+          <a:xfrm>
+            <a:off x="867942" y="2636912"/>
+            <a:ext cx="4528235" cy="2180821"/>
+          </a:xfrm>
+          <a:prstGeom prst="rect">
+            <a:avLst/>
+          </a:prstGeom>
+        </p:spPr>
+      </p:pic>
+      <p:pic>
+        <p:nvPicPr>
+          <p:cNvPr id="8" name="Imagem 7"/>
+          <p:cNvPicPr>
+            <a:picLocks noChangeAspect="1"/>
+          </p:cNvPicPr>
+          <p:nvPr/>
+        </p:nvPicPr>
+        <p:blipFill>
+          <a:blip r:embed="rId4"/>
+          <a:stretch>
+            <a:fillRect/>
+          </a:stretch>
+        </p:blipFill>
+        <p:spPr>
+          <a:xfrm>
+            <a:off x="7246539" y="260647"/>
+            <a:ext cx="4467511" cy="2008593"/>
+          </a:xfrm>
+          <a:prstGeom prst="rect">
+            <a:avLst/>
+          </a:prstGeom>
+        </p:spPr>
+      </p:pic>
+      <p:pic>
+        <p:nvPicPr>
+          <p:cNvPr id="9" name="Imagem 8"/>
+          <p:cNvPicPr>
+            <a:picLocks noChangeAspect="1"/>
+          </p:cNvPicPr>
+          <p:nvPr/>
+        </p:nvPicPr>
+        <p:blipFill>
+          <a:blip r:embed="rId5"/>
+          <a:stretch>
+            <a:fillRect/>
+          </a:stretch>
+        </p:blipFill>
+        <p:spPr>
+          <a:xfrm>
+            <a:off x="7246539" y="2636912"/>
+            <a:ext cx="4467511" cy="2139426"/>
+          </a:xfrm>
+          <a:prstGeom prst="rect">
+            <a:avLst/>
+          </a:prstGeom>
+        </p:spPr>
+      </p:pic>
+      <p:pic>
+        <p:nvPicPr>
+          <p:cNvPr id="10" name="Imagem 9"/>
+          <p:cNvPicPr>
+            <a:picLocks noChangeAspect="1"/>
+          </p:cNvPicPr>
+          <p:nvPr/>
+        </p:nvPicPr>
+        <p:blipFill>
+          <a:blip r:embed="rId6" cstate="print">
+            <a:extLst>
+              <a:ext uri="{28A0092B-C50C-407E-A947-70E740481C1C}">
+                <a14:useLocalDpi xmlns:a14="http://schemas.microsoft.com/office/drawing/2010/main" val="0"/>
+              </a:ext>
+            </a:extLst>
+          </a:blip>
+          <a:stretch>
+            <a:fillRect/>
+          </a:stretch>
+        </p:blipFill>
+        <p:spPr>
+          <a:xfrm>
+            <a:off x="4006180" y="4925977"/>
+            <a:ext cx="4680520" cy="1904203"/>
+          </a:xfrm>
+          <a:prstGeom prst="rect">
+            <a:avLst/>
+          </a:prstGeom>
+        </p:spPr>
+      </p:pic>
+      <p:pic>
+        <p:nvPicPr>
+          <p:cNvPr id="11" name="Imagem 10"/>
+          <p:cNvPicPr>
+            <a:picLocks noChangeAspect="1"/>
+          </p:cNvPicPr>
+          <p:nvPr/>
+        </p:nvPicPr>
+        <p:blipFill>
+          <a:blip r:embed="rId7">
+            <a:extLst>
+              <a:ext uri="{28A0092B-C50C-407E-A947-70E740481C1C}">
+                <a14:useLocalDpi xmlns:a14="http://schemas.microsoft.com/office/drawing/2010/main" val="0"/>
+              </a:ext>
+            </a:extLst>
+          </a:blip>
+          <a:stretch>
+            <a:fillRect/>
+          </a:stretch>
+        </p:blipFill>
+        <p:spPr>
+          <a:xfrm>
+            <a:off x="117748" y="4894870"/>
+            <a:ext cx="2167362" cy="1965471"/>
+          </a:xfrm>
+          <a:prstGeom prst="rect">
+            <a:avLst/>
+          </a:prstGeom>
+        </p:spPr>
+      </p:pic>
       <p:sp>
         <p:nvSpPr>
-          <p:cNvPr id="7" name="Título 6"/>
+          <p:cNvPr id="12" name="Título 12"/>
           <p:cNvSpPr>
             <a:spLocks noGrp="1"/>
           </p:cNvSpPr>
@@ -12250,755 +7068,27 @@
             <p:ph type="title"/>
           </p:nvPr>
         </p:nvSpPr>
-        <p:spPr/>
+        <p:spPr>
+          <a:xfrm>
+            <a:off x="10198868" y="6212269"/>
+            <a:ext cx="1989957" cy="648072"/>
+          </a:xfrm>
+          <a:solidFill>
+            <a:srgbClr val="009999"/>
+          </a:solidFill>
+        </p:spPr>
         <p:txBody>
-          <a:bodyPr rtlCol="0"/>
+          <a:bodyPr rtlCol="0">
+            <a:normAutofit/>
+          </a:bodyPr>
           <a:lstStyle/>
           <a:p>
             <a:pPr rtl="0"/>
             <a:r>
-              <a:rPr lang="pt-pt"/>
-              <a:t>Esquema de Título e Objeto com Gráfico</a:t>
+              <a:rPr lang="pt-pt" dirty="0" err="1" smtClean="0"/>
+              <a:t>Mockups</a:t>
             </a:r>
-          </a:p>
-        </p:txBody>
-      </p:sp>
-      <p:graphicFrame>
-        <p:nvGraphicFramePr>
-          <p:cNvPr id="9" name="Marcador de Posição de Conteúdo 8" descr="Gráfico de colunas agrupadas a mostrar os valores de 3 séries de 4 categorias"/>
-          <p:cNvGraphicFramePr>
-            <a:graphicFrameLocks noGrp="1"/>
-          </p:cNvGraphicFramePr>
-          <p:nvPr>
-            <p:ph idx="1"/>
-            <p:extLst>
-              <p:ext uri="{D42A27DB-BD31-4B8C-83A1-F6EECF244321}">
-                <p14:modId xmlns:p14="http://schemas.microsoft.com/office/powerpoint/2010/main" val="2424724130"/>
-              </p:ext>
-            </p:extLst>
-          </p:nvPr>
-        </p:nvGraphicFramePr>
-        <p:xfrm>
-          <a:off x="1219200" y="1701800"/>
-          <a:ext cx="10360025" cy="4462463"/>
-        </p:xfrm>
-        <a:graphic>
-          <a:graphicData uri="http://schemas.openxmlformats.org/drawingml/2006/chart">
-            <c:chart xmlns:c="http://schemas.openxmlformats.org/drawingml/2006/chart" xmlns:r="http://schemas.openxmlformats.org/officeDocument/2006/relationships" r:id="rId2"/>
-          </a:graphicData>
-        </a:graphic>
-      </p:graphicFrame>
-    </p:spTree>
-    <p:extLst>
-      <p:ext uri="{BB962C8B-B14F-4D97-AF65-F5344CB8AC3E}">
-        <p14:creationId xmlns:p14="http://schemas.microsoft.com/office/powerpoint/2010/main" val="1484811712"/>
-      </p:ext>
-    </p:extLst>
-  </p:cSld>
-  <p:clrMapOvr>
-    <a:masterClrMapping/>
-  </p:clrMapOvr>
-  <mc:AlternateContent xmlns:mc="http://schemas.openxmlformats.org/markup-compatibility/2006" xmlns:p14="http://schemas.microsoft.com/office/powerpoint/2010/main">
-    <mc:Choice Requires="p14">
-      <p:transition spd="med" p14:dur="700">
-        <p:fade/>
-      </p:transition>
-    </mc:Choice>
-    <mc:Fallback xmlns="">
-      <p:transition spd="med">
-        <p:fade/>
-      </p:transition>
-    </mc:Fallback>
-  </mc:AlternateContent>
-  <p:timing>
-    <p:tnLst>
-      <p:par>
-        <p:cTn id="1" dur="indefinite" restart="never" nodeType="tmRoot"/>
-      </p:par>
-    </p:tnLst>
-  </p:timing>
-</p:sld>
-</file>
-
-<file path=ppt/slides/slide5.xml><?xml version="1.0" encoding="utf-8"?>
-<p:sld xmlns:a="http://schemas.openxmlformats.org/drawingml/2006/main" xmlns:r="http://schemas.openxmlformats.org/officeDocument/2006/relationships" xmlns:p="http://schemas.openxmlformats.org/presentationml/2006/main">
-  <p:cSld>
-    <p:spTree>
-      <p:nvGrpSpPr>
-        <p:cNvPr id="1" name=""/>
-        <p:cNvGrpSpPr/>
-        <p:nvPr/>
-      </p:nvGrpSpPr>
-      <p:grpSpPr>
-        <a:xfrm>
-          <a:off x="0" y="0"/>
-          <a:ext cx="0" cy="0"/>
-          <a:chOff x="0" y="0"/>
-          <a:chExt cx="0" cy="0"/>
-        </a:xfrm>
-      </p:grpSpPr>
-      <p:sp>
-        <p:nvSpPr>
-          <p:cNvPr id="2" name="Título 1"/>
-          <p:cNvSpPr>
-            <a:spLocks noGrp="1"/>
-          </p:cNvSpPr>
-          <p:nvPr>
-            <p:ph type="title"/>
-          </p:nvPr>
-        </p:nvSpPr>
-        <p:spPr/>
-        <p:txBody>
-          <a:bodyPr rtlCol="0"/>
-          <a:lstStyle/>
-          <a:p>
-            <a:pPr rtl="0"/>
-            <a:r>
-              <a:rPr lang="pt-pt"/>
-              <a:t>Esquema de Conteúdo Duplo com Tabela</a:t>
-            </a:r>
-          </a:p>
-        </p:txBody>
-      </p:sp>
-      <p:sp>
-        <p:nvSpPr>
-          <p:cNvPr id="3" name="Marcador de Posição de Conteúdo 2"/>
-          <p:cNvSpPr>
-            <a:spLocks noGrp="1"/>
-          </p:cNvSpPr>
-          <p:nvPr>
-            <p:ph sz="half" idx="1"/>
-          </p:nvPr>
-        </p:nvSpPr>
-        <p:spPr/>
-        <p:txBody>
-          <a:bodyPr rtlCol="0"/>
-          <a:lstStyle/>
-          <a:p>
-            <a:pPr rtl="0"/>
-            <a:r>
-              <a:rPr lang="pt-pt"/>
-              <a:t>Primeira marca aqui</a:t>
-            </a:r>
-          </a:p>
-          <a:p>
-            <a:pPr rtl="0"/>
-            <a:r>
-              <a:rPr lang="pt-pt"/>
-              <a:t>Segunda marca aqui</a:t>
-            </a:r>
-          </a:p>
-          <a:p>
-            <a:pPr rtl="0"/>
-            <a:r>
-              <a:rPr lang="pt-pt"/>
-              <a:t>Terceira marca aqui</a:t>
-            </a:r>
-          </a:p>
-        </p:txBody>
-      </p:sp>
-      <p:graphicFrame>
-        <p:nvGraphicFramePr>
-          <p:cNvPr id="5" name="Marcador de Posição de Conteúdo 4"/>
-          <p:cNvGraphicFramePr>
-            <a:graphicFrameLocks noGrp="1"/>
-          </p:cNvGraphicFramePr>
-          <p:nvPr>
-            <p:ph sz="half" idx="2"/>
-            <p:extLst>
-              <p:ext uri="{D42A27DB-BD31-4B8C-83A1-F6EECF244321}">
-                <p14:modId xmlns:p14="http://schemas.microsoft.com/office/powerpoint/2010/main" val="1580206012"/>
-              </p:ext>
-            </p:extLst>
-          </p:nvPr>
-        </p:nvGraphicFramePr>
-        <p:xfrm>
-          <a:off x="6500813" y="1706563"/>
-          <a:ext cx="5078412" cy="2255836"/>
-        </p:xfrm>
-        <a:graphic>
-          <a:graphicData uri="http://schemas.openxmlformats.org/drawingml/2006/table">
-            <a:tbl>
-              <a:tblPr firstRow="1" bandRow="1">
-                <a:tableStyleId>{5C22544A-7EE6-4342-B048-85BDC9FD1C3A}</a:tableStyleId>
-              </a:tblPr>
-              <a:tblGrid>
-                <a:gridCol w="1692804">
-                  <a:extLst>
-                    <a:ext uri="{9D8B030D-6E8A-4147-A177-3AD203B41FA5}">
-                      <a16:colId xmlns:a16="http://schemas.microsoft.com/office/drawing/2014/main" val="20000"/>
-                    </a:ext>
-                  </a:extLst>
-                </a:gridCol>
-                <a:gridCol w="1692804">
-                  <a:extLst>
-                    <a:ext uri="{9D8B030D-6E8A-4147-A177-3AD203B41FA5}">
-                      <a16:colId xmlns:a16="http://schemas.microsoft.com/office/drawing/2014/main" val="20001"/>
-                    </a:ext>
-                  </a:extLst>
-                </a:gridCol>
-                <a:gridCol w="1692804">
-                  <a:extLst>
-                    <a:ext uri="{9D8B030D-6E8A-4147-A177-3AD203B41FA5}">
-                      <a16:colId xmlns:a16="http://schemas.microsoft.com/office/drawing/2014/main" val="20002"/>
-                    </a:ext>
-                  </a:extLst>
-                </a:gridCol>
-              </a:tblGrid>
-              <a:tr h="563959">
-                <a:tc>
-                  <a:txBody>
-                    <a:bodyPr/>
-                    <a:lstStyle/>
-                    <a:p>
-                      <a:pPr rtl="0"/>
-                      <a:r>
-                        <a:rPr lang="pt-pt"/>
-                        <a:t>Classe</a:t>
-                      </a:r>
-                    </a:p>
-                  </a:txBody>
-                  <a:tcPr anchor="ctr">
-                    <a:solidFill>
-                      <a:srgbClr val="008282"/>
-                    </a:solidFill>
-                  </a:tcPr>
-                </a:tc>
-                <a:tc>
-                  <a:txBody>
-                    <a:bodyPr/>
-                    <a:lstStyle/>
-                    <a:p>
-                      <a:pPr algn="ctr" rtl="0"/>
-                      <a:r>
-                        <a:rPr lang="pt-pt"/>
-                        <a:t>Grupo 1</a:t>
-                      </a:r>
-                    </a:p>
-                  </a:txBody>
-                  <a:tcPr anchor="ctr">
-                    <a:solidFill>
-                      <a:srgbClr val="008282"/>
-                    </a:solidFill>
-                  </a:tcPr>
-                </a:tc>
-                <a:tc>
-                  <a:txBody>
-                    <a:bodyPr/>
-                    <a:lstStyle/>
-                    <a:p>
-                      <a:pPr algn="ctr" rtl="0"/>
-                      <a:r>
-                        <a:rPr lang="pt-pt"/>
-                        <a:t>Grupo 2</a:t>
-                      </a:r>
-                    </a:p>
-                  </a:txBody>
-                  <a:tcPr anchor="ctr">
-                    <a:solidFill>
-                      <a:srgbClr val="008282"/>
-                    </a:solidFill>
-                  </a:tcPr>
-                </a:tc>
-                <a:extLst>
-                  <a:ext uri="{0D108BD9-81ED-4DB2-BD59-A6C34878D82A}">
-                    <a16:rowId xmlns:a16="http://schemas.microsoft.com/office/drawing/2014/main" val="10000"/>
-                  </a:ext>
-                </a:extLst>
-              </a:tr>
-              <a:tr h="563959">
-                <a:tc>
-                  <a:txBody>
-                    <a:bodyPr/>
-                    <a:lstStyle/>
-                    <a:p>
-                      <a:pPr rtl="0"/>
-                      <a:r>
-                        <a:rPr lang="pt-pt"/>
-                        <a:t>Classe 1</a:t>
-                      </a:r>
-                    </a:p>
-                  </a:txBody>
-                  <a:tcPr anchor="ctr"/>
-                </a:tc>
-                <a:tc>
-                  <a:txBody>
-                    <a:bodyPr/>
-                    <a:lstStyle/>
-                    <a:p>
-                      <a:pPr algn="ctr" rtl="0"/>
-                      <a:r>
-                        <a:rPr lang="pt-pt"/>
-                        <a:t>82</a:t>
-                      </a:r>
-                    </a:p>
-                  </a:txBody>
-                  <a:tcPr anchor="ctr"/>
-                </a:tc>
-                <a:tc>
-                  <a:txBody>
-                    <a:bodyPr/>
-                    <a:lstStyle/>
-                    <a:p>
-                      <a:pPr algn="ctr" rtl="0"/>
-                      <a:r>
-                        <a:rPr lang="pt-pt"/>
-                        <a:t>95</a:t>
-                      </a:r>
-                    </a:p>
-                  </a:txBody>
-                  <a:tcPr anchor="ctr"/>
-                </a:tc>
-                <a:extLst>
-                  <a:ext uri="{0D108BD9-81ED-4DB2-BD59-A6C34878D82A}">
-                    <a16:rowId xmlns:a16="http://schemas.microsoft.com/office/drawing/2014/main" val="10001"/>
-                  </a:ext>
-                </a:extLst>
-              </a:tr>
-              <a:tr h="563959">
-                <a:tc>
-                  <a:txBody>
-                    <a:bodyPr/>
-                    <a:lstStyle/>
-                    <a:p>
-                      <a:pPr rtl="0"/>
-                      <a:r>
-                        <a:rPr lang="pt-pt"/>
-                        <a:t>Classe 2</a:t>
-                      </a:r>
-                    </a:p>
-                  </a:txBody>
-                  <a:tcPr anchor="ctr"/>
-                </a:tc>
-                <a:tc>
-                  <a:txBody>
-                    <a:bodyPr/>
-                    <a:lstStyle/>
-                    <a:p>
-                      <a:pPr algn="ctr" rtl="0"/>
-                      <a:r>
-                        <a:rPr lang="pt-pt"/>
-                        <a:t>76</a:t>
-                      </a:r>
-                    </a:p>
-                  </a:txBody>
-                  <a:tcPr anchor="ctr"/>
-                </a:tc>
-                <a:tc>
-                  <a:txBody>
-                    <a:bodyPr/>
-                    <a:lstStyle/>
-                    <a:p>
-                      <a:pPr algn="ctr" rtl="0"/>
-                      <a:r>
-                        <a:rPr lang="pt-pt"/>
-                        <a:t>88</a:t>
-                      </a:r>
-                    </a:p>
-                  </a:txBody>
-                  <a:tcPr anchor="ctr"/>
-                </a:tc>
-                <a:extLst>
-                  <a:ext uri="{0D108BD9-81ED-4DB2-BD59-A6C34878D82A}">
-                    <a16:rowId xmlns:a16="http://schemas.microsoft.com/office/drawing/2014/main" val="10002"/>
-                  </a:ext>
-                </a:extLst>
-              </a:tr>
-              <a:tr h="563959">
-                <a:tc>
-                  <a:txBody>
-                    <a:bodyPr/>
-                    <a:lstStyle/>
-                    <a:p>
-                      <a:pPr rtl="0"/>
-                      <a:r>
-                        <a:rPr lang="pt-pt"/>
-                        <a:t>Classe 3</a:t>
-                      </a:r>
-                    </a:p>
-                  </a:txBody>
-                  <a:tcPr anchor="ctr"/>
-                </a:tc>
-                <a:tc>
-                  <a:txBody>
-                    <a:bodyPr/>
-                    <a:lstStyle/>
-                    <a:p>
-                      <a:pPr algn="ctr" rtl="0"/>
-                      <a:r>
-                        <a:rPr lang="pt-pt"/>
-                        <a:t>84</a:t>
-                      </a:r>
-                    </a:p>
-                  </a:txBody>
-                  <a:tcPr anchor="ctr"/>
-                </a:tc>
-                <a:tc>
-                  <a:txBody>
-                    <a:bodyPr/>
-                    <a:lstStyle/>
-                    <a:p>
-                      <a:pPr algn="ctr" rtl="0"/>
-                      <a:r>
-                        <a:rPr lang="pt-pt"/>
-                        <a:t>90</a:t>
-                      </a:r>
-                    </a:p>
-                  </a:txBody>
-                  <a:tcPr anchor="ctr"/>
-                </a:tc>
-                <a:extLst>
-                  <a:ext uri="{0D108BD9-81ED-4DB2-BD59-A6C34878D82A}">
-                    <a16:rowId xmlns:a16="http://schemas.microsoft.com/office/drawing/2014/main" val="10003"/>
-                  </a:ext>
-                </a:extLst>
-              </a:tr>
-            </a:tbl>
-          </a:graphicData>
-        </a:graphic>
-      </p:graphicFrame>
-    </p:spTree>
-    <p:extLst>
-      <p:ext uri="{BB962C8B-B14F-4D97-AF65-F5344CB8AC3E}">
-        <p14:creationId xmlns:p14="http://schemas.microsoft.com/office/powerpoint/2010/main" val="2341911148"/>
-      </p:ext>
-    </p:extLst>
-  </p:cSld>
-  <p:clrMapOvr>
-    <a:masterClrMapping/>
-  </p:clrMapOvr>
-  <mc:AlternateContent xmlns:mc="http://schemas.openxmlformats.org/markup-compatibility/2006" xmlns:p14="http://schemas.microsoft.com/office/powerpoint/2010/main">
-    <mc:Choice Requires="p14">
-      <p:transition spd="med" p14:dur="700">
-        <p:fade/>
-      </p:transition>
-    </mc:Choice>
-    <mc:Fallback xmlns="">
-      <p:transition spd="med">
-        <p:fade/>
-      </p:transition>
-    </mc:Fallback>
-  </mc:AlternateContent>
-</p:sld>
-</file>
-
-<file path=ppt/slides/slide6.xml><?xml version="1.0" encoding="utf-8"?>
-<p:sld xmlns:a="http://schemas.openxmlformats.org/drawingml/2006/main" xmlns:r="http://schemas.openxmlformats.org/officeDocument/2006/relationships" xmlns:p="http://schemas.openxmlformats.org/presentationml/2006/main">
-  <p:cSld>
-    <p:spTree>
-      <p:nvGrpSpPr>
-        <p:cNvPr id="1" name=""/>
-        <p:cNvGrpSpPr/>
-        <p:nvPr/>
-      </p:nvGrpSpPr>
-      <p:grpSpPr>
-        <a:xfrm>
-          <a:off x="0" y="0"/>
-          <a:ext cx="0" cy="0"/>
-          <a:chOff x="0" y="0"/>
-          <a:chExt cx="0" cy="0"/>
-        </a:xfrm>
-      </p:grpSpPr>
-      <p:sp>
-        <p:nvSpPr>
-          <p:cNvPr id="2" name="Título 1"/>
-          <p:cNvSpPr>
-            <a:spLocks noGrp="1"/>
-          </p:cNvSpPr>
-          <p:nvPr>
-            <p:ph type="title"/>
-          </p:nvPr>
-        </p:nvSpPr>
-        <p:spPr/>
-        <p:txBody>
-          <a:bodyPr rtlCol="0"/>
-          <a:lstStyle/>
-          <a:p>
-            <a:pPr rtl="0"/>
-            <a:r>
-              <a:rPr lang="pt-pt"/>
-              <a:t>Esquema de Conteúdo Duplo com SmartArt</a:t>
-            </a:r>
-          </a:p>
-        </p:txBody>
-      </p:sp>
-      <p:sp>
-        <p:nvSpPr>
-          <p:cNvPr id="3" name="Marcador de Posição de Conteúdo 2"/>
-          <p:cNvSpPr>
-            <a:spLocks noGrp="1"/>
-          </p:cNvSpPr>
-          <p:nvPr>
-            <p:ph sz="half" idx="1"/>
-          </p:nvPr>
-        </p:nvSpPr>
-        <p:spPr/>
-        <p:txBody>
-          <a:bodyPr rtlCol="0"/>
-          <a:lstStyle/>
-          <a:p>
-            <a:pPr rtl="0"/>
-            <a:r>
-              <a:rPr lang="pt-pt"/>
-              <a:t>Primeira marca aqui</a:t>
-            </a:r>
-          </a:p>
-          <a:p>
-            <a:pPr rtl="0"/>
-            <a:r>
-              <a:rPr lang="pt-pt"/>
-              <a:t>Segunda marca aqui</a:t>
-            </a:r>
-          </a:p>
-          <a:p>
-            <a:pPr rtl="0"/>
-            <a:r>
-              <a:rPr lang="pt-pt"/>
-              <a:t>Terceira marca aqui</a:t>
-            </a:r>
-          </a:p>
-        </p:txBody>
-      </p:sp>
-      <p:graphicFrame>
-        <p:nvGraphicFramePr>
-          <p:cNvPr id="5" name="Marcador de Posição de Conteúdo 4" descr="Processo escalonado a mostrar 3 tarefas dispostas uma abaixo da outra e são utilizadas duas setas a apontar para baixo para indicar o progresso da primeira tarefa para a segunda tarefa e da segunda tarefa para a terceira tarefa."/>
-          <p:cNvGraphicFramePr>
-            <a:graphicFrameLocks noGrp="1"/>
-          </p:cNvGraphicFramePr>
-          <p:nvPr>
-            <p:ph sz="half" idx="2"/>
-            <p:extLst>
-              <p:ext uri="{D42A27DB-BD31-4B8C-83A1-F6EECF244321}">
-                <p14:modId xmlns:p14="http://schemas.microsoft.com/office/powerpoint/2010/main" val="2561100622"/>
-              </p:ext>
-            </p:extLst>
-          </p:nvPr>
-        </p:nvGraphicFramePr>
-        <p:xfrm>
-          <a:off x="6500813" y="1706563"/>
-          <a:ext cx="5078412" cy="4465637"/>
-        </p:xfrm>
-        <a:graphic>
-          <a:graphicData uri="http://schemas.openxmlformats.org/drawingml/2006/diagram">
-            <dgm:relIds xmlns:dgm="http://schemas.openxmlformats.org/drawingml/2006/diagram" xmlns:r="http://schemas.openxmlformats.org/officeDocument/2006/relationships" r:dm="rId3" r:lo="rId4" r:qs="rId5" r:cs="rId6"/>
-          </a:graphicData>
-        </a:graphic>
-      </p:graphicFrame>
-    </p:spTree>
-    <p:extLst>
-      <p:ext uri="{BB962C8B-B14F-4D97-AF65-F5344CB8AC3E}">
-        <p14:creationId xmlns:p14="http://schemas.microsoft.com/office/powerpoint/2010/main" val="4123189245"/>
-      </p:ext>
-    </p:extLst>
-  </p:cSld>
-  <p:clrMapOvr>
-    <a:masterClrMapping/>
-  </p:clrMapOvr>
-  <mc:AlternateContent xmlns:mc="http://schemas.openxmlformats.org/markup-compatibility/2006" xmlns:p14="http://schemas.microsoft.com/office/powerpoint/2010/main">
-    <mc:Choice Requires="p14">
-      <p:transition spd="med" p14:dur="700">
-        <p:fade/>
-      </p:transition>
-    </mc:Choice>
-    <mc:Fallback xmlns="">
-      <p:transition spd="med">
-        <p:fade/>
-      </p:transition>
-    </mc:Fallback>
-  </mc:AlternateContent>
-</p:sld>
-</file>
-
-<file path=ppt/slides/slide7.xml><?xml version="1.0" encoding="utf-8"?>
-<p:sld xmlns:a="http://schemas.openxmlformats.org/drawingml/2006/main" xmlns:r="http://schemas.openxmlformats.org/officeDocument/2006/relationships" xmlns:p="http://schemas.openxmlformats.org/presentationml/2006/main">
-  <p:cSld>
-    <p:spTree>
-      <p:nvGrpSpPr>
-        <p:cNvPr id="1" name=""/>
-        <p:cNvGrpSpPr/>
-        <p:nvPr/>
-      </p:nvGrpSpPr>
-      <p:grpSpPr>
-        <a:xfrm>
-          <a:off x="0" y="0"/>
-          <a:ext cx="0" cy="0"/>
-          <a:chOff x="0" y="0"/>
-          <a:chExt cx="0" cy="0"/>
-        </a:xfrm>
-      </p:grpSpPr>
-      <p:sp>
-        <p:nvSpPr>
-          <p:cNvPr id="7" name="Título 6"/>
-          <p:cNvSpPr>
-            <a:spLocks noGrp="1"/>
-          </p:cNvSpPr>
-          <p:nvPr>
-            <p:ph type="title"/>
-          </p:nvPr>
-        </p:nvSpPr>
-        <p:spPr/>
-        <p:txBody>
-          <a:bodyPr rtlCol="0"/>
-          <a:lstStyle/>
-          <a:p>
-            <a:pPr rtl="0"/>
-            <a:r>
-              <a:rPr lang="pt-PT" dirty="0"/>
-              <a:t>Adicionar um Título ao Diapositivo</a:t>
-            </a:r>
-            <a:r>
-              <a:rPr lang="pt-pt" dirty="0"/>
-              <a:t> – 2</a:t>
-            </a:r>
-          </a:p>
-        </p:txBody>
-      </p:sp>
-      <p:sp>
-        <p:nvSpPr>
-          <p:cNvPr id="8" name="Marcador de Posição do Texto 7"/>
-          <p:cNvSpPr>
-            <a:spLocks noGrp="1"/>
-          </p:cNvSpPr>
-          <p:nvPr>
-            <p:ph type="body" idx="1"/>
-          </p:nvPr>
-        </p:nvSpPr>
-        <p:spPr/>
-        <p:txBody>
-          <a:bodyPr rtlCol="0"/>
-          <a:lstStyle/>
-          <a:p>
-            <a:pPr rtl="0"/>
             <a:endParaRPr lang="en-US" dirty="0"/>
-          </a:p>
-        </p:txBody>
-      </p:sp>
-      <p:sp>
-        <p:nvSpPr>
-          <p:cNvPr id="10" name="Marcador de Posição de Conteúdo 9"/>
-          <p:cNvSpPr>
-            <a:spLocks noGrp="1"/>
-          </p:cNvSpPr>
-          <p:nvPr>
-            <p:ph sz="half" idx="2"/>
-          </p:nvPr>
-        </p:nvSpPr>
-        <p:spPr/>
-        <p:txBody>
-          <a:bodyPr rtlCol="0"/>
-          <a:lstStyle/>
-          <a:p>
-            <a:pPr rtl="0"/>
-            <a:endParaRPr lang="en-US" dirty="0"/>
-          </a:p>
-        </p:txBody>
-      </p:sp>
-      <p:sp>
-        <p:nvSpPr>
-          <p:cNvPr id="9" name="Marcador de Posição do Texto 8"/>
-          <p:cNvSpPr>
-            <a:spLocks noGrp="1"/>
-          </p:cNvSpPr>
-          <p:nvPr>
-            <p:ph type="body" sz="quarter" idx="3"/>
-          </p:nvPr>
-        </p:nvSpPr>
-        <p:spPr/>
-        <p:txBody>
-          <a:bodyPr rtlCol="0"/>
-          <a:lstStyle/>
-          <a:p>
-            <a:pPr rtl="0"/>
-            <a:endParaRPr lang="en-US" dirty="0"/>
-          </a:p>
-        </p:txBody>
-      </p:sp>
-      <p:sp>
-        <p:nvSpPr>
-          <p:cNvPr id="11" name="Marcador de Posição de Conteúdo 10"/>
-          <p:cNvSpPr>
-            <a:spLocks noGrp="1"/>
-          </p:cNvSpPr>
-          <p:nvPr>
-            <p:ph sz="quarter" idx="4"/>
-          </p:nvPr>
-        </p:nvSpPr>
-        <p:spPr/>
-        <p:txBody>
-          <a:bodyPr rtlCol="0"/>
-          <a:lstStyle/>
-          <a:p>
-            <a:pPr rtl="0"/>
-            <a:endParaRPr lang="en-US" dirty="0"/>
-          </a:p>
-        </p:txBody>
-      </p:sp>
-    </p:spTree>
-    <p:extLst>
-      <p:ext uri="{BB962C8B-B14F-4D97-AF65-F5344CB8AC3E}">
-        <p14:creationId xmlns:p14="http://schemas.microsoft.com/office/powerpoint/2010/main" val="2672039197"/>
-      </p:ext>
-    </p:extLst>
-  </p:cSld>
-  <p:clrMapOvr>
-    <a:masterClrMapping/>
-  </p:clrMapOvr>
-  <mc:AlternateContent xmlns:mc="http://schemas.openxmlformats.org/markup-compatibility/2006" xmlns:p14="http://schemas.microsoft.com/office/powerpoint/2010/main">
-    <mc:Choice Requires="p14">
-      <p:transition spd="med" p14:dur="700">
-        <p:fade/>
-      </p:transition>
-    </mc:Choice>
-    <mc:Fallback xmlns="">
-      <p:transition spd="med">
-        <p:fade/>
-      </p:transition>
-    </mc:Fallback>
-  </mc:AlternateContent>
-</p:sld>
-</file>
-
-<file path=ppt/slides/slide8.xml><?xml version="1.0" encoding="utf-8"?>
-<p:sld xmlns:a="http://schemas.openxmlformats.org/drawingml/2006/main" xmlns:r="http://schemas.openxmlformats.org/officeDocument/2006/relationships" xmlns:p="http://schemas.openxmlformats.org/presentationml/2006/main">
-  <p:cSld>
-    <p:spTree>
-      <p:nvGrpSpPr>
-        <p:cNvPr id="1" name=""/>
-        <p:cNvGrpSpPr/>
-        <p:nvPr/>
-      </p:nvGrpSpPr>
-      <p:grpSpPr>
-        <a:xfrm>
-          <a:off x="0" y="0"/>
-          <a:ext cx="0" cy="0"/>
-          <a:chOff x="0" y="0"/>
-          <a:chExt cx="0" cy="0"/>
-        </a:xfrm>
-      </p:grpSpPr>
-      <p:sp>
-        <p:nvSpPr>
-          <p:cNvPr id="3" name="Título 2"/>
-          <p:cNvSpPr>
-            <a:spLocks noGrp="1"/>
-          </p:cNvSpPr>
-          <p:nvPr>
-            <p:ph type="title"/>
-          </p:nvPr>
-        </p:nvSpPr>
-        <p:spPr/>
-        <p:txBody>
-          <a:bodyPr rtlCol="0"/>
-          <a:lstStyle/>
-          <a:p>
-            <a:pPr rtl="0"/>
-            <a:r>
-              <a:rPr lang="pt-PT" dirty="0"/>
-              <a:t>Adicionar um Título ao Diapositivo</a:t>
-            </a:r>
-            <a:r>
-              <a:rPr lang="pt-pt" dirty="0"/>
-              <a:t> – 3</a:t>
-            </a:r>
           </a:p>
         </p:txBody>
       </p:sp>
@@ -13006,48 +7096,6 @@
     <p:extLst>
       <p:ext uri="{BB962C8B-B14F-4D97-AF65-F5344CB8AC3E}">
         <p14:creationId xmlns:p14="http://schemas.microsoft.com/office/powerpoint/2010/main" val="397710800"/>
-      </p:ext>
-    </p:extLst>
-  </p:cSld>
-  <p:clrMapOvr>
-    <a:masterClrMapping/>
-  </p:clrMapOvr>
-  <mc:AlternateContent xmlns:mc="http://schemas.openxmlformats.org/markup-compatibility/2006" xmlns:p14="http://schemas.microsoft.com/office/powerpoint/2010/main">
-    <mc:Choice Requires="p14">
-      <p:transition spd="med" p14:dur="700">
-        <p:fade/>
-      </p:transition>
-    </mc:Choice>
-    <mc:Fallback xmlns="">
-      <p:transition spd="med">
-        <p:fade/>
-      </p:transition>
-    </mc:Fallback>
-  </mc:AlternateContent>
-</p:sld>
-</file>
-
-<file path=ppt/slides/slide9.xml><?xml version="1.0" encoding="utf-8"?>
-<p:sld xmlns:a="http://schemas.openxmlformats.org/drawingml/2006/main" xmlns:r="http://schemas.openxmlformats.org/officeDocument/2006/relationships" xmlns:p="http://schemas.openxmlformats.org/presentationml/2006/main">
-  <p:cSld>
-    <p:spTree>
-      <p:nvGrpSpPr>
-        <p:cNvPr id="1" name=""/>
-        <p:cNvGrpSpPr/>
-        <p:nvPr/>
-      </p:nvGrpSpPr>
-      <p:grpSpPr>
-        <a:xfrm>
-          <a:off x="0" y="0"/>
-          <a:ext cx="0" cy="0"/>
-          <a:chOff x="0" y="0"/>
-          <a:chExt cx="0" cy="0"/>
-        </a:xfrm>
-      </p:grpSpPr>
-    </p:spTree>
-    <p:extLst>
-      <p:ext uri="{BB962C8B-B14F-4D97-AF65-F5344CB8AC3E}">
-        <p14:creationId xmlns:p14="http://schemas.microsoft.com/office/powerpoint/2010/main" val="1405850135"/>
       </p:ext>
     </p:extLst>
   </p:cSld>
@@ -15060,15 +9108,6 @@
 </file>
 
 <file path=customXml/item2.xml><?xml version="1.0" encoding="utf-8"?>
-<?mso-contentType ?>
-<FormTemplates xmlns="http://schemas.microsoft.com/sharepoint/v3/contenttype/forms">
-  <Display>DocumentLibraryForm</Display>
-  <Edit>AssetEditForm</Edit>
-  <New>DocumentLibraryForm</New>
-</FormTemplates>
-</file>
-
-<file path=customXml/item3.xml><?xml version="1.0" encoding="utf-8"?>
 <p:properties xmlns:p="http://schemas.microsoft.com/office/2006/metadata/properties" xmlns:xsi="http://www.w3.org/2001/XMLSchema-instance" xmlns:pc="http://schemas.microsoft.com/office/infopath/2007/PartnerControls">
   <documentManagement>
     <LocPublishedLinkedAssetsLookup xmlns="4873beb7-5857-4685-be1f-d57550cc96cc" xsi:nil="true"/>
@@ -15204,6 +9243,15 @@
 </p:properties>
 </file>
 
+<file path=customXml/item3.xml><?xml version="1.0" encoding="utf-8"?>
+<?mso-contentType ?>
+<FormTemplates xmlns="http://schemas.microsoft.com/sharepoint/v3/contenttype/forms">
+  <Display>DocumentLibraryForm</Display>
+  <Edit>AssetEditForm</Edit>
+  <New>DocumentLibraryForm</New>
+</FormTemplates>
+</file>
+
 <file path=customXml/itemProps1.xml><?xml version="1.0" encoding="utf-8"?>
 <ds:datastoreItem xmlns:ds="http://schemas.openxmlformats.org/officeDocument/2006/customXml" ds:itemID="{A09BF4D4-EF60-4196-BFC3-9462D607978C}">
   <ds:schemaRefs>
@@ -15223,14 +9271,6 @@
 </file>
 
 <file path=customXml/itemProps2.xml><?xml version="1.0" encoding="utf-8"?>
-<ds:datastoreItem xmlns:ds="http://schemas.openxmlformats.org/officeDocument/2006/customXml" ds:itemID="{3836F65B-1B07-41EE-A0E8-BC6EF3855225}">
-  <ds:schemaRefs>
-    <ds:schemaRef ds:uri="http://schemas.microsoft.com/sharepoint/v3/contenttype/forms"/>
-  </ds:schemaRefs>
-</ds:datastoreItem>
-</file>
-
-<file path=customXml/itemProps3.xml><?xml version="1.0" encoding="utf-8"?>
 <ds:datastoreItem xmlns:ds="http://schemas.openxmlformats.org/officeDocument/2006/customXml" ds:itemID="{60C67BEE-D13F-4BD2-98A5-34D8A0977F68}">
   <ds:schemaRefs>
     <ds:schemaRef ds:uri="http://purl.org/dc/terms/"/>
@@ -15244,4 +9284,12 @@
     <ds:schemaRef ds:uri="4873beb7-5857-4685-be1f-d57550cc96cc"/>
   </ds:schemaRefs>
 </ds:datastoreItem>
+</file>
+
+<file path=customXml/itemProps3.xml><?xml version="1.0" encoding="utf-8"?>
+<ds:datastoreItem xmlns:ds="http://schemas.openxmlformats.org/officeDocument/2006/customXml" ds:itemID="{3836F65B-1B07-41EE-A0E8-BC6EF3855225}">
+  <ds:schemaRefs>
+    <ds:schemaRef ds:uri="http://schemas.microsoft.com/sharepoint/v3/contenttype/forms"/>
+  </ds:schemaRefs>
+</ds:datastoreItem>
 </file>